--- a/Presentation/F1_Presentation_Moyo_Majak.pptx
+++ b/Presentation/F1_Presentation_Moyo_Majak.pptx
@@ -4,13 +4,22 @@
   <p:sldMasterIdLst>
     <p:sldMasterId id="2147483648" r:id="rId1"/>
   </p:sldMasterIdLst>
+  <p:notesMasterIdLst>
+    <p:notesMasterId r:id="rId14"/>
+  </p:notesMasterIdLst>
   <p:sldIdLst>
     <p:sldId id="256" r:id="rId2"/>
     <p:sldId id="257" r:id="rId3"/>
     <p:sldId id="258" r:id="rId4"/>
-    <p:sldId id="259" r:id="rId5"/>
-    <p:sldId id="260" r:id="rId6"/>
-    <p:sldId id="261" r:id="rId7"/>
+    <p:sldId id="260" r:id="rId5"/>
+    <p:sldId id="259" r:id="rId6"/>
+    <p:sldId id="264" r:id="rId7"/>
+    <p:sldId id="262" r:id="rId8"/>
+    <p:sldId id="261" r:id="rId9"/>
+    <p:sldId id="265" r:id="rId10"/>
+    <p:sldId id="263" r:id="rId11"/>
+    <p:sldId id="266" r:id="rId12"/>
+    <p:sldId id="267" r:id="rId13"/>
   </p:sldIdLst>
   <p:sldSz cx="12192000" cy="6858000"/>
   <p:notesSz cx="6858000" cy="9144000"/>
@@ -117,6 +126,1235 @@
 </p:presentation>
 </file>
 
+<file path=ppt/notesMasters/notesMaster1.xml><?xml version="1.0" encoding="utf-8"?>
+<p:notesMaster xmlns:a="http://schemas.openxmlformats.org/drawingml/2006/main" xmlns:r="http://schemas.openxmlformats.org/officeDocument/2006/relationships" xmlns:p="http://schemas.openxmlformats.org/presentationml/2006/main">
+  <p:cSld>
+    <p:bg>
+      <p:bgRef idx="1001">
+        <a:schemeClr val="bg1"/>
+      </p:bgRef>
+    </p:bg>
+    <p:spTree>
+      <p:nvGrpSpPr>
+        <p:cNvPr id="1" name=""/>
+        <p:cNvGrpSpPr/>
+        <p:nvPr/>
+      </p:nvGrpSpPr>
+      <p:grpSpPr>
+        <a:xfrm>
+          <a:off x="0" y="0"/>
+          <a:ext cx="0" cy="0"/>
+          <a:chOff x="0" y="0"/>
+          <a:chExt cx="0" cy="0"/>
+        </a:xfrm>
+      </p:grpSpPr>
+      <p:sp>
+        <p:nvSpPr>
+          <p:cNvPr id="2" name="Header Placeholder 1"/>
+          <p:cNvSpPr>
+            <a:spLocks noGrp="1"/>
+          </p:cNvSpPr>
+          <p:nvPr>
+            <p:ph type="hdr" sz="quarter"/>
+          </p:nvPr>
+        </p:nvSpPr>
+        <p:spPr>
+          <a:xfrm>
+            <a:off x="0" y="0"/>
+            <a:ext cx="2971800" cy="458788"/>
+          </a:xfrm>
+          <a:prstGeom prst="rect">
+            <a:avLst/>
+          </a:prstGeom>
+        </p:spPr>
+        <p:txBody>
+          <a:bodyPr vert="horz" lIns="91440" tIns="45720" rIns="91440" bIns="45720" rtlCol="0"/>
+          <a:lstStyle>
+            <a:lvl1pPr algn="l">
+              <a:defRPr sz="1200"/>
+            </a:lvl1pPr>
+          </a:lstStyle>
+          <a:p>
+            <a:endParaRPr lang="en-US"/>
+          </a:p>
+        </p:txBody>
+      </p:sp>
+      <p:sp>
+        <p:nvSpPr>
+          <p:cNvPr id="3" name="Date Placeholder 2"/>
+          <p:cNvSpPr>
+            <a:spLocks noGrp="1"/>
+          </p:cNvSpPr>
+          <p:nvPr>
+            <p:ph type="dt" idx="1"/>
+          </p:nvPr>
+        </p:nvSpPr>
+        <p:spPr>
+          <a:xfrm>
+            <a:off x="3884613" y="0"/>
+            <a:ext cx="2971800" cy="458788"/>
+          </a:xfrm>
+          <a:prstGeom prst="rect">
+            <a:avLst/>
+          </a:prstGeom>
+        </p:spPr>
+        <p:txBody>
+          <a:bodyPr vert="horz" lIns="91440" tIns="45720" rIns="91440" bIns="45720" rtlCol="0"/>
+          <a:lstStyle>
+            <a:lvl1pPr algn="r">
+              <a:defRPr sz="1200"/>
+            </a:lvl1pPr>
+          </a:lstStyle>
+          <a:p>
+            <a:fld id="{B3CDF40C-5A9A-4B37-9F4E-A337933060DF}" type="datetimeFigureOut">
+              <a:rPr lang="en-US" smtClean="0"/>
+              <a:t>1/20/2021</a:t>
+            </a:fld>
+            <a:endParaRPr lang="en-US"/>
+          </a:p>
+        </p:txBody>
+      </p:sp>
+      <p:sp>
+        <p:nvSpPr>
+          <p:cNvPr id="4" name="Slide Image Placeholder 3"/>
+          <p:cNvSpPr>
+            <a:spLocks noGrp="1" noRot="1" noChangeAspect="1"/>
+          </p:cNvSpPr>
+          <p:nvPr>
+            <p:ph type="sldImg" idx="2"/>
+          </p:nvPr>
+        </p:nvSpPr>
+        <p:spPr>
+          <a:xfrm>
+            <a:off x="685800" y="1143000"/>
+            <a:ext cx="5486400" cy="3086100"/>
+          </a:xfrm>
+          <a:prstGeom prst="rect">
+            <a:avLst/>
+          </a:prstGeom>
+          <a:noFill/>
+          <a:ln w="12700">
+            <a:solidFill>
+              <a:prstClr val="black"/>
+            </a:solidFill>
+          </a:ln>
+        </p:spPr>
+        <p:txBody>
+          <a:bodyPr vert="horz" lIns="91440" tIns="45720" rIns="91440" bIns="45720" rtlCol="0" anchor="ctr"/>
+          <a:lstStyle/>
+          <a:p>
+            <a:endParaRPr lang="en-US"/>
+          </a:p>
+        </p:txBody>
+      </p:sp>
+      <p:sp>
+        <p:nvSpPr>
+          <p:cNvPr id="5" name="Notes Placeholder 4"/>
+          <p:cNvSpPr>
+            <a:spLocks noGrp="1"/>
+          </p:cNvSpPr>
+          <p:nvPr>
+            <p:ph type="body" sz="quarter" idx="3"/>
+          </p:nvPr>
+        </p:nvSpPr>
+        <p:spPr>
+          <a:xfrm>
+            <a:off x="685800" y="4400550"/>
+            <a:ext cx="5486400" cy="3600450"/>
+          </a:xfrm>
+          <a:prstGeom prst="rect">
+            <a:avLst/>
+          </a:prstGeom>
+        </p:spPr>
+        <p:txBody>
+          <a:bodyPr vert="horz" lIns="91440" tIns="45720" rIns="91440" bIns="45720" rtlCol="0"/>
+          <a:lstStyle/>
+          <a:p>
+            <a:pPr lvl="0"/>
+            <a:r>
+              <a:rPr lang="en-US"/>
+              <a:t>Click to edit Master text styles</a:t>
+            </a:r>
+          </a:p>
+          <a:p>
+            <a:pPr lvl="1"/>
+            <a:r>
+              <a:rPr lang="en-US"/>
+              <a:t>Second level</a:t>
+            </a:r>
+          </a:p>
+          <a:p>
+            <a:pPr lvl="2"/>
+            <a:r>
+              <a:rPr lang="en-US"/>
+              <a:t>Third level</a:t>
+            </a:r>
+          </a:p>
+          <a:p>
+            <a:pPr lvl="3"/>
+            <a:r>
+              <a:rPr lang="en-US"/>
+              <a:t>Fourth level</a:t>
+            </a:r>
+          </a:p>
+          <a:p>
+            <a:pPr lvl="4"/>
+            <a:r>
+              <a:rPr lang="en-US"/>
+              <a:t>Fifth level</a:t>
+            </a:r>
+          </a:p>
+        </p:txBody>
+      </p:sp>
+      <p:sp>
+        <p:nvSpPr>
+          <p:cNvPr id="6" name="Footer Placeholder 5"/>
+          <p:cNvSpPr>
+            <a:spLocks noGrp="1"/>
+          </p:cNvSpPr>
+          <p:nvPr>
+            <p:ph type="ftr" sz="quarter" idx="4"/>
+          </p:nvPr>
+        </p:nvSpPr>
+        <p:spPr>
+          <a:xfrm>
+            <a:off x="0" y="8685213"/>
+            <a:ext cx="2971800" cy="458787"/>
+          </a:xfrm>
+          <a:prstGeom prst="rect">
+            <a:avLst/>
+          </a:prstGeom>
+        </p:spPr>
+        <p:txBody>
+          <a:bodyPr vert="horz" lIns="91440" tIns="45720" rIns="91440" bIns="45720" rtlCol="0" anchor="b"/>
+          <a:lstStyle>
+            <a:lvl1pPr algn="l">
+              <a:defRPr sz="1200"/>
+            </a:lvl1pPr>
+          </a:lstStyle>
+          <a:p>
+            <a:endParaRPr lang="en-US"/>
+          </a:p>
+        </p:txBody>
+      </p:sp>
+      <p:sp>
+        <p:nvSpPr>
+          <p:cNvPr id="7" name="Slide Number Placeholder 6"/>
+          <p:cNvSpPr>
+            <a:spLocks noGrp="1"/>
+          </p:cNvSpPr>
+          <p:nvPr>
+            <p:ph type="sldNum" sz="quarter" idx="5"/>
+          </p:nvPr>
+        </p:nvSpPr>
+        <p:spPr>
+          <a:xfrm>
+            <a:off x="3884613" y="8685213"/>
+            <a:ext cx="2971800" cy="458787"/>
+          </a:xfrm>
+          <a:prstGeom prst="rect">
+            <a:avLst/>
+          </a:prstGeom>
+        </p:spPr>
+        <p:txBody>
+          <a:bodyPr vert="horz" lIns="91440" tIns="45720" rIns="91440" bIns="45720" rtlCol="0" anchor="b"/>
+          <a:lstStyle>
+            <a:lvl1pPr algn="r">
+              <a:defRPr sz="1200"/>
+            </a:lvl1pPr>
+          </a:lstStyle>
+          <a:p>
+            <a:fld id="{8B16C77F-3968-400F-9FFF-E15A5979D213}" type="slidenum">
+              <a:rPr lang="en-US" smtClean="0"/>
+              <a:t>‹#›</a:t>
+            </a:fld>
+            <a:endParaRPr lang="en-US"/>
+          </a:p>
+        </p:txBody>
+      </p:sp>
+    </p:spTree>
+    <p:extLst>
+      <p:ext uri="{BB962C8B-B14F-4D97-AF65-F5344CB8AC3E}">
+        <p14:creationId xmlns:p14="http://schemas.microsoft.com/office/powerpoint/2010/main" val="3088119949"/>
+      </p:ext>
+    </p:extLst>
+  </p:cSld>
+  <p:clrMap bg1="lt1" tx1="dk1" bg2="lt2" tx2="dk2" accent1="accent1" accent2="accent2" accent3="accent3" accent4="accent4" accent5="accent5" accent6="accent6" hlink="hlink" folHlink="folHlink"/>
+  <p:notesStyle>
+    <a:lvl1pPr marL="0" algn="l" defTabSz="914400" rtl="0" eaLnBrk="1" latinLnBrk="0" hangingPunct="1">
+      <a:defRPr sz="1200" kern="1200">
+        <a:solidFill>
+          <a:schemeClr val="tx1"/>
+        </a:solidFill>
+        <a:latin typeface="+mn-lt"/>
+        <a:ea typeface="+mn-ea"/>
+        <a:cs typeface="+mn-cs"/>
+      </a:defRPr>
+    </a:lvl1pPr>
+    <a:lvl2pPr marL="457200" algn="l" defTabSz="914400" rtl="0" eaLnBrk="1" latinLnBrk="0" hangingPunct="1">
+      <a:defRPr sz="1200" kern="1200">
+        <a:solidFill>
+          <a:schemeClr val="tx1"/>
+        </a:solidFill>
+        <a:latin typeface="+mn-lt"/>
+        <a:ea typeface="+mn-ea"/>
+        <a:cs typeface="+mn-cs"/>
+      </a:defRPr>
+    </a:lvl2pPr>
+    <a:lvl3pPr marL="914400" algn="l" defTabSz="914400" rtl="0" eaLnBrk="1" latinLnBrk="0" hangingPunct="1">
+      <a:defRPr sz="1200" kern="1200">
+        <a:solidFill>
+          <a:schemeClr val="tx1"/>
+        </a:solidFill>
+        <a:latin typeface="+mn-lt"/>
+        <a:ea typeface="+mn-ea"/>
+        <a:cs typeface="+mn-cs"/>
+      </a:defRPr>
+    </a:lvl3pPr>
+    <a:lvl4pPr marL="1371600" algn="l" defTabSz="914400" rtl="0" eaLnBrk="1" latinLnBrk="0" hangingPunct="1">
+      <a:defRPr sz="1200" kern="1200">
+        <a:solidFill>
+          <a:schemeClr val="tx1"/>
+        </a:solidFill>
+        <a:latin typeface="+mn-lt"/>
+        <a:ea typeface="+mn-ea"/>
+        <a:cs typeface="+mn-cs"/>
+      </a:defRPr>
+    </a:lvl4pPr>
+    <a:lvl5pPr marL="1828800" algn="l" defTabSz="914400" rtl="0" eaLnBrk="1" latinLnBrk="0" hangingPunct="1">
+      <a:defRPr sz="1200" kern="1200">
+        <a:solidFill>
+          <a:schemeClr val="tx1"/>
+        </a:solidFill>
+        <a:latin typeface="+mn-lt"/>
+        <a:ea typeface="+mn-ea"/>
+        <a:cs typeface="+mn-cs"/>
+      </a:defRPr>
+    </a:lvl5pPr>
+    <a:lvl6pPr marL="2286000" algn="l" defTabSz="914400" rtl="0" eaLnBrk="1" latinLnBrk="0" hangingPunct="1">
+      <a:defRPr sz="1200" kern="1200">
+        <a:solidFill>
+          <a:schemeClr val="tx1"/>
+        </a:solidFill>
+        <a:latin typeface="+mn-lt"/>
+        <a:ea typeface="+mn-ea"/>
+        <a:cs typeface="+mn-cs"/>
+      </a:defRPr>
+    </a:lvl6pPr>
+    <a:lvl7pPr marL="2743200" algn="l" defTabSz="914400" rtl="0" eaLnBrk="1" latinLnBrk="0" hangingPunct="1">
+      <a:defRPr sz="1200" kern="1200">
+        <a:solidFill>
+          <a:schemeClr val="tx1"/>
+        </a:solidFill>
+        <a:latin typeface="+mn-lt"/>
+        <a:ea typeface="+mn-ea"/>
+        <a:cs typeface="+mn-cs"/>
+      </a:defRPr>
+    </a:lvl7pPr>
+    <a:lvl8pPr marL="3200400" algn="l" defTabSz="914400" rtl="0" eaLnBrk="1" latinLnBrk="0" hangingPunct="1">
+      <a:defRPr sz="1200" kern="1200">
+        <a:solidFill>
+          <a:schemeClr val="tx1"/>
+        </a:solidFill>
+        <a:latin typeface="+mn-lt"/>
+        <a:ea typeface="+mn-ea"/>
+        <a:cs typeface="+mn-cs"/>
+      </a:defRPr>
+    </a:lvl8pPr>
+    <a:lvl9pPr marL="3657600" algn="l" defTabSz="914400" rtl="0" eaLnBrk="1" latinLnBrk="0" hangingPunct="1">
+      <a:defRPr sz="1200" kern="1200">
+        <a:solidFill>
+          <a:schemeClr val="tx1"/>
+        </a:solidFill>
+        <a:latin typeface="+mn-lt"/>
+        <a:ea typeface="+mn-ea"/>
+        <a:cs typeface="+mn-cs"/>
+      </a:defRPr>
+    </a:lvl9pPr>
+  </p:notesStyle>
+</p:notesMaster>
+</file>
+
+<file path=ppt/notesSlides/notesSlide1.xml><?xml version="1.0" encoding="utf-8"?>
+<p:notes xmlns:a="http://schemas.openxmlformats.org/drawingml/2006/main" xmlns:r="http://schemas.openxmlformats.org/officeDocument/2006/relationships" xmlns:p="http://schemas.openxmlformats.org/presentationml/2006/main">
+  <p:cSld>
+    <p:spTree>
+      <p:nvGrpSpPr>
+        <p:cNvPr id="1" name=""/>
+        <p:cNvGrpSpPr/>
+        <p:nvPr/>
+      </p:nvGrpSpPr>
+      <p:grpSpPr>
+        <a:xfrm>
+          <a:off x="0" y="0"/>
+          <a:ext cx="0" cy="0"/>
+          <a:chOff x="0" y="0"/>
+          <a:chExt cx="0" cy="0"/>
+        </a:xfrm>
+      </p:grpSpPr>
+      <p:sp>
+        <p:nvSpPr>
+          <p:cNvPr id="2" name="Slide Image Placeholder 1"/>
+          <p:cNvSpPr>
+            <a:spLocks noGrp="1" noRot="1" noChangeAspect="1"/>
+          </p:cNvSpPr>
+          <p:nvPr>
+            <p:ph type="sldImg"/>
+          </p:nvPr>
+        </p:nvSpPr>
+        <p:spPr/>
+      </p:sp>
+      <p:sp>
+        <p:nvSpPr>
+          <p:cNvPr id="3" name="Notes Placeholder 2"/>
+          <p:cNvSpPr>
+            <a:spLocks noGrp="1"/>
+          </p:cNvSpPr>
+          <p:nvPr>
+            <p:ph type="body" idx="1"/>
+          </p:nvPr>
+        </p:nvSpPr>
+        <p:spPr/>
+        <p:txBody>
+          <a:bodyPr/>
+          <a:lstStyle/>
+          <a:p>
+            <a:pPr marL="0" marR="0" lvl="0" indent="0" algn="l" defTabSz="914400" rtl="0" eaLnBrk="1" fontAlgn="auto" latinLnBrk="0" hangingPunct="1">
+              <a:lnSpc>
+                <a:spcPct val="100000"/>
+              </a:lnSpc>
+              <a:spcBef>
+                <a:spcPts val="0"/>
+              </a:spcBef>
+              <a:spcAft>
+                <a:spcPts val="0"/>
+              </a:spcAft>
+              <a:buClrTx/>
+              <a:buSzTx/>
+              <a:buFontTx/>
+              <a:buNone/>
+              <a:tabLst/>
+              <a:defRPr/>
+            </a:pPr>
+            <a:r>
+              <a:rPr lang="en-US" b="1" i="0" dirty="0">
+                <a:solidFill>
+                  <a:srgbClr val="202124"/>
+                </a:solidFill>
+                <a:effectLst/>
+                <a:latin typeface="arial" panose="020B0604020202020204" pitchFamily="34" charset="0"/>
+              </a:rPr>
+              <a:t>Formula 1 is known world over and is not only popular for motorsport lovers but all other people too. It</a:t>
+            </a:r>
+            <a:r>
+              <a:rPr lang="en-US" b="0" i="0" dirty="0">
+                <a:solidFill>
+                  <a:srgbClr val="202124"/>
+                </a:solidFill>
+                <a:effectLst/>
+                <a:latin typeface="arial" panose="020B0604020202020204" pitchFamily="34" charset="0"/>
+              </a:rPr>
+              <a:t> is a massive research and development powerhouse. Some research has shown that technologies developed within F1 team factories find their way into other industries, making human lives simpler, safer and more efficient.</a:t>
+            </a:r>
+          </a:p>
+          <a:p>
+            <a:pPr marL="0" marR="0" lvl="0" indent="0" algn="l" defTabSz="914400" rtl="0" eaLnBrk="1" fontAlgn="auto" latinLnBrk="0" hangingPunct="1">
+              <a:lnSpc>
+                <a:spcPct val="100000"/>
+              </a:lnSpc>
+              <a:spcBef>
+                <a:spcPts val="0"/>
+              </a:spcBef>
+              <a:spcAft>
+                <a:spcPts val="0"/>
+              </a:spcAft>
+              <a:buClrTx/>
+              <a:buSzTx/>
+              <a:buFontTx/>
+              <a:buNone/>
+              <a:tabLst/>
+              <a:defRPr/>
+            </a:pPr>
+            <a:endParaRPr lang="en-US" b="0" i="0" dirty="0">
+              <a:solidFill>
+                <a:srgbClr val="202124"/>
+              </a:solidFill>
+              <a:effectLst/>
+              <a:latin typeface="arial" panose="020B0604020202020204" pitchFamily="34" charset="0"/>
+            </a:endParaRPr>
+          </a:p>
+          <a:p>
+            <a:pPr marL="0" marR="0" lvl="0" indent="0" algn="l" defTabSz="914400" rtl="0" eaLnBrk="1" fontAlgn="auto" latinLnBrk="0" hangingPunct="1">
+              <a:lnSpc>
+                <a:spcPct val="100000"/>
+              </a:lnSpc>
+              <a:spcBef>
+                <a:spcPts val="0"/>
+              </a:spcBef>
+              <a:spcAft>
+                <a:spcPts val="0"/>
+              </a:spcAft>
+              <a:buClrTx/>
+              <a:buSzTx/>
+              <a:buFontTx/>
+              <a:buNone/>
+              <a:tabLst/>
+              <a:defRPr/>
+            </a:pPr>
+            <a:r>
+              <a:rPr lang="en-US" b="0" i="0" dirty="0">
+                <a:solidFill>
+                  <a:srgbClr val="202124"/>
+                </a:solidFill>
+                <a:effectLst/>
+                <a:latin typeface="arial" panose="020B0604020202020204" pitchFamily="34" charset="0"/>
+              </a:rPr>
+              <a:t>Over the past 70 years F1 has been done in 6 continents and this map of circuits shows a densely populated number of races being in Europe</a:t>
+            </a:r>
+          </a:p>
+          <a:p>
+            <a:pPr marL="0" marR="0" lvl="0" indent="0" algn="l" defTabSz="914400" rtl="0" eaLnBrk="1" fontAlgn="auto" latinLnBrk="0" hangingPunct="1">
+              <a:lnSpc>
+                <a:spcPct val="100000"/>
+              </a:lnSpc>
+              <a:spcBef>
+                <a:spcPts val="0"/>
+              </a:spcBef>
+              <a:spcAft>
+                <a:spcPts val="0"/>
+              </a:spcAft>
+              <a:buClrTx/>
+              <a:buSzTx/>
+              <a:buFontTx/>
+              <a:buNone/>
+              <a:tabLst/>
+              <a:defRPr/>
+            </a:pPr>
+            <a:endParaRPr lang="en-US" dirty="0"/>
+          </a:p>
+          <a:p>
+            <a:endParaRPr lang="en-US" dirty="0"/>
+          </a:p>
+        </p:txBody>
+      </p:sp>
+      <p:sp>
+        <p:nvSpPr>
+          <p:cNvPr id="4" name="Slide Number Placeholder 3"/>
+          <p:cNvSpPr>
+            <a:spLocks noGrp="1"/>
+          </p:cNvSpPr>
+          <p:nvPr>
+            <p:ph type="sldNum" sz="quarter" idx="5"/>
+          </p:nvPr>
+        </p:nvSpPr>
+        <p:spPr/>
+        <p:txBody>
+          <a:bodyPr/>
+          <a:lstStyle/>
+          <a:p>
+            <a:fld id="{8B16C77F-3968-400F-9FFF-E15A5979D213}" type="slidenum">
+              <a:rPr lang="en-US" smtClean="0"/>
+              <a:t>2</a:t>
+            </a:fld>
+            <a:endParaRPr lang="en-US"/>
+          </a:p>
+        </p:txBody>
+      </p:sp>
+    </p:spTree>
+    <p:extLst>
+      <p:ext uri="{BB962C8B-B14F-4D97-AF65-F5344CB8AC3E}">
+        <p14:creationId xmlns:p14="http://schemas.microsoft.com/office/powerpoint/2010/main" val="2558565497"/>
+      </p:ext>
+    </p:extLst>
+  </p:cSld>
+  <p:clrMapOvr>
+    <a:masterClrMapping/>
+  </p:clrMapOvr>
+</p:notes>
+</file>
+
+<file path=ppt/notesSlides/notesSlide2.xml><?xml version="1.0" encoding="utf-8"?>
+<p:notes xmlns:a="http://schemas.openxmlformats.org/drawingml/2006/main" xmlns:r="http://schemas.openxmlformats.org/officeDocument/2006/relationships" xmlns:p="http://schemas.openxmlformats.org/presentationml/2006/main">
+  <p:cSld>
+    <p:spTree>
+      <p:nvGrpSpPr>
+        <p:cNvPr id="1" name=""/>
+        <p:cNvGrpSpPr/>
+        <p:nvPr/>
+      </p:nvGrpSpPr>
+      <p:grpSpPr>
+        <a:xfrm>
+          <a:off x="0" y="0"/>
+          <a:ext cx="0" cy="0"/>
+          <a:chOff x="0" y="0"/>
+          <a:chExt cx="0" cy="0"/>
+        </a:xfrm>
+      </p:grpSpPr>
+      <p:sp>
+        <p:nvSpPr>
+          <p:cNvPr id="2" name="Slide Image Placeholder 1"/>
+          <p:cNvSpPr>
+            <a:spLocks noGrp="1" noRot="1" noChangeAspect="1"/>
+          </p:cNvSpPr>
+          <p:nvPr>
+            <p:ph type="sldImg"/>
+          </p:nvPr>
+        </p:nvSpPr>
+        <p:spPr/>
+      </p:sp>
+      <p:sp>
+        <p:nvSpPr>
+          <p:cNvPr id="3" name="Notes Placeholder 2"/>
+          <p:cNvSpPr>
+            <a:spLocks noGrp="1"/>
+          </p:cNvSpPr>
+          <p:nvPr>
+            <p:ph type="body" idx="1"/>
+          </p:nvPr>
+        </p:nvSpPr>
+        <p:spPr/>
+        <p:txBody>
+          <a:bodyPr/>
+          <a:lstStyle/>
+          <a:p>
+            <a:r>
+              <a:rPr lang="en-US" dirty="0">
+                <a:effectLst/>
+                <a:latin typeface="SFMono-Regular"/>
+              </a:rPr>
+              <a:t>The dataset used in this project consists of information about F1 races statistics from 1950 until the latest 2020 season. </a:t>
+            </a:r>
+          </a:p>
+          <a:p>
+            <a:r>
+              <a:rPr lang="en-US" dirty="0">
+                <a:effectLst/>
+                <a:latin typeface="SFMono-Regular"/>
+              </a:rPr>
+              <a:t>It was shared by </a:t>
+            </a:r>
+            <a:r>
+              <a:rPr lang="en-US" dirty="0" err="1">
+                <a:effectLst/>
+                <a:latin typeface="SFMono-Regular"/>
+              </a:rPr>
+              <a:t>Vopani</a:t>
+            </a:r>
+            <a:r>
+              <a:rPr lang="en-US" dirty="0">
+                <a:effectLst/>
+                <a:latin typeface="SFMono-Regular"/>
+              </a:rPr>
+              <a:t> on the Kaggle platform and consists of 13 csv files: </a:t>
+            </a:r>
+          </a:p>
+          <a:p>
+            <a:endParaRPr lang="en-US" dirty="0">
+              <a:effectLst/>
+              <a:latin typeface="SFMono-Regular"/>
+            </a:endParaRPr>
+          </a:p>
+          <a:p>
+            <a:r>
+              <a:rPr lang="en-US" dirty="0">
+                <a:effectLst/>
+                <a:latin typeface="SFMono-Regular"/>
+              </a:rPr>
+              <a:t>* circuits* </a:t>
+            </a:r>
+            <a:r>
+              <a:rPr lang="en-US" dirty="0" err="1">
+                <a:effectLst/>
+                <a:latin typeface="SFMono-Regular"/>
+              </a:rPr>
+              <a:t>constructor_results</a:t>
+            </a:r>
+            <a:r>
+              <a:rPr lang="en-US" dirty="0">
+                <a:effectLst/>
+                <a:latin typeface="SFMono-Regular"/>
+              </a:rPr>
+              <a:t>* </a:t>
+            </a:r>
+            <a:r>
+              <a:rPr lang="en-US" dirty="0" err="1">
+                <a:effectLst/>
+                <a:latin typeface="SFMono-Regular"/>
+              </a:rPr>
+              <a:t>constructor_standings</a:t>
+            </a:r>
+            <a:r>
+              <a:rPr lang="en-US" dirty="0">
+                <a:effectLst/>
+                <a:latin typeface="SFMono-Regular"/>
+              </a:rPr>
+              <a:t>* constructors* </a:t>
+            </a:r>
+            <a:r>
+              <a:rPr lang="en-US" dirty="0" err="1">
+                <a:effectLst/>
+                <a:latin typeface="SFMono-Regular"/>
+              </a:rPr>
+              <a:t>driver_standings</a:t>
+            </a:r>
+            <a:r>
+              <a:rPr lang="en-US" dirty="0">
+                <a:effectLst/>
+                <a:latin typeface="SFMono-Regular"/>
+              </a:rPr>
+              <a:t>* drivers* </a:t>
+            </a:r>
+            <a:r>
+              <a:rPr lang="en-US" dirty="0" err="1">
+                <a:effectLst/>
+                <a:latin typeface="SFMono-Regular"/>
+              </a:rPr>
+              <a:t>lap_times</a:t>
+            </a:r>
+            <a:r>
+              <a:rPr lang="en-US" dirty="0">
+                <a:effectLst/>
+                <a:latin typeface="SFMono-Regular"/>
+              </a:rPr>
+              <a:t>* </a:t>
+            </a:r>
+            <a:r>
+              <a:rPr lang="en-US" dirty="0" err="1">
+                <a:effectLst/>
+                <a:latin typeface="SFMono-Regular"/>
+              </a:rPr>
+              <a:t>pit_stops</a:t>
+            </a:r>
+            <a:r>
+              <a:rPr lang="en-US" dirty="0">
+                <a:effectLst/>
+                <a:latin typeface="SFMono-Regular"/>
+              </a:rPr>
+              <a:t>* qualifying* races* results* seasons* status</a:t>
+            </a:r>
+          </a:p>
+          <a:p>
+            <a:endParaRPr lang="en-US" dirty="0">
+              <a:effectLst/>
+              <a:latin typeface="SFMono-Regular"/>
+            </a:endParaRPr>
+          </a:p>
+          <a:p>
+            <a:r>
+              <a:rPr lang="en-US" dirty="0">
+                <a:effectLst/>
+                <a:latin typeface="SFMono-Regular"/>
+              </a:rPr>
+              <a:t>It is a real challenge to compare drivers, cars and teams, considering very complex structure of the cars and the numerous changing factors on the track.</a:t>
+            </a:r>
+          </a:p>
+          <a:p>
+            <a:endParaRPr lang="en-US" dirty="0">
+              <a:effectLst/>
+              <a:latin typeface="SFMono-Regular"/>
+            </a:endParaRPr>
+          </a:p>
+          <a:p>
+            <a:r>
+              <a:rPr lang="en-US" dirty="0">
+                <a:effectLst/>
+                <a:latin typeface="SFMono-Regular"/>
+              </a:rPr>
+              <a:t>In this project we wish to answer a few interesting questions using some R visualization techniques </a:t>
+            </a:r>
+            <a:br>
+              <a:rPr lang="en-US" dirty="0"/>
+            </a:br>
+            <a:endParaRPr lang="en-US" dirty="0"/>
+          </a:p>
+          <a:p>
+            <a:endParaRPr lang="en-US" dirty="0"/>
+          </a:p>
+        </p:txBody>
+      </p:sp>
+      <p:sp>
+        <p:nvSpPr>
+          <p:cNvPr id="4" name="Slide Number Placeholder 3"/>
+          <p:cNvSpPr>
+            <a:spLocks noGrp="1"/>
+          </p:cNvSpPr>
+          <p:nvPr>
+            <p:ph type="sldNum" sz="quarter" idx="5"/>
+          </p:nvPr>
+        </p:nvSpPr>
+        <p:spPr/>
+        <p:txBody>
+          <a:bodyPr/>
+          <a:lstStyle/>
+          <a:p>
+            <a:fld id="{8B16C77F-3968-400F-9FFF-E15A5979D213}" type="slidenum">
+              <a:rPr lang="en-US" smtClean="0"/>
+              <a:t>3</a:t>
+            </a:fld>
+            <a:endParaRPr lang="en-US"/>
+          </a:p>
+        </p:txBody>
+      </p:sp>
+    </p:spTree>
+    <p:extLst>
+      <p:ext uri="{BB962C8B-B14F-4D97-AF65-F5344CB8AC3E}">
+        <p14:creationId xmlns:p14="http://schemas.microsoft.com/office/powerpoint/2010/main" val="3824148919"/>
+      </p:ext>
+    </p:extLst>
+  </p:cSld>
+  <p:clrMapOvr>
+    <a:masterClrMapping/>
+  </p:clrMapOvr>
+</p:notes>
+</file>
+
+<file path=ppt/notesSlides/notesSlide3.xml><?xml version="1.0" encoding="utf-8"?>
+<p:notes xmlns:a="http://schemas.openxmlformats.org/drawingml/2006/main" xmlns:r="http://schemas.openxmlformats.org/officeDocument/2006/relationships" xmlns:p="http://schemas.openxmlformats.org/presentationml/2006/main">
+  <p:cSld>
+    <p:spTree>
+      <p:nvGrpSpPr>
+        <p:cNvPr id="1" name=""/>
+        <p:cNvGrpSpPr/>
+        <p:nvPr/>
+      </p:nvGrpSpPr>
+      <p:grpSpPr>
+        <a:xfrm>
+          <a:off x="0" y="0"/>
+          <a:ext cx="0" cy="0"/>
+          <a:chOff x="0" y="0"/>
+          <a:chExt cx="0" cy="0"/>
+        </a:xfrm>
+      </p:grpSpPr>
+      <p:sp>
+        <p:nvSpPr>
+          <p:cNvPr id="2" name="Slide Image Placeholder 1"/>
+          <p:cNvSpPr>
+            <a:spLocks noGrp="1" noRot="1" noChangeAspect="1"/>
+          </p:cNvSpPr>
+          <p:nvPr>
+            <p:ph type="sldImg"/>
+          </p:nvPr>
+        </p:nvSpPr>
+        <p:spPr/>
+      </p:sp>
+      <p:sp>
+        <p:nvSpPr>
+          <p:cNvPr id="3" name="Notes Placeholder 2"/>
+          <p:cNvSpPr>
+            <a:spLocks noGrp="1"/>
+          </p:cNvSpPr>
+          <p:nvPr>
+            <p:ph type="body" idx="1"/>
+          </p:nvPr>
+        </p:nvSpPr>
+        <p:spPr/>
+        <p:txBody>
+          <a:bodyPr/>
+          <a:lstStyle/>
+          <a:p>
+            <a:r>
+              <a:rPr lang="en-ZW" dirty="0"/>
+              <a:t>This question will be evaluated using the following two slides </a:t>
+            </a:r>
+            <a:endParaRPr lang="en-US" dirty="0"/>
+          </a:p>
+        </p:txBody>
+      </p:sp>
+      <p:sp>
+        <p:nvSpPr>
+          <p:cNvPr id="4" name="Slide Number Placeholder 3"/>
+          <p:cNvSpPr>
+            <a:spLocks noGrp="1"/>
+          </p:cNvSpPr>
+          <p:nvPr>
+            <p:ph type="sldNum" sz="quarter" idx="5"/>
+          </p:nvPr>
+        </p:nvSpPr>
+        <p:spPr/>
+        <p:txBody>
+          <a:bodyPr/>
+          <a:lstStyle/>
+          <a:p>
+            <a:fld id="{8B16C77F-3968-400F-9FFF-E15A5979D213}" type="slidenum">
+              <a:rPr lang="en-US" smtClean="0"/>
+              <a:t>4</a:t>
+            </a:fld>
+            <a:endParaRPr lang="en-US"/>
+          </a:p>
+        </p:txBody>
+      </p:sp>
+    </p:spTree>
+    <p:extLst>
+      <p:ext uri="{BB962C8B-B14F-4D97-AF65-F5344CB8AC3E}">
+        <p14:creationId xmlns:p14="http://schemas.microsoft.com/office/powerpoint/2010/main" val="952584712"/>
+      </p:ext>
+    </p:extLst>
+  </p:cSld>
+  <p:clrMapOvr>
+    <a:masterClrMapping/>
+  </p:clrMapOvr>
+</p:notes>
+</file>
+
+<file path=ppt/notesSlides/notesSlide4.xml><?xml version="1.0" encoding="utf-8"?>
+<p:notes xmlns:a="http://schemas.openxmlformats.org/drawingml/2006/main" xmlns:r="http://schemas.openxmlformats.org/officeDocument/2006/relationships" xmlns:p="http://schemas.openxmlformats.org/presentationml/2006/main">
+  <p:cSld>
+    <p:spTree>
+      <p:nvGrpSpPr>
+        <p:cNvPr id="1" name=""/>
+        <p:cNvGrpSpPr/>
+        <p:nvPr/>
+      </p:nvGrpSpPr>
+      <p:grpSpPr>
+        <a:xfrm>
+          <a:off x="0" y="0"/>
+          <a:ext cx="0" cy="0"/>
+          <a:chOff x="0" y="0"/>
+          <a:chExt cx="0" cy="0"/>
+        </a:xfrm>
+      </p:grpSpPr>
+      <p:sp>
+        <p:nvSpPr>
+          <p:cNvPr id="2" name="Slide Image Placeholder 1"/>
+          <p:cNvSpPr>
+            <a:spLocks noGrp="1" noRot="1" noChangeAspect="1"/>
+          </p:cNvSpPr>
+          <p:nvPr>
+            <p:ph type="sldImg"/>
+          </p:nvPr>
+        </p:nvSpPr>
+        <p:spPr/>
+      </p:sp>
+      <p:sp>
+        <p:nvSpPr>
+          <p:cNvPr id="3" name="Notes Placeholder 2"/>
+          <p:cNvSpPr>
+            <a:spLocks noGrp="1"/>
+          </p:cNvSpPr>
+          <p:nvPr>
+            <p:ph type="body" idx="1"/>
+          </p:nvPr>
+        </p:nvSpPr>
+        <p:spPr/>
+        <p:txBody>
+          <a:bodyPr/>
+          <a:lstStyle/>
+          <a:p>
+            <a:r>
+              <a:rPr lang="en-ZW" dirty="0"/>
+              <a:t>In each decade there are variations.</a:t>
+            </a:r>
+          </a:p>
+          <a:p>
+            <a:endParaRPr lang="en-ZW" dirty="0"/>
+          </a:p>
+          <a:p>
+            <a:r>
+              <a:rPr lang="en-ZW" dirty="0"/>
+              <a:t>This plot shows the </a:t>
+            </a:r>
+            <a:r>
+              <a:rPr lang="en-US" b="0" i="0" dirty="0">
+                <a:solidFill>
+                  <a:srgbClr val="050505"/>
+                </a:solidFill>
+                <a:effectLst/>
+                <a:latin typeface="Segoe UI Historic" panose="020B0502040204020203" pitchFamily="34" charset="0"/>
+              </a:rPr>
+              <a:t>accumulated sum of points for top 10 contractors over the years</a:t>
+            </a:r>
+          </a:p>
+          <a:p>
+            <a:r>
+              <a:rPr lang="en-US" b="0" i="0" dirty="0">
+                <a:solidFill>
+                  <a:srgbClr val="050505"/>
+                </a:solidFill>
+                <a:effectLst/>
+                <a:latin typeface="Segoe UI Historic" panose="020B0502040204020203" pitchFamily="34" charset="0"/>
+              </a:rPr>
+              <a:t>The accumulated number  for the Mercedes increased the fastest regardless of the Mercedes being introduced in later years.</a:t>
+            </a:r>
+          </a:p>
+          <a:p>
+            <a:r>
+              <a:rPr lang="en-US" b="0" i="0" dirty="0">
+                <a:solidFill>
+                  <a:srgbClr val="050505"/>
+                </a:solidFill>
+                <a:effectLst/>
+                <a:latin typeface="Segoe UI Historic" panose="020B0502040204020203" pitchFamily="34" charset="0"/>
+              </a:rPr>
+              <a:t>The Ferrari has the  </a:t>
+            </a:r>
+            <a:r>
+              <a:rPr lang="en-US" b="0" i="0" dirty="0" err="1">
+                <a:solidFill>
+                  <a:srgbClr val="050505"/>
+                </a:solidFill>
+                <a:effectLst/>
+                <a:latin typeface="Segoe UI Historic" panose="020B0502040204020203" pitchFamily="34" charset="0"/>
+              </a:rPr>
+              <a:t>highet</a:t>
+            </a:r>
+            <a:r>
+              <a:rPr lang="en-US" b="0" i="0" dirty="0">
+                <a:solidFill>
+                  <a:srgbClr val="050505"/>
+                </a:solidFill>
+                <a:effectLst/>
+                <a:latin typeface="Segoe UI Historic" panose="020B0502040204020203" pitchFamily="34" charset="0"/>
+              </a:rPr>
+              <a:t> number of accumulated points</a:t>
+            </a:r>
+          </a:p>
+          <a:p>
+            <a:endParaRPr lang="en-US" dirty="0"/>
+          </a:p>
+        </p:txBody>
+      </p:sp>
+      <p:sp>
+        <p:nvSpPr>
+          <p:cNvPr id="4" name="Slide Number Placeholder 3"/>
+          <p:cNvSpPr>
+            <a:spLocks noGrp="1"/>
+          </p:cNvSpPr>
+          <p:nvPr>
+            <p:ph type="sldNum" sz="quarter" idx="5"/>
+          </p:nvPr>
+        </p:nvSpPr>
+        <p:spPr/>
+        <p:txBody>
+          <a:bodyPr/>
+          <a:lstStyle/>
+          <a:p>
+            <a:fld id="{8B16C77F-3968-400F-9FFF-E15A5979D213}" type="slidenum">
+              <a:rPr lang="en-US" smtClean="0"/>
+              <a:t>5</a:t>
+            </a:fld>
+            <a:endParaRPr lang="en-US"/>
+          </a:p>
+        </p:txBody>
+      </p:sp>
+    </p:spTree>
+    <p:extLst>
+      <p:ext uri="{BB962C8B-B14F-4D97-AF65-F5344CB8AC3E}">
+        <p14:creationId xmlns:p14="http://schemas.microsoft.com/office/powerpoint/2010/main" val="331220547"/>
+      </p:ext>
+    </p:extLst>
+  </p:cSld>
+  <p:clrMapOvr>
+    <a:masterClrMapping/>
+  </p:clrMapOvr>
+</p:notes>
+</file>
+
+<file path=ppt/notesSlides/notesSlide5.xml><?xml version="1.0" encoding="utf-8"?>
+<p:notes xmlns:a="http://schemas.openxmlformats.org/drawingml/2006/main" xmlns:r="http://schemas.openxmlformats.org/officeDocument/2006/relationships" xmlns:p="http://schemas.openxmlformats.org/presentationml/2006/main">
+  <p:cSld>
+    <p:spTree>
+      <p:nvGrpSpPr>
+        <p:cNvPr id="1" name=""/>
+        <p:cNvGrpSpPr/>
+        <p:nvPr/>
+      </p:nvGrpSpPr>
+      <p:grpSpPr>
+        <a:xfrm>
+          <a:off x="0" y="0"/>
+          <a:ext cx="0" cy="0"/>
+          <a:chOff x="0" y="0"/>
+          <a:chExt cx="0" cy="0"/>
+        </a:xfrm>
+      </p:grpSpPr>
+      <p:sp>
+        <p:nvSpPr>
+          <p:cNvPr id="2" name="Slide Image Placeholder 1"/>
+          <p:cNvSpPr>
+            <a:spLocks noGrp="1" noRot="1" noChangeAspect="1"/>
+          </p:cNvSpPr>
+          <p:nvPr>
+            <p:ph type="sldImg"/>
+          </p:nvPr>
+        </p:nvSpPr>
+        <p:spPr/>
+      </p:sp>
+      <p:sp>
+        <p:nvSpPr>
+          <p:cNvPr id="3" name="Notes Placeholder 2"/>
+          <p:cNvSpPr>
+            <a:spLocks noGrp="1"/>
+          </p:cNvSpPr>
+          <p:nvPr>
+            <p:ph type="body" idx="1"/>
+          </p:nvPr>
+        </p:nvSpPr>
+        <p:spPr/>
+        <p:txBody>
+          <a:bodyPr/>
+          <a:lstStyle/>
+          <a:p>
+            <a:r>
+              <a:rPr lang="en-US" b="0" i="0" dirty="0">
+                <a:solidFill>
+                  <a:srgbClr val="222222"/>
+                </a:solidFill>
+                <a:effectLst/>
+                <a:latin typeface="Arial" panose="020B0604020202020204" pitchFamily="34" charset="0"/>
+              </a:rPr>
+              <a:t>Do the differences between the cars decrease over the years?</a:t>
+            </a:r>
+          </a:p>
+          <a:p>
+            <a:r>
+              <a:rPr lang="en-US" b="0" i="0" dirty="0">
+                <a:solidFill>
+                  <a:srgbClr val="222222"/>
+                </a:solidFill>
+                <a:effectLst/>
+                <a:latin typeface="Arial" panose="020B0604020202020204" pitchFamily="34" charset="0"/>
+              </a:rPr>
+              <a:t>To answer this question we have used a plot that shows the differences in the number of cars in the past years</a:t>
+            </a:r>
+            <a:endParaRPr lang="en-US" dirty="0"/>
+          </a:p>
+        </p:txBody>
+      </p:sp>
+      <p:sp>
+        <p:nvSpPr>
+          <p:cNvPr id="4" name="Slide Number Placeholder 3"/>
+          <p:cNvSpPr>
+            <a:spLocks noGrp="1"/>
+          </p:cNvSpPr>
+          <p:nvPr>
+            <p:ph type="sldNum" sz="quarter" idx="5"/>
+          </p:nvPr>
+        </p:nvSpPr>
+        <p:spPr/>
+        <p:txBody>
+          <a:bodyPr/>
+          <a:lstStyle/>
+          <a:p>
+            <a:fld id="{8B16C77F-3968-400F-9FFF-E15A5979D213}" type="slidenum">
+              <a:rPr lang="en-US" smtClean="0"/>
+              <a:t>7</a:t>
+            </a:fld>
+            <a:endParaRPr lang="en-US"/>
+          </a:p>
+        </p:txBody>
+      </p:sp>
+    </p:spTree>
+    <p:extLst>
+      <p:ext uri="{BB962C8B-B14F-4D97-AF65-F5344CB8AC3E}">
+        <p14:creationId xmlns:p14="http://schemas.microsoft.com/office/powerpoint/2010/main" val="500560726"/>
+      </p:ext>
+    </p:extLst>
+  </p:cSld>
+  <p:clrMapOvr>
+    <a:masterClrMapping/>
+  </p:clrMapOvr>
+</p:notes>
+</file>
+
+<file path=ppt/notesSlides/notesSlide6.xml><?xml version="1.0" encoding="utf-8"?>
+<p:notes xmlns:a="http://schemas.openxmlformats.org/drawingml/2006/main" xmlns:r="http://schemas.openxmlformats.org/officeDocument/2006/relationships" xmlns:p="http://schemas.openxmlformats.org/presentationml/2006/main">
+  <p:cSld>
+    <p:spTree>
+      <p:nvGrpSpPr>
+        <p:cNvPr id="1" name=""/>
+        <p:cNvGrpSpPr/>
+        <p:nvPr/>
+      </p:nvGrpSpPr>
+      <p:grpSpPr>
+        <a:xfrm>
+          <a:off x="0" y="0"/>
+          <a:ext cx="0" cy="0"/>
+          <a:chOff x="0" y="0"/>
+          <a:chExt cx="0" cy="0"/>
+        </a:xfrm>
+      </p:grpSpPr>
+      <p:sp>
+        <p:nvSpPr>
+          <p:cNvPr id="2" name="Slide Image Placeholder 1"/>
+          <p:cNvSpPr>
+            <a:spLocks noGrp="1" noRot="1" noChangeAspect="1"/>
+          </p:cNvSpPr>
+          <p:nvPr>
+            <p:ph type="sldImg"/>
+          </p:nvPr>
+        </p:nvSpPr>
+        <p:spPr/>
+      </p:sp>
+      <p:sp>
+        <p:nvSpPr>
+          <p:cNvPr id="3" name="Notes Placeholder 2"/>
+          <p:cNvSpPr>
+            <a:spLocks noGrp="1"/>
+          </p:cNvSpPr>
+          <p:nvPr>
+            <p:ph type="body" idx="1"/>
+          </p:nvPr>
+        </p:nvSpPr>
+        <p:spPr/>
+        <p:txBody>
+          <a:bodyPr/>
+          <a:lstStyle/>
+          <a:p>
+            <a:r>
+              <a:rPr lang="en-US" b="0" i="0" dirty="0">
+                <a:solidFill>
+                  <a:srgbClr val="222222"/>
+                </a:solidFill>
+                <a:effectLst/>
+                <a:latin typeface="Arial" panose="020B0604020202020204" pitchFamily="34" charset="0"/>
+              </a:rPr>
+              <a:t>Is F1 currently being won in qualifying?</a:t>
+            </a:r>
+          </a:p>
+          <a:p>
+            <a:r>
+              <a:rPr lang="en-ZW" dirty="0"/>
+              <a:t>This plot shows a </a:t>
+            </a:r>
+            <a:endParaRPr lang="en-US" dirty="0"/>
+          </a:p>
+        </p:txBody>
+      </p:sp>
+      <p:sp>
+        <p:nvSpPr>
+          <p:cNvPr id="4" name="Slide Number Placeholder 3"/>
+          <p:cNvSpPr>
+            <a:spLocks noGrp="1"/>
+          </p:cNvSpPr>
+          <p:nvPr>
+            <p:ph type="sldNum" sz="quarter" idx="5"/>
+          </p:nvPr>
+        </p:nvSpPr>
+        <p:spPr/>
+        <p:txBody>
+          <a:bodyPr/>
+          <a:lstStyle/>
+          <a:p>
+            <a:fld id="{8B16C77F-3968-400F-9FFF-E15A5979D213}" type="slidenum">
+              <a:rPr lang="en-US" smtClean="0"/>
+              <a:t>8</a:t>
+            </a:fld>
+            <a:endParaRPr lang="en-US"/>
+          </a:p>
+        </p:txBody>
+      </p:sp>
+    </p:spTree>
+    <p:extLst>
+      <p:ext uri="{BB962C8B-B14F-4D97-AF65-F5344CB8AC3E}">
+        <p14:creationId xmlns:p14="http://schemas.microsoft.com/office/powerpoint/2010/main" val="1733821744"/>
+      </p:ext>
+    </p:extLst>
+  </p:cSld>
+  <p:clrMapOvr>
+    <a:masterClrMapping/>
+  </p:clrMapOvr>
+</p:notes>
+</file>
+
 <file path=ppt/slideLayouts/slideLayout1.xml><?xml version="1.0" encoding="utf-8"?>
 <p:sldLayout xmlns:a="http://schemas.openxmlformats.org/drawingml/2006/main" xmlns:r="http://schemas.openxmlformats.org/officeDocument/2006/relationships" xmlns:p="http://schemas.openxmlformats.org/presentationml/2006/main" type="title" preserve="1">
   <p:cSld name="Slajd tytułowy">
@@ -272,7 +1510,7 @@
           <a:p>
             <a:fld id="{276D79ED-3FA7-4EF8-964B-EB8BCFAB02F8}" type="datetimeFigureOut">
               <a:rPr lang="en-US" smtClean="0"/>
-              <a:t>1/20/21</a:t>
+              <a:t>1/20/2021</a:t>
             </a:fld>
             <a:endParaRPr lang="en-US"/>
           </a:p>
@@ -442,7 +1680,7 @@
           <a:p>
             <a:fld id="{276D79ED-3FA7-4EF8-964B-EB8BCFAB02F8}" type="datetimeFigureOut">
               <a:rPr lang="en-US" smtClean="0"/>
-              <a:t>1/20/21</a:t>
+              <a:t>1/20/2021</a:t>
             </a:fld>
             <a:endParaRPr lang="en-US"/>
           </a:p>
@@ -688,7 +1926,7 @@
           <a:p>
             <a:fld id="{276D79ED-3FA7-4EF8-964B-EB8BCFAB02F8}" type="datetimeFigureOut">
               <a:rPr lang="en-US" smtClean="0"/>
-              <a:t>1/20/21</a:t>
+              <a:t>1/20/2021</a:t>
             </a:fld>
             <a:endParaRPr lang="en-US"/>
           </a:p>
@@ -920,7 +2158,7 @@
           <a:p>
             <a:fld id="{276D79ED-3FA7-4EF8-964B-EB8BCFAB02F8}" type="datetimeFigureOut">
               <a:rPr lang="en-US" smtClean="0"/>
-              <a:t>1/20/21</a:t>
+              <a:t>1/20/2021</a:t>
             </a:fld>
             <a:endParaRPr lang="en-US"/>
           </a:p>
@@ -1287,7 +2525,7 @@
           <a:p>
             <a:fld id="{276D79ED-3FA7-4EF8-964B-EB8BCFAB02F8}" type="datetimeFigureOut">
               <a:rPr lang="en-US" smtClean="0"/>
-              <a:t>1/20/21</a:t>
+              <a:t>1/20/2021</a:t>
             </a:fld>
             <a:endParaRPr lang="en-US"/>
           </a:p>
@@ -1405,7 +2643,7 @@
           <a:p>
             <a:fld id="{276D79ED-3FA7-4EF8-964B-EB8BCFAB02F8}" type="datetimeFigureOut">
               <a:rPr lang="en-US" smtClean="0"/>
-              <a:t>1/20/21</a:t>
+              <a:t>1/20/2021</a:t>
             </a:fld>
             <a:endParaRPr lang="en-US"/>
           </a:p>
@@ -1500,7 +2738,7 @@
           <a:p>
             <a:fld id="{276D79ED-3FA7-4EF8-964B-EB8BCFAB02F8}" type="datetimeFigureOut">
               <a:rPr lang="en-US" smtClean="0"/>
-              <a:t>1/20/21</a:t>
+              <a:t>1/20/2021</a:t>
             </a:fld>
             <a:endParaRPr lang="en-US"/>
           </a:p>
@@ -1777,7 +3015,7 @@
           <a:p>
             <a:fld id="{276D79ED-3FA7-4EF8-964B-EB8BCFAB02F8}" type="datetimeFigureOut">
               <a:rPr lang="en-US" smtClean="0"/>
-              <a:t>1/20/21</a:t>
+              <a:t>1/20/2021</a:t>
             </a:fld>
             <a:endParaRPr lang="en-US"/>
           </a:p>
@@ -2034,7 +3272,7 @@
           <a:p>
             <a:fld id="{276D79ED-3FA7-4EF8-964B-EB8BCFAB02F8}" type="datetimeFigureOut">
               <a:rPr lang="en-US" smtClean="0"/>
-              <a:t>1/20/21</a:t>
+              <a:t>1/20/2021</a:t>
             </a:fld>
             <a:endParaRPr lang="en-US"/>
           </a:p>
@@ -2255,7 +3493,7 @@
             <a:fld id="{276D79ED-3FA7-4EF8-964B-EB8BCFAB02F8}" type="datetimeFigureOut">
               <a:rPr lang="en-US" smtClean="0"/>
               <a:pPr/>
-              <a:t>1/20/21</a:t>
+              <a:t>1/20/2021</a:t>
             </a:fld>
             <a:endParaRPr lang="en-US"/>
           </a:p>
@@ -2345,7 +3583,7 @@
           <p:nvPr userDrawn="1"/>
         </p:nvPicPr>
         <p:blipFill>
-          <a:blip r:embed="rId12">
+          <a:blip r:embed="rId12" cstate="print">
             <a:extLst>
               <a:ext uri="{28A0092B-C50C-407E-A947-70E740481C1C}">
                 <a14:useLocalDpi xmlns:a14="http://schemas.microsoft.com/office/drawing/2010/main" val="0"/>
@@ -2794,7 +4032,7 @@
           <a:p>
             <a:r>
               <a:rPr lang="en-US" dirty="0"/>
-              <a:t>Formula 1 analysis</a:t>
+              <a:t>Formula 1 Analysis</a:t>
             </a:r>
           </a:p>
         </p:txBody>
@@ -2838,6 +4076,256 @@
     <p:extLst>
       <p:ext uri="{BB962C8B-B14F-4D97-AF65-F5344CB8AC3E}">
         <p14:creationId xmlns:p14="http://schemas.microsoft.com/office/powerpoint/2010/main" val="720928810"/>
+      </p:ext>
+    </p:extLst>
+  </p:cSld>
+  <p:clrMapOvr>
+    <a:masterClrMapping/>
+  </p:clrMapOvr>
+</p:sld>
+</file>
+
+<file path=ppt/slides/slide10.xml><?xml version="1.0" encoding="utf-8"?>
+<p:sld xmlns:a="http://schemas.openxmlformats.org/drawingml/2006/main" xmlns:r="http://schemas.openxmlformats.org/officeDocument/2006/relationships" xmlns:p="http://schemas.openxmlformats.org/presentationml/2006/main">
+  <p:cSld>
+    <p:spTree>
+      <p:nvGrpSpPr>
+        <p:cNvPr id="1" name=""/>
+        <p:cNvGrpSpPr/>
+        <p:nvPr/>
+      </p:nvGrpSpPr>
+      <p:grpSpPr>
+        <a:xfrm>
+          <a:off x="0" y="0"/>
+          <a:ext cx="0" cy="0"/>
+          <a:chOff x="0" y="0"/>
+          <a:chExt cx="0" cy="0"/>
+        </a:xfrm>
+      </p:grpSpPr>
+      <p:sp>
+        <p:nvSpPr>
+          <p:cNvPr id="2" name="Title 1">
+            <a:extLst>
+              <a:ext uri="{FF2B5EF4-FFF2-40B4-BE49-F238E27FC236}">
+                <a16:creationId xmlns:a16="http://schemas.microsoft.com/office/drawing/2014/main" id="{EEDF7E60-BEFF-4D9E-97E4-1C50543309DE}"/>
+              </a:ext>
+            </a:extLst>
+          </p:cNvPr>
+          <p:cNvSpPr>
+            <a:spLocks noGrp="1"/>
+          </p:cNvSpPr>
+          <p:nvPr>
+            <p:ph type="title"/>
+          </p:nvPr>
+        </p:nvSpPr>
+        <p:spPr/>
+        <p:txBody>
+          <a:bodyPr/>
+          <a:lstStyle/>
+          <a:p>
+            <a:r>
+              <a:rPr lang="en-US" b="0" i="0" dirty="0">
+                <a:solidFill>
+                  <a:srgbClr val="222222"/>
+                </a:solidFill>
+                <a:effectLst/>
+                <a:latin typeface="Arial" panose="020B0604020202020204" pitchFamily="34" charset="0"/>
+              </a:rPr>
+              <a:t>Which F1 circuits provide a more even fight?</a:t>
+            </a:r>
+            <a:endParaRPr lang="en-US" dirty="0"/>
+          </a:p>
+        </p:txBody>
+      </p:sp>
+      <p:sp>
+        <p:nvSpPr>
+          <p:cNvPr id="3" name="Content Placeholder 2">
+            <a:extLst>
+              <a:ext uri="{FF2B5EF4-FFF2-40B4-BE49-F238E27FC236}">
+                <a16:creationId xmlns:a16="http://schemas.microsoft.com/office/drawing/2014/main" id="{8938693A-BE4E-41A4-8570-AADF18D1A1A5}"/>
+              </a:ext>
+            </a:extLst>
+          </p:cNvPr>
+          <p:cNvSpPr>
+            <a:spLocks noGrp="1"/>
+          </p:cNvSpPr>
+          <p:nvPr>
+            <p:ph idx="1"/>
+          </p:nvPr>
+        </p:nvSpPr>
+        <p:spPr/>
+        <p:txBody>
+          <a:bodyPr/>
+          <a:lstStyle/>
+          <a:p>
+            <a:endParaRPr lang="en-US"/>
+          </a:p>
+        </p:txBody>
+      </p:sp>
+    </p:spTree>
+    <p:extLst>
+      <p:ext uri="{BB962C8B-B14F-4D97-AF65-F5344CB8AC3E}">
+        <p14:creationId xmlns:p14="http://schemas.microsoft.com/office/powerpoint/2010/main" val="441530103"/>
+      </p:ext>
+    </p:extLst>
+  </p:cSld>
+  <p:clrMapOvr>
+    <a:masterClrMapping/>
+  </p:clrMapOvr>
+</p:sld>
+</file>
+
+<file path=ppt/slides/slide11.xml><?xml version="1.0" encoding="utf-8"?>
+<p:sld xmlns:a="http://schemas.openxmlformats.org/drawingml/2006/main" xmlns:r="http://schemas.openxmlformats.org/officeDocument/2006/relationships" xmlns:p="http://schemas.openxmlformats.org/presentationml/2006/main">
+  <p:cSld>
+    <p:spTree>
+      <p:nvGrpSpPr>
+        <p:cNvPr id="1" name=""/>
+        <p:cNvGrpSpPr/>
+        <p:nvPr/>
+      </p:nvGrpSpPr>
+      <p:grpSpPr>
+        <a:xfrm>
+          <a:off x="0" y="0"/>
+          <a:ext cx="0" cy="0"/>
+          <a:chOff x="0" y="0"/>
+          <a:chExt cx="0" cy="0"/>
+        </a:xfrm>
+      </p:grpSpPr>
+      <p:sp>
+        <p:nvSpPr>
+          <p:cNvPr id="2" name="Title 1">
+            <a:extLst>
+              <a:ext uri="{FF2B5EF4-FFF2-40B4-BE49-F238E27FC236}">
+                <a16:creationId xmlns:a16="http://schemas.microsoft.com/office/drawing/2014/main" id="{B758140B-DA3C-4E1C-86A8-59DD2BA8B7C7}"/>
+              </a:ext>
+            </a:extLst>
+          </p:cNvPr>
+          <p:cNvSpPr>
+            <a:spLocks noGrp="1"/>
+          </p:cNvSpPr>
+          <p:nvPr>
+            <p:ph type="title"/>
+          </p:nvPr>
+        </p:nvSpPr>
+        <p:spPr/>
+        <p:txBody>
+          <a:bodyPr/>
+          <a:lstStyle/>
+          <a:p>
+            <a:endParaRPr lang="en-US"/>
+          </a:p>
+        </p:txBody>
+      </p:sp>
+      <p:sp>
+        <p:nvSpPr>
+          <p:cNvPr id="3" name="Content Placeholder 2">
+            <a:extLst>
+              <a:ext uri="{FF2B5EF4-FFF2-40B4-BE49-F238E27FC236}">
+                <a16:creationId xmlns:a16="http://schemas.microsoft.com/office/drawing/2014/main" id="{26C33385-9021-401E-888D-847C296E1958}"/>
+              </a:ext>
+            </a:extLst>
+          </p:cNvPr>
+          <p:cNvSpPr>
+            <a:spLocks noGrp="1"/>
+          </p:cNvSpPr>
+          <p:nvPr>
+            <p:ph idx="1"/>
+          </p:nvPr>
+        </p:nvSpPr>
+        <p:spPr/>
+        <p:txBody>
+          <a:bodyPr/>
+          <a:lstStyle/>
+          <a:p>
+            <a:endParaRPr lang="en-US"/>
+          </a:p>
+        </p:txBody>
+      </p:sp>
+    </p:spTree>
+    <p:extLst>
+      <p:ext uri="{BB962C8B-B14F-4D97-AF65-F5344CB8AC3E}">
+        <p14:creationId xmlns:p14="http://schemas.microsoft.com/office/powerpoint/2010/main" val="1146285114"/>
+      </p:ext>
+    </p:extLst>
+  </p:cSld>
+  <p:clrMapOvr>
+    <a:masterClrMapping/>
+  </p:clrMapOvr>
+</p:sld>
+</file>
+
+<file path=ppt/slides/slide12.xml><?xml version="1.0" encoding="utf-8"?>
+<p:sld xmlns:a="http://schemas.openxmlformats.org/drawingml/2006/main" xmlns:r="http://schemas.openxmlformats.org/officeDocument/2006/relationships" xmlns:p="http://schemas.openxmlformats.org/presentationml/2006/main">
+  <p:cSld>
+    <p:spTree>
+      <p:nvGrpSpPr>
+        <p:cNvPr id="1" name=""/>
+        <p:cNvGrpSpPr/>
+        <p:nvPr/>
+      </p:nvGrpSpPr>
+      <p:grpSpPr>
+        <a:xfrm>
+          <a:off x="0" y="0"/>
+          <a:ext cx="0" cy="0"/>
+          <a:chOff x="0" y="0"/>
+          <a:chExt cx="0" cy="0"/>
+        </a:xfrm>
+      </p:grpSpPr>
+      <p:sp>
+        <p:nvSpPr>
+          <p:cNvPr id="2" name="Title 1">
+            <a:extLst>
+              <a:ext uri="{FF2B5EF4-FFF2-40B4-BE49-F238E27FC236}">
+                <a16:creationId xmlns:a16="http://schemas.microsoft.com/office/drawing/2014/main" id="{C9B8B670-10AF-4670-9B5B-72C74EBED351}"/>
+              </a:ext>
+            </a:extLst>
+          </p:cNvPr>
+          <p:cNvSpPr>
+            <a:spLocks noGrp="1"/>
+          </p:cNvSpPr>
+          <p:nvPr>
+            <p:ph type="title"/>
+          </p:nvPr>
+        </p:nvSpPr>
+        <p:spPr/>
+        <p:txBody>
+          <a:bodyPr/>
+          <a:lstStyle/>
+          <a:p>
+            <a:endParaRPr lang="en-US"/>
+          </a:p>
+        </p:txBody>
+      </p:sp>
+      <p:sp>
+        <p:nvSpPr>
+          <p:cNvPr id="3" name="Content Placeholder 2">
+            <a:extLst>
+              <a:ext uri="{FF2B5EF4-FFF2-40B4-BE49-F238E27FC236}">
+                <a16:creationId xmlns:a16="http://schemas.microsoft.com/office/drawing/2014/main" id="{38028842-3987-4655-AC3E-B9CF6EC8EF61}"/>
+              </a:ext>
+            </a:extLst>
+          </p:cNvPr>
+          <p:cNvSpPr>
+            <a:spLocks noGrp="1"/>
+          </p:cNvSpPr>
+          <p:nvPr>
+            <p:ph idx="1"/>
+          </p:nvPr>
+        </p:nvSpPr>
+        <p:spPr/>
+        <p:txBody>
+          <a:bodyPr/>
+          <a:lstStyle/>
+          <a:p>
+            <a:endParaRPr lang="en-US"/>
+          </a:p>
+        </p:txBody>
+      </p:sp>
+    </p:spTree>
+    <p:extLst>
+      <p:ext uri="{BB962C8B-B14F-4D97-AF65-F5344CB8AC3E}">
+        <p14:creationId xmlns:p14="http://schemas.microsoft.com/office/powerpoint/2010/main" val="1593929526"/>
       </p:ext>
     </p:extLst>
   </p:cSld>
@@ -2881,7 +4369,7 @@
           </p:nvPr>
         </p:nvPicPr>
         <p:blipFill>
-          <a:blip r:embed="rId2">
+          <a:blip r:embed="rId3">
             <a:extLst>
               <a:ext uri="{28A0092B-C50C-407E-A947-70E740481C1C}">
                 <a14:useLocalDpi xmlns:a14="http://schemas.microsoft.com/office/drawing/2010/main" val="0"/>
@@ -2992,7 +4480,11 @@
           <a:bodyPr/>
           <a:lstStyle/>
           <a:p>
-            <a:endParaRPr lang="pl-PL"/>
+            <a:r>
+              <a:rPr lang="en-ZW" dirty="0"/>
+              <a:t>Data Description</a:t>
+            </a:r>
+            <a:endParaRPr lang="pl-PL" dirty="0"/>
           </a:p>
         </p:txBody>
       </p:sp>
@@ -3017,7 +4509,7 @@
           <a:bodyPr/>
           <a:lstStyle/>
           <a:p>
-            <a:endParaRPr lang="pl-PL"/>
+            <a:endParaRPr lang="pl-PL" dirty="0"/>
           </a:p>
         </p:txBody>
       </p:sp>
@@ -3056,7 +4548,7 @@
           <p:cNvPr id="2" name="Tytuł 1">
             <a:extLst>
               <a:ext uri="{FF2B5EF4-FFF2-40B4-BE49-F238E27FC236}">
-                <a16:creationId xmlns:a16="http://schemas.microsoft.com/office/drawing/2014/main" id="{9CA27037-D207-0340-BA00-A13C4987D352}"/>
+                <a16:creationId xmlns:a16="http://schemas.microsoft.com/office/drawing/2014/main" id="{E01D4C7B-ECF8-9446-AAC7-375DCFD65EC6}"/>
               </a:ext>
             </a:extLst>
           </p:cNvPr>
@@ -3072,7 +4564,17 @@
           <a:bodyPr/>
           <a:lstStyle/>
           <a:p>
-            <a:endParaRPr lang="pl-PL"/>
+            <a:r>
+              <a:rPr lang="en-US" b="0" i="0" dirty="0">
+                <a:solidFill>
+                  <a:srgbClr val="222222"/>
+                </a:solidFill>
+                <a:effectLst/>
+                <a:latin typeface="Arial" panose="020B0604020202020204" pitchFamily="34" charset="0"/>
+              </a:rPr>
+              <a:t>How has the competition and level of F1 changed over the years?</a:t>
+            </a:r>
+            <a:endParaRPr lang="pl-PL" dirty="0"/>
           </a:p>
         </p:txBody>
       </p:sp>
@@ -3081,7 +4583,7 @@
           <p:cNvPr id="3" name="Symbol zastępczy zawartości 2">
             <a:extLst>
               <a:ext uri="{FF2B5EF4-FFF2-40B4-BE49-F238E27FC236}">
-                <a16:creationId xmlns:a16="http://schemas.microsoft.com/office/drawing/2014/main" id="{1FF498D8-5A07-5545-9691-4DBF1BC68063}"/>
+                <a16:creationId xmlns:a16="http://schemas.microsoft.com/office/drawing/2014/main" id="{48FD43A4-4786-9C47-8FE2-BD81D898CEB2}"/>
               </a:ext>
             </a:extLst>
           </p:cNvPr>
@@ -3097,14 +4599,17 @@
           <a:bodyPr/>
           <a:lstStyle/>
           <a:p>
-            <a:endParaRPr lang="pl-PL"/>
+            <a:pPr marL="0" indent="0">
+              <a:buNone/>
+            </a:pPr>
+            <a:endParaRPr lang="pl-PL" dirty="0"/>
           </a:p>
         </p:txBody>
       </p:sp>
     </p:spTree>
     <p:extLst>
       <p:ext uri="{BB962C8B-B14F-4D97-AF65-F5344CB8AC3E}">
-        <p14:creationId xmlns:p14="http://schemas.microsoft.com/office/powerpoint/2010/main" val="3874028161"/>
+        <p14:creationId xmlns:p14="http://schemas.microsoft.com/office/powerpoint/2010/main" val="1786929791"/>
       </p:ext>
     </p:extLst>
   </p:cSld>
@@ -3136,7 +4641,7 @@
           <p:cNvPr id="2" name="Tytuł 1">
             <a:extLst>
               <a:ext uri="{FF2B5EF4-FFF2-40B4-BE49-F238E27FC236}">
-                <a16:creationId xmlns:a16="http://schemas.microsoft.com/office/drawing/2014/main" id="{E01D4C7B-ECF8-9446-AAC7-375DCFD65EC6}"/>
+                <a16:creationId xmlns:a16="http://schemas.microsoft.com/office/drawing/2014/main" id="{9CA27037-D207-0340-BA00-A13C4987D352}"/>
               </a:ext>
             </a:extLst>
           </p:cNvPr>
@@ -3147,44 +4652,69 @@
             <p:ph type="title"/>
           </p:nvPr>
         </p:nvSpPr>
-        <p:spPr/>
-        <p:txBody>
-          <a:bodyPr/>
-          <a:lstStyle/>
-          <a:p>
-            <a:endParaRPr lang="pl-PL"/>
-          </a:p>
-        </p:txBody>
-      </p:sp>
-      <p:sp>
-        <p:nvSpPr>
-          <p:cNvPr id="3" name="Symbol zastępczy zawartości 2">
+        <p:spPr>
+          <a:xfrm>
+            <a:off x="838200" y="182879"/>
+            <a:ext cx="10515600" cy="1325563"/>
+          </a:xfrm>
+        </p:spPr>
+        <p:txBody>
+          <a:bodyPr/>
+          <a:lstStyle/>
+          <a:p>
+            <a:r>
+              <a:rPr lang="en-US" b="0" i="0" dirty="0">
+                <a:solidFill>
+                  <a:srgbClr val="050505"/>
+                </a:solidFill>
+                <a:effectLst/>
+                <a:latin typeface="Segoe UI Historic" panose="020B0502040204020203" pitchFamily="34" charset="0"/>
+              </a:rPr>
+              <a:t>Top 10 Constructors</a:t>
+            </a:r>
+            <a:endParaRPr lang="pl-PL" dirty="0"/>
+          </a:p>
+        </p:txBody>
+      </p:sp>
+      <p:pic>
+        <p:nvPicPr>
+          <p:cNvPr id="9" name="Content Placeholder 8" descr="Chart, line chart&#10;&#10;Description automatically generated">
             <a:extLst>
               <a:ext uri="{FF2B5EF4-FFF2-40B4-BE49-F238E27FC236}">
-                <a16:creationId xmlns:a16="http://schemas.microsoft.com/office/drawing/2014/main" id="{48FD43A4-4786-9C47-8FE2-BD81D898CEB2}"/>
+                <a16:creationId xmlns:a16="http://schemas.microsoft.com/office/drawing/2014/main" id="{FFC12595-5D61-4F16-8029-E86E84F80B16}"/>
               </a:ext>
             </a:extLst>
           </p:cNvPr>
-          <p:cNvSpPr>
-            <a:spLocks noGrp="1"/>
-          </p:cNvSpPr>
+          <p:cNvPicPr>
+            <a:picLocks noGrp="1" noChangeAspect="1"/>
+          </p:cNvPicPr>
           <p:nvPr>
             <p:ph idx="1"/>
           </p:nvPr>
-        </p:nvSpPr>
-        <p:spPr/>
-        <p:txBody>
-          <a:bodyPr/>
-          <a:lstStyle/>
-          <a:p>
-            <a:endParaRPr lang="pl-PL"/>
-          </a:p>
-        </p:txBody>
-      </p:sp>
+        </p:nvPicPr>
+        <p:blipFill>
+          <a:blip r:embed="rId3">
+            <a:extLst>
+              <a:ext uri="{28A0092B-C50C-407E-A947-70E740481C1C}">
+                <a14:useLocalDpi xmlns:a14="http://schemas.microsoft.com/office/drawing/2010/main" val="0"/>
+              </a:ext>
+            </a:extLst>
+          </a:blip>
+          <a:stretch>
+            <a:fillRect/>
+          </a:stretch>
+        </p:blipFill>
+        <p:spPr>
+          <a:xfrm>
+            <a:off x="1881051" y="1361337"/>
+            <a:ext cx="8164286" cy="5248469"/>
+          </a:xfrm>
+        </p:spPr>
+      </p:pic>
     </p:spTree>
     <p:extLst>
       <p:ext uri="{BB962C8B-B14F-4D97-AF65-F5344CB8AC3E}">
-        <p14:creationId xmlns:p14="http://schemas.microsoft.com/office/powerpoint/2010/main" val="1786929791"/>
+        <p14:creationId xmlns:p14="http://schemas.microsoft.com/office/powerpoint/2010/main" val="3874028161"/>
       </p:ext>
     </p:extLst>
   </p:cSld>
@@ -3213,6 +4743,90 @@
       </p:grpSpPr>
       <p:sp>
         <p:nvSpPr>
+          <p:cNvPr id="2" name="Title 1">
+            <a:extLst>
+              <a:ext uri="{FF2B5EF4-FFF2-40B4-BE49-F238E27FC236}">
+                <a16:creationId xmlns:a16="http://schemas.microsoft.com/office/drawing/2014/main" id="{5385545E-93B3-4401-A97C-0AFE614D2551}"/>
+              </a:ext>
+            </a:extLst>
+          </p:cNvPr>
+          <p:cNvSpPr>
+            <a:spLocks noGrp="1"/>
+          </p:cNvSpPr>
+          <p:nvPr>
+            <p:ph type="title"/>
+          </p:nvPr>
+        </p:nvSpPr>
+        <p:spPr/>
+        <p:txBody>
+          <a:bodyPr/>
+          <a:lstStyle/>
+          <a:p>
+            <a:r>
+              <a:rPr lang="en-ZW" dirty="0"/>
+              <a:t>Speed of top 10 over the years</a:t>
+            </a:r>
+            <a:endParaRPr lang="en-US" dirty="0"/>
+          </a:p>
+        </p:txBody>
+      </p:sp>
+      <p:sp>
+        <p:nvSpPr>
+          <p:cNvPr id="3" name="Content Placeholder 2">
+            <a:extLst>
+              <a:ext uri="{FF2B5EF4-FFF2-40B4-BE49-F238E27FC236}">
+                <a16:creationId xmlns:a16="http://schemas.microsoft.com/office/drawing/2014/main" id="{FA41D7D3-6AB0-4AD8-AA68-3A740B3C9E19}"/>
+              </a:ext>
+            </a:extLst>
+          </p:cNvPr>
+          <p:cNvSpPr>
+            <a:spLocks noGrp="1"/>
+          </p:cNvSpPr>
+          <p:nvPr>
+            <p:ph idx="1"/>
+          </p:nvPr>
+        </p:nvSpPr>
+        <p:spPr/>
+        <p:txBody>
+          <a:bodyPr/>
+          <a:lstStyle/>
+          <a:p>
+            <a:endParaRPr lang="en-US"/>
+          </a:p>
+        </p:txBody>
+      </p:sp>
+    </p:spTree>
+    <p:extLst>
+      <p:ext uri="{BB962C8B-B14F-4D97-AF65-F5344CB8AC3E}">
+        <p14:creationId xmlns:p14="http://schemas.microsoft.com/office/powerpoint/2010/main" val="1763201549"/>
+      </p:ext>
+    </p:extLst>
+  </p:cSld>
+  <p:clrMapOvr>
+    <a:masterClrMapping/>
+  </p:clrMapOvr>
+</p:sld>
+</file>
+
+<file path=ppt/slides/slide7.xml><?xml version="1.0" encoding="utf-8"?>
+<p:sld xmlns:a="http://schemas.openxmlformats.org/drawingml/2006/main" xmlns:r="http://schemas.openxmlformats.org/officeDocument/2006/relationships" xmlns:p="http://schemas.openxmlformats.org/presentationml/2006/main">
+  <p:cSld>
+    <p:spTree>
+      <p:nvGrpSpPr>
+        <p:cNvPr id="1" name=""/>
+        <p:cNvGrpSpPr/>
+        <p:nvPr/>
+      </p:nvGrpSpPr>
+      <p:grpSpPr>
+        <a:xfrm>
+          <a:off x="0" y="0"/>
+          <a:ext cx="0" cy="0"/>
+          <a:chOff x="0" y="0"/>
+          <a:chExt cx="0" cy="0"/>
+        </a:xfrm>
+      </p:grpSpPr>
+      <p:sp>
+        <p:nvSpPr>
           <p:cNvPr id="2" name="Tytuł 1">
             <a:extLst>
               <a:ext uri="{FF2B5EF4-FFF2-40B4-BE49-F238E27FC236}">
@@ -3229,10 +4843,25 @@
         </p:nvSpPr>
         <p:spPr/>
         <p:txBody>
-          <a:bodyPr/>
-          <a:lstStyle/>
-          <a:p>
-            <a:endParaRPr lang="pl-PL"/>
+          <a:bodyPr>
+            <a:normAutofit fontScale="90000"/>
+          </a:bodyPr>
+          <a:lstStyle/>
+          <a:p>
+            <a:r>
+              <a:rPr lang="en-US" b="0" i="0" dirty="0">
+                <a:solidFill>
+                  <a:srgbClr val="222222"/>
+                </a:solidFill>
+                <a:effectLst/>
+                <a:latin typeface="Arial" panose="020B0604020202020204" pitchFamily="34" charset="0"/>
+              </a:rPr>
+              <a:t>Difference in the cars decrease over the years?</a:t>
+            </a:r>
+            <a:br>
+              <a:rPr lang="en-US" dirty="0"/>
+            </a:br>
+            <a:endParaRPr lang="pl-PL" dirty="0"/>
           </a:p>
         </p:txBody>
       </p:sp>
@@ -3264,7 +4893,170 @@
     </p:spTree>
     <p:extLst>
       <p:ext uri="{BB962C8B-B14F-4D97-AF65-F5344CB8AC3E}">
+        <p14:creationId xmlns:p14="http://schemas.microsoft.com/office/powerpoint/2010/main" val="2834576460"/>
+      </p:ext>
+    </p:extLst>
+  </p:cSld>
+  <p:clrMapOvr>
+    <a:masterClrMapping/>
+  </p:clrMapOvr>
+</p:sld>
+</file>
+
+<file path=ppt/slides/slide8.xml><?xml version="1.0" encoding="utf-8"?>
+<p:sld xmlns:a="http://schemas.openxmlformats.org/drawingml/2006/main" xmlns:r="http://schemas.openxmlformats.org/officeDocument/2006/relationships" xmlns:p="http://schemas.openxmlformats.org/presentationml/2006/main">
+  <p:cSld>
+    <p:spTree>
+      <p:nvGrpSpPr>
+        <p:cNvPr id="1" name=""/>
+        <p:cNvGrpSpPr/>
+        <p:nvPr/>
+      </p:nvGrpSpPr>
+      <p:grpSpPr>
+        <a:xfrm>
+          <a:off x="0" y="0"/>
+          <a:ext cx="0" cy="0"/>
+          <a:chOff x="0" y="0"/>
+          <a:chExt cx="0" cy="0"/>
+        </a:xfrm>
+      </p:grpSpPr>
+      <p:sp>
+        <p:nvSpPr>
+          <p:cNvPr id="2" name="Tytuł 1">
+            <a:extLst>
+              <a:ext uri="{FF2B5EF4-FFF2-40B4-BE49-F238E27FC236}">
+                <a16:creationId xmlns:a16="http://schemas.microsoft.com/office/drawing/2014/main" id="{E39ADD3F-8B20-4D46-890F-ABDA09A98334}"/>
+              </a:ext>
+            </a:extLst>
+          </p:cNvPr>
+          <p:cNvSpPr>
+            <a:spLocks noGrp="1"/>
+          </p:cNvSpPr>
+          <p:nvPr>
+            <p:ph type="title"/>
+          </p:nvPr>
+        </p:nvSpPr>
+        <p:spPr/>
+        <p:txBody>
+          <a:bodyPr/>
+          <a:lstStyle/>
+          <a:p>
+            <a:br>
+              <a:rPr lang="en-US" dirty="0"/>
+            </a:br>
+            <a:endParaRPr lang="pl-PL" dirty="0"/>
+          </a:p>
+        </p:txBody>
+      </p:sp>
+      <p:sp>
+        <p:nvSpPr>
+          <p:cNvPr id="3" name="Symbol zastępczy zawartości 2">
+            <a:extLst>
+              <a:ext uri="{FF2B5EF4-FFF2-40B4-BE49-F238E27FC236}">
+                <a16:creationId xmlns:a16="http://schemas.microsoft.com/office/drawing/2014/main" id="{4803CACD-3C69-DB4D-9CEB-DD715DEBBD68}"/>
+              </a:ext>
+            </a:extLst>
+          </p:cNvPr>
+          <p:cNvSpPr>
+            <a:spLocks noGrp="1"/>
+          </p:cNvSpPr>
+          <p:nvPr>
+            <p:ph idx="1"/>
+          </p:nvPr>
+        </p:nvSpPr>
+        <p:spPr/>
+        <p:txBody>
+          <a:bodyPr/>
+          <a:lstStyle/>
+          <a:p>
+            <a:endParaRPr lang="pl-PL"/>
+          </a:p>
+        </p:txBody>
+      </p:sp>
+    </p:spTree>
+    <p:extLst>
+      <p:ext uri="{BB962C8B-B14F-4D97-AF65-F5344CB8AC3E}">
         <p14:creationId xmlns:p14="http://schemas.microsoft.com/office/powerpoint/2010/main" val="4076154281"/>
+      </p:ext>
+    </p:extLst>
+  </p:cSld>
+  <p:clrMapOvr>
+    <a:masterClrMapping/>
+  </p:clrMapOvr>
+</p:sld>
+</file>
+
+<file path=ppt/slides/slide9.xml><?xml version="1.0" encoding="utf-8"?>
+<p:sld xmlns:a="http://schemas.openxmlformats.org/drawingml/2006/main" xmlns:r="http://schemas.openxmlformats.org/officeDocument/2006/relationships" xmlns:p="http://schemas.openxmlformats.org/presentationml/2006/main">
+  <p:cSld>
+    <p:spTree>
+      <p:nvGrpSpPr>
+        <p:cNvPr id="1" name=""/>
+        <p:cNvGrpSpPr/>
+        <p:nvPr/>
+      </p:nvGrpSpPr>
+      <p:grpSpPr>
+        <a:xfrm>
+          <a:off x="0" y="0"/>
+          <a:ext cx="0" cy="0"/>
+          <a:chOff x="0" y="0"/>
+          <a:chExt cx="0" cy="0"/>
+        </a:xfrm>
+      </p:grpSpPr>
+      <p:sp>
+        <p:nvSpPr>
+          <p:cNvPr id="2" name="Title 1">
+            <a:extLst>
+              <a:ext uri="{FF2B5EF4-FFF2-40B4-BE49-F238E27FC236}">
+                <a16:creationId xmlns:a16="http://schemas.microsoft.com/office/drawing/2014/main" id="{8F694C84-9122-407A-9335-7FF043C3E2A2}"/>
+              </a:ext>
+            </a:extLst>
+          </p:cNvPr>
+          <p:cNvSpPr>
+            <a:spLocks noGrp="1"/>
+          </p:cNvSpPr>
+          <p:nvPr>
+            <p:ph type="title"/>
+          </p:nvPr>
+        </p:nvSpPr>
+        <p:spPr/>
+        <p:txBody>
+          <a:bodyPr/>
+          <a:lstStyle/>
+          <a:p>
+            <a:endParaRPr lang="en-US"/>
+          </a:p>
+        </p:txBody>
+      </p:sp>
+      <p:sp>
+        <p:nvSpPr>
+          <p:cNvPr id="3" name="Content Placeholder 2">
+            <a:extLst>
+              <a:ext uri="{FF2B5EF4-FFF2-40B4-BE49-F238E27FC236}">
+                <a16:creationId xmlns:a16="http://schemas.microsoft.com/office/drawing/2014/main" id="{3367C7C9-20B6-4F7A-BF6E-D7967B105B94}"/>
+              </a:ext>
+            </a:extLst>
+          </p:cNvPr>
+          <p:cNvSpPr>
+            <a:spLocks noGrp="1"/>
+          </p:cNvSpPr>
+          <p:nvPr>
+            <p:ph idx="1"/>
+          </p:nvPr>
+        </p:nvSpPr>
+        <p:spPr/>
+        <p:txBody>
+          <a:bodyPr/>
+          <a:lstStyle/>
+          <a:p>
+            <a:endParaRPr lang="en-US"/>
+          </a:p>
+        </p:txBody>
+      </p:sp>
+    </p:spTree>
+    <p:extLst>
+      <p:ext uri="{BB962C8B-B14F-4D97-AF65-F5344CB8AC3E}">
+        <p14:creationId xmlns:p14="http://schemas.microsoft.com/office/powerpoint/2010/main" val="4132244438"/>
       </p:ext>
     </p:extLst>
   </p:cSld>
@@ -3533,4 +5325,299 @@
     </a:ext>
   </a:extLst>
 </a:theme>
+</file>
+
+<file path=ppt/theme/theme2.xml><?xml version="1.0" encoding="utf-8"?>
+<a:theme xmlns:a="http://schemas.openxmlformats.org/drawingml/2006/main" name="Office Theme">
+  <a:themeElements>
+    <a:clrScheme name="Office">
+      <a:dk1>
+        <a:sysClr val="windowText" lastClr="000000"/>
+      </a:dk1>
+      <a:lt1>
+        <a:sysClr val="window" lastClr="FFFFFF"/>
+      </a:lt1>
+      <a:dk2>
+        <a:srgbClr val="44546A"/>
+      </a:dk2>
+      <a:lt2>
+        <a:srgbClr val="E7E6E6"/>
+      </a:lt2>
+      <a:accent1>
+        <a:srgbClr val="4472C4"/>
+      </a:accent1>
+      <a:accent2>
+        <a:srgbClr val="ED7D31"/>
+      </a:accent2>
+      <a:accent3>
+        <a:srgbClr val="A5A5A5"/>
+      </a:accent3>
+      <a:accent4>
+        <a:srgbClr val="FFC000"/>
+      </a:accent4>
+      <a:accent5>
+        <a:srgbClr val="5B9BD5"/>
+      </a:accent5>
+      <a:accent6>
+        <a:srgbClr val="70AD47"/>
+      </a:accent6>
+      <a:hlink>
+        <a:srgbClr val="0563C1"/>
+      </a:hlink>
+      <a:folHlink>
+        <a:srgbClr val="954F72"/>
+      </a:folHlink>
+    </a:clrScheme>
+    <a:fontScheme name="Office">
+      <a:majorFont>
+        <a:latin typeface="Calibri Light" panose="020F0302020204030204"/>
+        <a:ea typeface=""/>
+        <a:cs typeface=""/>
+        <a:font script="Jpan" typeface="游ゴシック Light"/>
+        <a:font script="Hang" typeface="맑은 고딕"/>
+        <a:font script="Hans" typeface="等线 Light"/>
+        <a:font script="Hant" typeface="新細明體"/>
+        <a:font script="Arab" typeface="Times New Roman"/>
+        <a:font script="Hebr" typeface="Times New Roman"/>
+        <a:font script="Thai" typeface="Angsana New"/>
+        <a:font script="Ethi" typeface="Nyala"/>
+        <a:font script="Beng" typeface="Vrinda"/>
+        <a:font script="Gujr" typeface="Shruti"/>
+        <a:font script="Khmr" typeface="MoolBoran"/>
+        <a:font script="Knda" typeface="Tunga"/>
+        <a:font script="Guru" typeface="Raavi"/>
+        <a:font script="Cans" typeface="Euphemia"/>
+        <a:font script="Cher" typeface="Plantagenet Cherokee"/>
+        <a:font script="Yiii" typeface="Microsoft Yi Baiti"/>
+        <a:font script="Tibt" typeface="Microsoft Himalaya"/>
+        <a:font script="Thaa" typeface="MV Boli"/>
+        <a:font script="Deva" typeface="Mangal"/>
+        <a:font script="Telu" typeface="Gautami"/>
+        <a:font script="Taml" typeface="Latha"/>
+        <a:font script="Syrc" typeface="Estrangelo Edessa"/>
+        <a:font script="Orya" typeface="Kalinga"/>
+        <a:font script="Mlym" typeface="Kartika"/>
+        <a:font script="Laoo" typeface="DokChampa"/>
+        <a:font script="Sinh" typeface="Iskoola Pota"/>
+        <a:font script="Mong" typeface="Mongolian Baiti"/>
+        <a:font script="Viet" typeface="Times New Roman"/>
+        <a:font script="Uigh" typeface="Microsoft Uighur"/>
+        <a:font script="Geor" typeface="Sylfaen"/>
+        <a:font script="Armn" typeface="Arial"/>
+        <a:font script="Bugi" typeface="Leelawadee UI"/>
+        <a:font script="Bopo" typeface="Microsoft JhengHei"/>
+        <a:font script="Java" typeface="Javanese Text"/>
+        <a:font script="Lisu" typeface="Segoe UI"/>
+        <a:font script="Mymr" typeface="Myanmar Text"/>
+        <a:font script="Nkoo" typeface="Ebrima"/>
+        <a:font script="Olck" typeface="Nirmala UI"/>
+        <a:font script="Osma" typeface="Ebrima"/>
+        <a:font script="Phag" typeface="Phagspa"/>
+        <a:font script="Syrn" typeface="Estrangelo Edessa"/>
+        <a:font script="Syrj" typeface="Estrangelo Edessa"/>
+        <a:font script="Syre" typeface="Estrangelo Edessa"/>
+        <a:font script="Sora" typeface="Nirmala UI"/>
+        <a:font script="Tale" typeface="Microsoft Tai Le"/>
+        <a:font script="Talu" typeface="Microsoft New Tai Lue"/>
+        <a:font script="Tfng" typeface="Ebrima"/>
+      </a:majorFont>
+      <a:minorFont>
+        <a:latin typeface="Calibri" panose="020F0502020204030204"/>
+        <a:ea typeface=""/>
+        <a:cs typeface=""/>
+        <a:font script="Jpan" typeface="游ゴシック"/>
+        <a:font script="Hang" typeface="맑은 고딕"/>
+        <a:font script="Hans" typeface="等线"/>
+        <a:font script="Hant" typeface="新細明體"/>
+        <a:font script="Arab" typeface="Arial"/>
+        <a:font script="Hebr" typeface="Arial"/>
+        <a:font script="Thai" typeface="Cordia New"/>
+        <a:font script="Ethi" typeface="Nyala"/>
+        <a:font script="Beng" typeface="Vrinda"/>
+        <a:font script="Gujr" typeface="Shruti"/>
+        <a:font script="Khmr" typeface="DaunPenh"/>
+        <a:font script="Knda" typeface="Tunga"/>
+        <a:font script="Guru" typeface="Raavi"/>
+        <a:font script="Cans" typeface="Euphemia"/>
+        <a:font script="Cher" typeface="Plantagenet Cherokee"/>
+        <a:font script="Yiii" typeface="Microsoft Yi Baiti"/>
+        <a:font script="Tibt" typeface="Microsoft Himalaya"/>
+        <a:font script="Thaa" typeface="MV Boli"/>
+        <a:font script="Deva" typeface="Mangal"/>
+        <a:font script="Telu" typeface="Gautami"/>
+        <a:font script="Taml" typeface="Latha"/>
+        <a:font script="Syrc" typeface="Estrangelo Edessa"/>
+        <a:font script="Orya" typeface="Kalinga"/>
+        <a:font script="Mlym" typeface="Kartika"/>
+        <a:font script="Laoo" typeface="DokChampa"/>
+        <a:font script="Sinh" typeface="Iskoola Pota"/>
+        <a:font script="Mong" typeface="Mongolian Baiti"/>
+        <a:font script="Viet" typeface="Arial"/>
+        <a:font script="Uigh" typeface="Microsoft Uighur"/>
+        <a:font script="Geor" typeface="Sylfaen"/>
+        <a:font script="Armn" typeface="Arial"/>
+        <a:font script="Bugi" typeface="Leelawadee UI"/>
+        <a:font script="Bopo" typeface="Microsoft JhengHei"/>
+        <a:font script="Java" typeface="Javanese Text"/>
+        <a:font script="Lisu" typeface="Segoe UI"/>
+        <a:font script="Mymr" typeface="Myanmar Text"/>
+        <a:font script="Nkoo" typeface="Ebrima"/>
+        <a:font script="Olck" typeface="Nirmala UI"/>
+        <a:font script="Osma" typeface="Ebrima"/>
+        <a:font script="Phag" typeface="Phagspa"/>
+        <a:font script="Syrn" typeface="Estrangelo Edessa"/>
+        <a:font script="Syrj" typeface="Estrangelo Edessa"/>
+        <a:font script="Syre" typeface="Estrangelo Edessa"/>
+        <a:font script="Sora" typeface="Nirmala UI"/>
+        <a:font script="Tale" typeface="Microsoft Tai Le"/>
+        <a:font script="Talu" typeface="Microsoft New Tai Lue"/>
+        <a:font script="Tfng" typeface="Ebrima"/>
+      </a:minorFont>
+    </a:fontScheme>
+    <a:fmtScheme name="Office">
+      <a:fillStyleLst>
+        <a:solidFill>
+          <a:schemeClr val="phClr"/>
+        </a:solidFill>
+        <a:gradFill rotWithShape="1">
+          <a:gsLst>
+            <a:gs pos="0">
+              <a:schemeClr val="phClr">
+                <a:lumMod val="110000"/>
+                <a:satMod val="105000"/>
+                <a:tint val="67000"/>
+              </a:schemeClr>
+            </a:gs>
+            <a:gs pos="50000">
+              <a:schemeClr val="phClr">
+                <a:lumMod val="105000"/>
+                <a:satMod val="103000"/>
+                <a:tint val="73000"/>
+              </a:schemeClr>
+            </a:gs>
+            <a:gs pos="100000">
+              <a:schemeClr val="phClr">
+                <a:lumMod val="105000"/>
+                <a:satMod val="109000"/>
+                <a:tint val="81000"/>
+              </a:schemeClr>
+            </a:gs>
+          </a:gsLst>
+          <a:lin ang="5400000" scaled="0"/>
+        </a:gradFill>
+        <a:gradFill rotWithShape="1">
+          <a:gsLst>
+            <a:gs pos="0">
+              <a:schemeClr val="phClr">
+                <a:satMod val="103000"/>
+                <a:lumMod val="102000"/>
+                <a:tint val="94000"/>
+              </a:schemeClr>
+            </a:gs>
+            <a:gs pos="50000">
+              <a:schemeClr val="phClr">
+                <a:satMod val="110000"/>
+                <a:lumMod val="100000"/>
+                <a:shade val="100000"/>
+              </a:schemeClr>
+            </a:gs>
+            <a:gs pos="100000">
+              <a:schemeClr val="phClr">
+                <a:lumMod val="99000"/>
+                <a:satMod val="120000"/>
+                <a:shade val="78000"/>
+              </a:schemeClr>
+            </a:gs>
+          </a:gsLst>
+          <a:lin ang="5400000" scaled="0"/>
+        </a:gradFill>
+      </a:fillStyleLst>
+      <a:lnStyleLst>
+        <a:ln w="6350" cap="flat" cmpd="sng" algn="ctr">
+          <a:solidFill>
+            <a:schemeClr val="phClr"/>
+          </a:solidFill>
+          <a:prstDash val="solid"/>
+          <a:miter lim="800000"/>
+        </a:ln>
+        <a:ln w="12700" cap="flat" cmpd="sng" algn="ctr">
+          <a:solidFill>
+            <a:schemeClr val="phClr"/>
+          </a:solidFill>
+          <a:prstDash val="solid"/>
+          <a:miter lim="800000"/>
+        </a:ln>
+        <a:ln w="19050" cap="flat" cmpd="sng" algn="ctr">
+          <a:solidFill>
+            <a:schemeClr val="phClr"/>
+          </a:solidFill>
+          <a:prstDash val="solid"/>
+          <a:miter lim="800000"/>
+        </a:ln>
+      </a:lnStyleLst>
+      <a:effectStyleLst>
+        <a:effectStyle>
+          <a:effectLst/>
+        </a:effectStyle>
+        <a:effectStyle>
+          <a:effectLst/>
+        </a:effectStyle>
+        <a:effectStyle>
+          <a:effectLst>
+            <a:outerShdw blurRad="57150" dist="19050" dir="5400000" algn="ctr" rotWithShape="0">
+              <a:srgbClr val="000000">
+                <a:alpha val="63000"/>
+              </a:srgbClr>
+            </a:outerShdw>
+          </a:effectLst>
+        </a:effectStyle>
+      </a:effectStyleLst>
+      <a:bgFillStyleLst>
+        <a:solidFill>
+          <a:schemeClr val="phClr"/>
+        </a:solidFill>
+        <a:solidFill>
+          <a:schemeClr val="phClr">
+            <a:tint val="95000"/>
+            <a:satMod val="170000"/>
+          </a:schemeClr>
+        </a:solidFill>
+        <a:gradFill rotWithShape="1">
+          <a:gsLst>
+            <a:gs pos="0">
+              <a:schemeClr val="phClr">
+                <a:tint val="93000"/>
+                <a:satMod val="150000"/>
+                <a:shade val="98000"/>
+                <a:lumMod val="102000"/>
+              </a:schemeClr>
+            </a:gs>
+            <a:gs pos="50000">
+              <a:schemeClr val="phClr">
+                <a:tint val="98000"/>
+                <a:satMod val="130000"/>
+                <a:shade val="90000"/>
+                <a:lumMod val="103000"/>
+              </a:schemeClr>
+            </a:gs>
+            <a:gs pos="100000">
+              <a:schemeClr val="phClr">
+                <a:shade val="63000"/>
+                <a:satMod val="120000"/>
+              </a:schemeClr>
+            </a:gs>
+          </a:gsLst>
+          <a:lin ang="5400000" scaled="0"/>
+        </a:gradFill>
+      </a:bgFillStyleLst>
+    </a:fmtScheme>
+  </a:themeElements>
+  <a:objectDefaults/>
+  <a:extraClrSchemeLst/>
+  <a:extLst>
+    <a:ext uri="{05A4C25C-085E-4340-85A3-A5531E510DB2}">
+      <thm15:themeFamily xmlns:thm15="http://schemas.microsoft.com/office/thememl/2012/main" name="Office Theme" id="{62F939B6-93AF-4DB8-9C6B-D6C7DFDC589F}" vid="{4A3C46E8-61CC-4603-A589-7422A47A8E4A}"/>
+    </a:ext>
+  </a:extLst>
+</a:theme>
 </file>
--- a/Presentation/F1_Presentation_Moyo_Majak.pptx
+++ b/Presentation/F1_Presentation_Moyo_Majak.pptx
@@ -5,7 +5,7 @@
     <p:sldMasterId id="2147483648" r:id="rId1"/>
   </p:sldMasterIdLst>
   <p:notesMasterIdLst>
-    <p:notesMasterId r:id="rId14"/>
+    <p:notesMasterId r:id="rId15"/>
   </p:notesMasterIdLst>
   <p:sldIdLst>
     <p:sldId id="256" r:id="rId2"/>
@@ -13,13 +13,14 @@
     <p:sldId id="258" r:id="rId4"/>
     <p:sldId id="260" r:id="rId5"/>
     <p:sldId id="259" r:id="rId6"/>
-    <p:sldId id="264" r:id="rId7"/>
-    <p:sldId id="262" r:id="rId8"/>
-    <p:sldId id="261" r:id="rId9"/>
-    <p:sldId id="265" r:id="rId10"/>
-    <p:sldId id="263" r:id="rId11"/>
-    <p:sldId id="266" r:id="rId12"/>
-    <p:sldId id="267" r:id="rId13"/>
+    <p:sldId id="268" r:id="rId7"/>
+    <p:sldId id="264" r:id="rId8"/>
+    <p:sldId id="262" r:id="rId9"/>
+    <p:sldId id="261" r:id="rId10"/>
+    <p:sldId id="265" r:id="rId11"/>
+    <p:sldId id="263" r:id="rId12"/>
+    <p:sldId id="266" r:id="rId13"/>
+    <p:sldId id="267" r:id="rId14"/>
   </p:sldIdLst>
   <p:sldSz cx="12192000" cy="6858000"/>
   <p:notesSz cx="6858000" cy="9144000"/>
@@ -208,7 +209,7 @@
           <a:p>
             <a:fld id="{B3CDF40C-5A9A-4B37-9F4E-A337933060DF}" type="datetimeFigureOut">
               <a:rPr lang="en-US" smtClean="0"/>
-              <a:t>1/20/2021</a:t>
+              <a:t>1/20/21</a:t>
             </a:fld>
             <a:endParaRPr lang="en-US"/>
           </a:p>
@@ -1061,7 +1062,27 @@
                 <a:effectLst/>
                 <a:latin typeface="Segoe UI Historic" panose="020B0502040204020203" pitchFamily="34" charset="0"/>
               </a:rPr>
-              <a:t>accumulated sum of points for top 10 contractors over the years</a:t>
+              <a:t>accumulated sum of points for top 10 </a:t>
+            </a:r>
+            <a:r>
+              <a:rPr lang="en-US" b="0" i="0" dirty="0" err="1">
+                <a:solidFill>
+                  <a:srgbClr val="050505"/>
+                </a:solidFill>
+                <a:effectLst/>
+                <a:latin typeface="Segoe UI Historic" panose="020B0502040204020203" pitchFamily="34" charset="0"/>
+              </a:rPr>
+              <a:t>constractors</a:t>
+            </a:r>
+            <a:r>
+              <a:rPr lang="en-US" b="0" i="0" dirty="0">
+                <a:solidFill>
+                  <a:srgbClr val="050505"/>
+                </a:solidFill>
+                <a:effectLst/>
+                <a:latin typeface="Segoe UI Historic" panose="020B0502040204020203" pitchFamily="34" charset="0"/>
+              </a:rPr>
+              <a:t> over the years</a:t>
             </a:r>
           </a:p>
           <a:p>
@@ -1085,27 +1106,7 @@
                 <a:effectLst/>
                 <a:latin typeface="Segoe UI Historic" panose="020B0502040204020203" pitchFamily="34" charset="0"/>
               </a:rPr>
-              <a:t>The Ferrari has the  </a:t>
-            </a:r>
-            <a:r>
-              <a:rPr lang="en-US" b="0" i="0" dirty="0" err="1">
-                <a:solidFill>
-                  <a:srgbClr val="050505"/>
-                </a:solidFill>
-                <a:effectLst/>
-                <a:latin typeface="Segoe UI Historic" panose="020B0502040204020203" pitchFamily="34" charset="0"/>
-              </a:rPr>
-              <a:t>highet</a:t>
-            </a:r>
-            <a:r>
-              <a:rPr lang="en-US" b="0" i="0" dirty="0">
-                <a:solidFill>
-                  <a:srgbClr val="050505"/>
-                </a:solidFill>
-                <a:effectLst/>
-                <a:latin typeface="Segoe UI Historic" panose="020B0502040204020203" pitchFamily="34" charset="0"/>
-              </a:rPr>
-              <a:t> number of accumulated points</a:t>
+              <a:t>The Ferrari has the  highest number of accumulated points</a:t>
             </a:r>
           </a:p>
           <a:p>
@@ -1168,7 +1169,7 @@
       </p:grpSpPr>
       <p:sp>
         <p:nvSpPr>
-          <p:cNvPr id="2" name="Slide Image Placeholder 1"/>
+          <p:cNvPr id="2" name="Symbol zastępczy obrazu slajdu 1"/>
           <p:cNvSpPr>
             <a:spLocks noGrp="1" noRot="1" noChangeAspect="1"/>
           </p:cNvSpPr>
@@ -1180,7 +1181,7 @@
       </p:sp>
       <p:sp>
         <p:nvSpPr>
-          <p:cNvPr id="3" name="Notes Placeholder 2"/>
+          <p:cNvPr id="3" name="Symbol zastępczy notatek 2"/>
           <p:cNvSpPr>
             <a:spLocks noGrp="1"/>
           </p:cNvSpPr>
@@ -1193,35 +1194,13 @@
           <a:bodyPr/>
           <a:lstStyle/>
           <a:p>
-            <a:r>
-              <a:rPr lang="en-US" b="0" i="0" dirty="0">
-                <a:solidFill>
-                  <a:srgbClr val="222222"/>
-                </a:solidFill>
-                <a:effectLst/>
-                <a:latin typeface="Arial" panose="020B0604020202020204" pitchFamily="34" charset="0"/>
-              </a:rPr>
-              <a:t>Do the differences between the cars decrease over the years?</a:t>
-            </a:r>
-          </a:p>
-          <a:p>
-            <a:r>
-              <a:rPr lang="en-US" b="0" i="0" dirty="0">
-                <a:solidFill>
-                  <a:srgbClr val="222222"/>
-                </a:solidFill>
-                <a:effectLst/>
-                <a:latin typeface="Arial" panose="020B0604020202020204" pitchFamily="34" charset="0"/>
-              </a:rPr>
-              <a:t>To answer this question we have used a plot that shows the differences in the number of cars in the past years</a:t>
-            </a:r>
-            <a:endParaRPr lang="en-US" dirty="0"/>
-          </a:p>
-        </p:txBody>
-      </p:sp>
-      <p:sp>
-        <p:nvSpPr>
-          <p:cNvPr id="4" name="Slide Number Placeholder 3"/>
+            <a:endParaRPr lang="pl-PL"/>
+          </a:p>
+        </p:txBody>
+      </p:sp>
+      <p:sp>
+        <p:nvSpPr>
+          <p:cNvPr id="4" name="Symbol zastępczy numeru slajdu 3"/>
           <p:cNvSpPr>
             <a:spLocks noGrp="1"/>
           </p:cNvSpPr>
@@ -1236,7 +1215,7 @@
           <a:p>
             <a:fld id="{8B16C77F-3968-400F-9FFF-E15A5979D213}" type="slidenum">
               <a:rPr lang="en-US" smtClean="0"/>
-              <a:t>7</a:t>
+              <a:t>6</a:t>
             </a:fld>
             <a:endParaRPr lang="en-US"/>
           </a:p>
@@ -1245,7 +1224,7 @@
     </p:spTree>
     <p:extLst>
       <p:ext uri="{BB962C8B-B14F-4D97-AF65-F5344CB8AC3E}">
-        <p14:creationId xmlns:p14="http://schemas.microsoft.com/office/powerpoint/2010/main" val="500560726"/>
+        <p14:creationId xmlns:p14="http://schemas.microsoft.com/office/powerpoint/2010/main" val="4221663633"/>
       </p:ext>
     </p:extLst>
   </p:cSld>
@@ -1307,13 +1286,19 @@
                 <a:effectLst/>
                 <a:latin typeface="Arial" panose="020B0604020202020204" pitchFamily="34" charset="0"/>
               </a:rPr>
-              <a:t>Is F1 currently being won in qualifying?</a:t>
-            </a:r>
-          </a:p>
-          <a:p>
-            <a:r>
-              <a:rPr lang="en-ZW" dirty="0"/>
-              <a:t>This plot shows a </a:t>
+              <a:t>Do the differences between the cars decrease over the years?</a:t>
+            </a:r>
+          </a:p>
+          <a:p>
+            <a:r>
+              <a:rPr lang="en-US" b="0" i="0" dirty="0">
+                <a:solidFill>
+                  <a:srgbClr val="222222"/>
+                </a:solidFill>
+                <a:effectLst/>
+                <a:latin typeface="Arial" panose="020B0604020202020204" pitchFamily="34" charset="0"/>
+              </a:rPr>
+              <a:t>To answer this question we have used a plot that shows the differences in the number of cars in the past years</a:t>
             </a:r>
             <a:endParaRPr lang="en-US" dirty="0"/>
           </a:p>
@@ -1337,6 +1322,106 @@
             <a:fld id="{8B16C77F-3968-400F-9FFF-E15A5979D213}" type="slidenum">
               <a:rPr lang="en-US" smtClean="0"/>
               <a:t>8</a:t>
+            </a:fld>
+            <a:endParaRPr lang="en-US"/>
+          </a:p>
+        </p:txBody>
+      </p:sp>
+    </p:spTree>
+    <p:extLst>
+      <p:ext uri="{BB962C8B-B14F-4D97-AF65-F5344CB8AC3E}">
+        <p14:creationId xmlns:p14="http://schemas.microsoft.com/office/powerpoint/2010/main" val="500560726"/>
+      </p:ext>
+    </p:extLst>
+  </p:cSld>
+  <p:clrMapOvr>
+    <a:masterClrMapping/>
+  </p:clrMapOvr>
+</p:notes>
+</file>
+
+<file path=ppt/notesSlides/notesSlide7.xml><?xml version="1.0" encoding="utf-8"?>
+<p:notes xmlns:a="http://schemas.openxmlformats.org/drawingml/2006/main" xmlns:r="http://schemas.openxmlformats.org/officeDocument/2006/relationships" xmlns:p="http://schemas.openxmlformats.org/presentationml/2006/main">
+  <p:cSld>
+    <p:spTree>
+      <p:nvGrpSpPr>
+        <p:cNvPr id="1" name=""/>
+        <p:cNvGrpSpPr/>
+        <p:nvPr/>
+      </p:nvGrpSpPr>
+      <p:grpSpPr>
+        <a:xfrm>
+          <a:off x="0" y="0"/>
+          <a:ext cx="0" cy="0"/>
+          <a:chOff x="0" y="0"/>
+          <a:chExt cx="0" cy="0"/>
+        </a:xfrm>
+      </p:grpSpPr>
+      <p:sp>
+        <p:nvSpPr>
+          <p:cNvPr id="2" name="Slide Image Placeholder 1"/>
+          <p:cNvSpPr>
+            <a:spLocks noGrp="1" noRot="1" noChangeAspect="1"/>
+          </p:cNvSpPr>
+          <p:nvPr>
+            <p:ph type="sldImg"/>
+          </p:nvPr>
+        </p:nvSpPr>
+        <p:spPr/>
+      </p:sp>
+      <p:sp>
+        <p:nvSpPr>
+          <p:cNvPr id="3" name="Notes Placeholder 2"/>
+          <p:cNvSpPr>
+            <a:spLocks noGrp="1"/>
+          </p:cNvSpPr>
+          <p:nvPr>
+            <p:ph type="body" idx="1"/>
+          </p:nvPr>
+        </p:nvSpPr>
+        <p:spPr/>
+        <p:txBody>
+          <a:bodyPr/>
+          <a:lstStyle/>
+          <a:p>
+            <a:r>
+              <a:rPr lang="en-US" b="0" i="0" dirty="0">
+                <a:solidFill>
+                  <a:srgbClr val="222222"/>
+                </a:solidFill>
+                <a:effectLst/>
+                <a:latin typeface="Arial" panose="020B0604020202020204" pitchFamily="34" charset="0"/>
+              </a:rPr>
+              <a:t>Is F1 currently being won in qualifying?</a:t>
+            </a:r>
+          </a:p>
+          <a:p>
+            <a:r>
+              <a:rPr lang="en-ZW" dirty="0"/>
+              <a:t>This plot shows a </a:t>
+            </a:r>
+            <a:endParaRPr lang="en-US" dirty="0"/>
+          </a:p>
+        </p:txBody>
+      </p:sp>
+      <p:sp>
+        <p:nvSpPr>
+          <p:cNvPr id="4" name="Slide Number Placeholder 3"/>
+          <p:cNvSpPr>
+            <a:spLocks noGrp="1"/>
+          </p:cNvSpPr>
+          <p:nvPr>
+            <p:ph type="sldNum" sz="quarter" idx="5"/>
+          </p:nvPr>
+        </p:nvSpPr>
+        <p:spPr/>
+        <p:txBody>
+          <a:bodyPr/>
+          <a:lstStyle/>
+          <a:p>
+            <a:fld id="{8B16C77F-3968-400F-9FFF-E15A5979D213}" type="slidenum">
+              <a:rPr lang="en-US" smtClean="0"/>
+              <a:t>9</a:t>
             </a:fld>
             <a:endParaRPr lang="en-US"/>
           </a:p>
@@ -1510,7 +1595,7 @@
           <a:p>
             <a:fld id="{276D79ED-3FA7-4EF8-964B-EB8BCFAB02F8}" type="datetimeFigureOut">
               <a:rPr lang="en-US" smtClean="0"/>
-              <a:t>1/20/2021</a:t>
+              <a:t>1/20/21</a:t>
             </a:fld>
             <a:endParaRPr lang="en-US"/>
           </a:p>
@@ -1680,7 +1765,7 @@
           <a:p>
             <a:fld id="{276D79ED-3FA7-4EF8-964B-EB8BCFAB02F8}" type="datetimeFigureOut">
               <a:rPr lang="en-US" smtClean="0"/>
-              <a:t>1/20/2021</a:t>
+              <a:t>1/20/21</a:t>
             </a:fld>
             <a:endParaRPr lang="en-US"/>
           </a:p>
@@ -1926,7 +2011,7 @@
           <a:p>
             <a:fld id="{276D79ED-3FA7-4EF8-964B-EB8BCFAB02F8}" type="datetimeFigureOut">
               <a:rPr lang="en-US" smtClean="0"/>
-              <a:t>1/20/2021</a:t>
+              <a:t>1/20/21</a:t>
             </a:fld>
             <a:endParaRPr lang="en-US"/>
           </a:p>
@@ -2158,7 +2243,7 @@
           <a:p>
             <a:fld id="{276D79ED-3FA7-4EF8-964B-EB8BCFAB02F8}" type="datetimeFigureOut">
               <a:rPr lang="en-US" smtClean="0"/>
-              <a:t>1/20/2021</a:t>
+              <a:t>1/20/21</a:t>
             </a:fld>
             <a:endParaRPr lang="en-US"/>
           </a:p>
@@ -2525,7 +2610,7 @@
           <a:p>
             <a:fld id="{276D79ED-3FA7-4EF8-964B-EB8BCFAB02F8}" type="datetimeFigureOut">
               <a:rPr lang="en-US" smtClean="0"/>
-              <a:t>1/20/2021</a:t>
+              <a:t>1/20/21</a:t>
             </a:fld>
             <a:endParaRPr lang="en-US"/>
           </a:p>
@@ -2643,7 +2728,7 @@
           <a:p>
             <a:fld id="{276D79ED-3FA7-4EF8-964B-EB8BCFAB02F8}" type="datetimeFigureOut">
               <a:rPr lang="en-US" smtClean="0"/>
-              <a:t>1/20/2021</a:t>
+              <a:t>1/20/21</a:t>
             </a:fld>
             <a:endParaRPr lang="en-US"/>
           </a:p>
@@ -2738,7 +2823,7 @@
           <a:p>
             <a:fld id="{276D79ED-3FA7-4EF8-964B-EB8BCFAB02F8}" type="datetimeFigureOut">
               <a:rPr lang="en-US" smtClean="0"/>
-              <a:t>1/20/2021</a:t>
+              <a:t>1/20/21</a:t>
             </a:fld>
             <a:endParaRPr lang="en-US"/>
           </a:p>
@@ -3015,7 +3100,7 @@
           <a:p>
             <a:fld id="{276D79ED-3FA7-4EF8-964B-EB8BCFAB02F8}" type="datetimeFigureOut">
               <a:rPr lang="en-US" smtClean="0"/>
-              <a:t>1/20/2021</a:t>
+              <a:t>1/20/21</a:t>
             </a:fld>
             <a:endParaRPr lang="en-US"/>
           </a:p>
@@ -3272,7 +3357,7 @@
           <a:p>
             <a:fld id="{276D79ED-3FA7-4EF8-964B-EB8BCFAB02F8}" type="datetimeFigureOut">
               <a:rPr lang="en-US" smtClean="0"/>
-              <a:t>1/20/2021</a:t>
+              <a:t>1/20/21</a:t>
             </a:fld>
             <a:endParaRPr lang="en-US"/>
           </a:p>
@@ -3493,7 +3578,7 @@
             <a:fld id="{276D79ED-3FA7-4EF8-964B-EB8BCFAB02F8}" type="datetimeFigureOut">
               <a:rPr lang="en-US" smtClean="0"/>
               <a:pPr/>
-              <a:t>1/20/2021</a:t>
+              <a:t>1/20/21</a:t>
             </a:fld>
             <a:endParaRPr lang="en-US"/>
           </a:p>
@@ -4107,7 +4192,7 @@
           <p:cNvPr id="2" name="Title 1">
             <a:extLst>
               <a:ext uri="{FF2B5EF4-FFF2-40B4-BE49-F238E27FC236}">
-                <a16:creationId xmlns:a16="http://schemas.microsoft.com/office/drawing/2014/main" id="{EEDF7E60-BEFF-4D9E-97E4-1C50543309DE}"/>
+                <a16:creationId xmlns:a16="http://schemas.microsoft.com/office/drawing/2014/main" id="{8F694C84-9122-407A-9335-7FF043C3E2A2}"/>
               </a:ext>
             </a:extLst>
           </p:cNvPr>
@@ -4123,17 +4208,7 @@
           <a:bodyPr/>
           <a:lstStyle/>
           <a:p>
-            <a:r>
-              <a:rPr lang="en-US" b="0" i="0" dirty="0">
-                <a:solidFill>
-                  <a:srgbClr val="222222"/>
-                </a:solidFill>
-                <a:effectLst/>
-                <a:latin typeface="Arial" panose="020B0604020202020204" pitchFamily="34" charset="0"/>
-              </a:rPr>
-              <a:t>Which F1 circuits provide a more even fight?</a:t>
-            </a:r>
-            <a:endParaRPr lang="en-US" dirty="0"/>
+            <a:endParaRPr lang="en-US"/>
           </a:p>
         </p:txBody>
       </p:sp>
@@ -4142,7 +4217,7 @@
           <p:cNvPr id="3" name="Content Placeholder 2">
             <a:extLst>
               <a:ext uri="{FF2B5EF4-FFF2-40B4-BE49-F238E27FC236}">
-                <a16:creationId xmlns:a16="http://schemas.microsoft.com/office/drawing/2014/main" id="{8938693A-BE4E-41A4-8570-AADF18D1A1A5}"/>
+                <a16:creationId xmlns:a16="http://schemas.microsoft.com/office/drawing/2014/main" id="{3367C7C9-20B6-4F7A-BF6E-D7967B105B94}"/>
               </a:ext>
             </a:extLst>
           </p:cNvPr>
@@ -4165,7 +4240,7 @@
     </p:spTree>
     <p:extLst>
       <p:ext uri="{BB962C8B-B14F-4D97-AF65-F5344CB8AC3E}">
-        <p14:creationId xmlns:p14="http://schemas.microsoft.com/office/powerpoint/2010/main" val="441530103"/>
+        <p14:creationId xmlns:p14="http://schemas.microsoft.com/office/powerpoint/2010/main" val="4132244438"/>
       </p:ext>
     </p:extLst>
   </p:cSld>
@@ -4197,6 +4272,96 @@
           <p:cNvPr id="2" name="Title 1">
             <a:extLst>
               <a:ext uri="{FF2B5EF4-FFF2-40B4-BE49-F238E27FC236}">
+                <a16:creationId xmlns:a16="http://schemas.microsoft.com/office/drawing/2014/main" id="{EEDF7E60-BEFF-4D9E-97E4-1C50543309DE}"/>
+              </a:ext>
+            </a:extLst>
+          </p:cNvPr>
+          <p:cNvSpPr>
+            <a:spLocks noGrp="1"/>
+          </p:cNvSpPr>
+          <p:nvPr>
+            <p:ph type="title"/>
+          </p:nvPr>
+        </p:nvSpPr>
+        <p:spPr/>
+        <p:txBody>
+          <a:bodyPr/>
+          <a:lstStyle/>
+          <a:p>
+            <a:r>
+              <a:rPr lang="en-US" b="0" i="0" dirty="0">
+                <a:solidFill>
+                  <a:srgbClr val="222222"/>
+                </a:solidFill>
+                <a:effectLst/>
+                <a:latin typeface="Arial" panose="020B0604020202020204" pitchFamily="34" charset="0"/>
+              </a:rPr>
+              <a:t>Which F1 circuits provide a more even fight?</a:t>
+            </a:r>
+            <a:endParaRPr lang="en-US" dirty="0"/>
+          </a:p>
+        </p:txBody>
+      </p:sp>
+      <p:sp>
+        <p:nvSpPr>
+          <p:cNvPr id="3" name="Content Placeholder 2">
+            <a:extLst>
+              <a:ext uri="{FF2B5EF4-FFF2-40B4-BE49-F238E27FC236}">
+                <a16:creationId xmlns:a16="http://schemas.microsoft.com/office/drawing/2014/main" id="{8938693A-BE4E-41A4-8570-AADF18D1A1A5}"/>
+              </a:ext>
+            </a:extLst>
+          </p:cNvPr>
+          <p:cNvSpPr>
+            <a:spLocks noGrp="1"/>
+          </p:cNvSpPr>
+          <p:nvPr>
+            <p:ph idx="1"/>
+          </p:nvPr>
+        </p:nvSpPr>
+        <p:spPr/>
+        <p:txBody>
+          <a:bodyPr/>
+          <a:lstStyle/>
+          <a:p>
+            <a:endParaRPr lang="en-US"/>
+          </a:p>
+        </p:txBody>
+      </p:sp>
+    </p:spTree>
+    <p:extLst>
+      <p:ext uri="{BB962C8B-B14F-4D97-AF65-F5344CB8AC3E}">
+        <p14:creationId xmlns:p14="http://schemas.microsoft.com/office/powerpoint/2010/main" val="441530103"/>
+      </p:ext>
+    </p:extLst>
+  </p:cSld>
+  <p:clrMapOvr>
+    <a:masterClrMapping/>
+  </p:clrMapOvr>
+</p:sld>
+</file>
+
+<file path=ppt/slides/slide12.xml><?xml version="1.0" encoding="utf-8"?>
+<p:sld xmlns:a="http://schemas.openxmlformats.org/drawingml/2006/main" xmlns:r="http://schemas.openxmlformats.org/officeDocument/2006/relationships" xmlns:p="http://schemas.openxmlformats.org/presentationml/2006/main">
+  <p:cSld>
+    <p:spTree>
+      <p:nvGrpSpPr>
+        <p:cNvPr id="1" name=""/>
+        <p:cNvGrpSpPr/>
+        <p:nvPr/>
+      </p:nvGrpSpPr>
+      <p:grpSpPr>
+        <a:xfrm>
+          <a:off x="0" y="0"/>
+          <a:ext cx="0" cy="0"/>
+          <a:chOff x="0" y="0"/>
+          <a:chExt cx="0" cy="0"/>
+        </a:xfrm>
+      </p:grpSpPr>
+      <p:sp>
+        <p:nvSpPr>
+          <p:cNvPr id="2" name="Title 1">
+            <a:extLst>
+              <a:ext uri="{FF2B5EF4-FFF2-40B4-BE49-F238E27FC236}">
                 <a16:creationId xmlns:a16="http://schemas.microsoft.com/office/drawing/2014/main" id="{B758140B-DA3C-4E1C-86A8-59DD2BA8B7C7}"/>
               </a:ext>
             </a:extLst>
@@ -4255,7 +4420,7 @@
 </p:sld>
 </file>
 
-<file path=ppt/slides/slide12.xml><?xml version="1.0" encoding="utf-8"?>
+<file path=ppt/slides/slide13.xml><?xml version="1.0" encoding="utf-8"?>
 <p:sld xmlns:a="http://schemas.openxmlformats.org/drawingml/2006/main" xmlns:r="http://schemas.openxmlformats.org/officeDocument/2006/relationships" xmlns:p="http://schemas.openxmlformats.org/presentationml/2006/main">
   <p:cSld>
     <p:spTree>
@@ -4743,10 +4908,10 @@
       </p:grpSpPr>
       <p:sp>
         <p:nvSpPr>
-          <p:cNvPr id="2" name="Title 1">
+          <p:cNvPr id="2" name="Tytuł 1">
             <a:extLst>
               <a:ext uri="{FF2B5EF4-FFF2-40B4-BE49-F238E27FC236}">
-                <a16:creationId xmlns:a16="http://schemas.microsoft.com/office/drawing/2014/main" id="{5385545E-93B3-4401-A97C-0AFE614D2551}"/>
+                <a16:creationId xmlns:a16="http://schemas.microsoft.com/office/drawing/2014/main" id="{AB61AC77-7C0E-B34D-B4AA-9DF07A2EB298}"/>
               </a:ext>
             </a:extLst>
           </p:cNvPr>
@@ -4762,20 +4927,16 @@
           <a:bodyPr/>
           <a:lstStyle/>
           <a:p>
-            <a:r>
-              <a:rPr lang="en-ZW" dirty="0"/>
-              <a:t>Speed of top 10 over the years</a:t>
-            </a:r>
-            <a:endParaRPr lang="en-US" dirty="0"/>
-          </a:p>
-        </p:txBody>
-      </p:sp>
-      <p:sp>
-        <p:nvSpPr>
-          <p:cNvPr id="3" name="Content Placeholder 2">
+            <a:endParaRPr lang="pl-PL"/>
+          </a:p>
+        </p:txBody>
+      </p:sp>
+      <p:sp>
+        <p:nvSpPr>
+          <p:cNvPr id="3" name="Symbol zastępczy zawartości 2">
             <a:extLst>
               <a:ext uri="{FF2B5EF4-FFF2-40B4-BE49-F238E27FC236}">
-                <a16:creationId xmlns:a16="http://schemas.microsoft.com/office/drawing/2014/main" id="{FA41D7D3-6AB0-4AD8-AA68-3A740B3C9E19}"/>
+                <a16:creationId xmlns:a16="http://schemas.microsoft.com/office/drawing/2014/main" id="{0DB222B3-2E1B-6D4E-ACFA-5B12A0C41B69}"/>
               </a:ext>
             </a:extLst>
           </p:cNvPr>
@@ -4791,14 +4952,50 @@
           <a:bodyPr/>
           <a:lstStyle/>
           <a:p>
-            <a:endParaRPr lang="en-US"/>
-          </a:p>
-        </p:txBody>
-      </p:sp>
+            <a:endParaRPr lang="pl-PL"/>
+          </a:p>
+        </p:txBody>
+      </p:sp>
+      <p:pic>
+        <p:nvPicPr>
+          <p:cNvPr id="5" name="Obraz 4">
+            <a:extLst>
+              <a:ext uri="{FF2B5EF4-FFF2-40B4-BE49-F238E27FC236}">
+                <a16:creationId xmlns:a16="http://schemas.microsoft.com/office/drawing/2014/main" id="{1053154A-A539-0649-A7E4-7EB29A7DD327}"/>
+              </a:ext>
+            </a:extLst>
+          </p:cNvPr>
+          <p:cNvPicPr>
+            <a:picLocks noChangeAspect="1"/>
+          </p:cNvPicPr>
+          <p:nvPr/>
+        </p:nvPicPr>
+        <p:blipFill>
+          <a:blip r:embed="rId3">
+            <a:extLst>
+              <a:ext uri="{28A0092B-C50C-407E-A947-70E740481C1C}">
+                <a14:useLocalDpi xmlns:a14="http://schemas.microsoft.com/office/drawing/2010/main" val="0"/>
+              </a:ext>
+            </a:extLst>
+          </a:blip>
+          <a:stretch>
+            <a:fillRect/>
+          </a:stretch>
+        </p:blipFill>
+        <p:spPr>
+          <a:xfrm>
+            <a:off x="687092" y="148845"/>
+            <a:ext cx="10817816" cy="6560309"/>
+          </a:xfrm>
+          <a:prstGeom prst="rect">
+            <a:avLst/>
+          </a:prstGeom>
+        </p:spPr>
+      </p:pic>
     </p:spTree>
     <p:extLst>
       <p:ext uri="{BB962C8B-B14F-4D97-AF65-F5344CB8AC3E}">
-        <p14:creationId xmlns:p14="http://schemas.microsoft.com/office/powerpoint/2010/main" val="1763201549"/>
+        <p14:creationId xmlns:p14="http://schemas.microsoft.com/office/powerpoint/2010/main" val="1507814769"/>
       </p:ext>
     </p:extLst>
   </p:cSld>
@@ -4827,10 +5024,10 @@
       </p:grpSpPr>
       <p:sp>
         <p:nvSpPr>
-          <p:cNvPr id="2" name="Tytuł 1">
+          <p:cNvPr id="2" name="Title 1">
             <a:extLst>
               <a:ext uri="{FF2B5EF4-FFF2-40B4-BE49-F238E27FC236}">
-                <a16:creationId xmlns:a16="http://schemas.microsoft.com/office/drawing/2014/main" id="{E39ADD3F-8B20-4D46-890F-ABDA09A98334}"/>
+                <a16:creationId xmlns:a16="http://schemas.microsoft.com/office/drawing/2014/main" id="{5385545E-93B3-4401-A97C-0AFE614D2551}"/>
               </a:ext>
             </a:extLst>
           </p:cNvPr>
@@ -4843,34 +5040,23 @@
         </p:nvSpPr>
         <p:spPr/>
         <p:txBody>
-          <a:bodyPr>
-            <a:normAutofit fontScale="90000"/>
-          </a:bodyPr>
-          <a:lstStyle/>
-          <a:p>
-            <a:r>
-              <a:rPr lang="en-US" b="0" i="0" dirty="0">
-                <a:solidFill>
-                  <a:srgbClr val="222222"/>
-                </a:solidFill>
-                <a:effectLst/>
-                <a:latin typeface="Arial" panose="020B0604020202020204" pitchFamily="34" charset="0"/>
-              </a:rPr>
-              <a:t>Difference in the cars decrease over the years?</a:t>
-            </a:r>
-            <a:br>
-              <a:rPr lang="en-US" dirty="0"/>
-            </a:br>
-            <a:endParaRPr lang="pl-PL" dirty="0"/>
-          </a:p>
-        </p:txBody>
-      </p:sp>
-      <p:sp>
-        <p:nvSpPr>
-          <p:cNvPr id="3" name="Symbol zastępczy zawartości 2">
+          <a:bodyPr/>
+          <a:lstStyle/>
+          <a:p>
+            <a:r>
+              <a:rPr lang="en-ZW" dirty="0"/>
+              <a:t>Speed of top 10 over the years</a:t>
+            </a:r>
+            <a:endParaRPr lang="en-US" dirty="0"/>
+          </a:p>
+        </p:txBody>
+      </p:sp>
+      <p:sp>
+        <p:nvSpPr>
+          <p:cNvPr id="3" name="Content Placeholder 2">
             <a:extLst>
               <a:ext uri="{FF2B5EF4-FFF2-40B4-BE49-F238E27FC236}">
-                <a16:creationId xmlns:a16="http://schemas.microsoft.com/office/drawing/2014/main" id="{4803CACD-3C69-DB4D-9CEB-DD715DEBBD68}"/>
+                <a16:creationId xmlns:a16="http://schemas.microsoft.com/office/drawing/2014/main" id="{FA41D7D3-6AB0-4AD8-AA68-3A740B3C9E19}"/>
               </a:ext>
             </a:extLst>
           </p:cNvPr>
@@ -4886,14 +5072,14 @@
           <a:bodyPr/>
           <a:lstStyle/>
           <a:p>
-            <a:endParaRPr lang="pl-PL"/>
+            <a:endParaRPr lang="en-US"/>
           </a:p>
         </p:txBody>
       </p:sp>
     </p:spTree>
     <p:extLst>
       <p:ext uri="{BB962C8B-B14F-4D97-AF65-F5344CB8AC3E}">
-        <p14:creationId xmlns:p14="http://schemas.microsoft.com/office/powerpoint/2010/main" val="2834576460"/>
+        <p14:creationId xmlns:p14="http://schemas.microsoft.com/office/powerpoint/2010/main" val="1763201549"/>
       </p:ext>
     </p:extLst>
   </p:cSld>
@@ -4938,9 +5124,21 @@
         </p:nvSpPr>
         <p:spPr/>
         <p:txBody>
-          <a:bodyPr/>
-          <a:lstStyle/>
-          <a:p>
+          <a:bodyPr>
+            <a:normAutofit fontScale="90000"/>
+          </a:bodyPr>
+          <a:lstStyle/>
+          <a:p>
+            <a:r>
+              <a:rPr lang="en-US" b="0" i="0" dirty="0">
+                <a:solidFill>
+                  <a:srgbClr val="222222"/>
+                </a:solidFill>
+                <a:effectLst/>
+                <a:latin typeface="Arial" panose="020B0604020202020204" pitchFamily="34" charset="0"/>
+              </a:rPr>
+              <a:t>Difference in the cars decrease over the years?</a:t>
+            </a:r>
             <a:br>
               <a:rPr lang="en-US" dirty="0"/>
             </a:br>
@@ -4976,7 +5174,7 @@
     </p:spTree>
     <p:extLst>
       <p:ext uri="{BB962C8B-B14F-4D97-AF65-F5344CB8AC3E}">
-        <p14:creationId xmlns:p14="http://schemas.microsoft.com/office/powerpoint/2010/main" val="4076154281"/>
+        <p14:creationId xmlns:p14="http://schemas.microsoft.com/office/powerpoint/2010/main" val="2834576460"/>
       </p:ext>
     </p:extLst>
   </p:cSld>
@@ -5005,10 +5203,10 @@
       </p:grpSpPr>
       <p:sp>
         <p:nvSpPr>
-          <p:cNvPr id="2" name="Title 1">
+          <p:cNvPr id="2" name="Tytuł 1">
             <a:extLst>
               <a:ext uri="{FF2B5EF4-FFF2-40B4-BE49-F238E27FC236}">
-                <a16:creationId xmlns:a16="http://schemas.microsoft.com/office/drawing/2014/main" id="{8F694C84-9122-407A-9335-7FF043C3E2A2}"/>
+                <a16:creationId xmlns:a16="http://schemas.microsoft.com/office/drawing/2014/main" id="{E39ADD3F-8B20-4D46-890F-ABDA09A98334}"/>
               </a:ext>
             </a:extLst>
           </p:cNvPr>
@@ -5024,16 +5222,19 @@
           <a:bodyPr/>
           <a:lstStyle/>
           <a:p>
-            <a:endParaRPr lang="en-US"/>
-          </a:p>
-        </p:txBody>
-      </p:sp>
-      <p:sp>
-        <p:nvSpPr>
-          <p:cNvPr id="3" name="Content Placeholder 2">
+            <a:br>
+              <a:rPr lang="en-US" dirty="0"/>
+            </a:br>
+            <a:endParaRPr lang="pl-PL" dirty="0"/>
+          </a:p>
+        </p:txBody>
+      </p:sp>
+      <p:sp>
+        <p:nvSpPr>
+          <p:cNvPr id="3" name="Symbol zastępczy zawartości 2">
             <a:extLst>
               <a:ext uri="{FF2B5EF4-FFF2-40B4-BE49-F238E27FC236}">
-                <a16:creationId xmlns:a16="http://schemas.microsoft.com/office/drawing/2014/main" id="{3367C7C9-20B6-4F7A-BF6E-D7967B105B94}"/>
+                <a16:creationId xmlns:a16="http://schemas.microsoft.com/office/drawing/2014/main" id="{4803CACD-3C69-DB4D-9CEB-DD715DEBBD68}"/>
               </a:ext>
             </a:extLst>
           </p:cNvPr>
@@ -5049,14 +5250,14 @@
           <a:bodyPr/>
           <a:lstStyle/>
           <a:p>
-            <a:endParaRPr lang="en-US"/>
+            <a:endParaRPr lang="pl-PL"/>
           </a:p>
         </p:txBody>
       </p:sp>
     </p:spTree>
     <p:extLst>
       <p:ext uri="{BB962C8B-B14F-4D97-AF65-F5344CB8AC3E}">
-        <p14:creationId xmlns:p14="http://schemas.microsoft.com/office/powerpoint/2010/main" val="4132244438"/>
+        <p14:creationId xmlns:p14="http://schemas.microsoft.com/office/powerpoint/2010/main" val="4076154281"/>
       </p:ext>
     </p:extLst>
   </p:cSld>

--- a/Presentation/F1_Presentation_Moyo_Majak.pptx
+++ b/Presentation/F1_Presentation_Moyo_Majak.pptx
@@ -209,7 +209,7 @@
           <a:p>
             <a:fld id="{B3CDF40C-5A9A-4B37-9F4E-A337933060DF}" type="datetimeFigureOut">
               <a:rPr lang="en-US" smtClean="0"/>
-              <a:t>1/20/21</a:t>
+              <a:t>1/21/21</a:t>
             </a:fld>
             <a:endParaRPr lang="en-US"/>
           </a:p>
@@ -1398,7 +1398,19 @@
           <a:p>
             <a:r>
               <a:rPr lang="en-ZW" dirty="0"/>
-              <a:t>This plot shows a </a:t>
+              <a:t>This plot shows a percent of points gained during the race (in comparison to qualify) as number of gained points divided by number of total possible points to gain from 1st to 10</a:t>
+            </a:r>
+            <a:r>
+              <a:rPr lang="en-ZW" baseline="30000" dirty="0"/>
+              <a:t>th</a:t>
+            </a:r>
+            <a:r>
+              <a:rPr lang="en-ZW" dirty="0"/>
+              <a:t> position, which is 101 points. In fact, the point system has been changed over years, but we use the current system to be able to compare every single year from </a:t>
+            </a:r>
+            <a:r>
+              <a:rPr lang="en-ZW"/>
+              <a:t>the history.</a:t>
             </a:r>
             <a:endParaRPr lang="en-US" dirty="0"/>
           </a:p>
@@ -1595,7 +1607,7 @@
           <a:p>
             <a:fld id="{276D79ED-3FA7-4EF8-964B-EB8BCFAB02F8}" type="datetimeFigureOut">
               <a:rPr lang="en-US" smtClean="0"/>
-              <a:t>1/20/21</a:t>
+              <a:t>1/21/21</a:t>
             </a:fld>
             <a:endParaRPr lang="en-US"/>
           </a:p>
@@ -1765,7 +1777,7 @@
           <a:p>
             <a:fld id="{276D79ED-3FA7-4EF8-964B-EB8BCFAB02F8}" type="datetimeFigureOut">
               <a:rPr lang="en-US" smtClean="0"/>
-              <a:t>1/20/21</a:t>
+              <a:t>1/21/21</a:t>
             </a:fld>
             <a:endParaRPr lang="en-US"/>
           </a:p>
@@ -2011,7 +2023,7 @@
           <a:p>
             <a:fld id="{276D79ED-3FA7-4EF8-964B-EB8BCFAB02F8}" type="datetimeFigureOut">
               <a:rPr lang="en-US" smtClean="0"/>
-              <a:t>1/20/21</a:t>
+              <a:t>1/21/21</a:t>
             </a:fld>
             <a:endParaRPr lang="en-US"/>
           </a:p>
@@ -2243,7 +2255,7 @@
           <a:p>
             <a:fld id="{276D79ED-3FA7-4EF8-964B-EB8BCFAB02F8}" type="datetimeFigureOut">
               <a:rPr lang="en-US" smtClean="0"/>
-              <a:t>1/20/21</a:t>
+              <a:t>1/21/21</a:t>
             </a:fld>
             <a:endParaRPr lang="en-US"/>
           </a:p>
@@ -2610,7 +2622,7 @@
           <a:p>
             <a:fld id="{276D79ED-3FA7-4EF8-964B-EB8BCFAB02F8}" type="datetimeFigureOut">
               <a:rPr lang="en-US" smtClean="0"/>
-              <a:t>1/20/21</a:t>
+              <a:t>1/21/21</a:t>
             </a:fld>
             <a:endParaRPr lang="en-US"/>
           </a:p>
@@ -2728,7 +2740,7 @@
           <a:p>
             <a:fld id="{276D79ED-3FA7-4EF8-964B-EB8BCFAB02F8}" type="datetimeFigureOut">
               <a:rPr lang="en-US" smtClean="0"/>
-              <a:t>1/20/21</a:t>
+              <a:t>1/21/21</a:t>
             </a:fld>
             <a:endParaRPr lang="en-US"/>
           </a:p>
@@ -2823,7 +2835,7 @@
           <a:p>
             <a:fld id="{276D79ED-3FA7-4EF8-964B-EB8BCFAB02F8}" type="datetimeFigureOut">
               <a:rPr lang="en-US" smtClean="0"/>
-              <a:t>1/20/21</a:t>
+              <a:t>1/21/21</a:t>
             </a:fld>
             <a:endParaRPr lang="en-US"/>
           </a:p>
@@ -3100,7 +3112,7 @@
           <a:p>
             <a:fld id="{276D79ED-3FA7-4EF8-964B-EB8BCFAB02F8}" type="datetimeFigureOut">
               <a:rPr lang="en-US" smtClean="0"/>
-              <a:t>1/20/21</a:t>
+              <a:t>1/21/21</a:t>
             </a:fld>
             <a:endParaRPr lang="en-US"/>
           </a:p>
@@ -3357,7 +3369,7 @@
           <a:p>
             <a:fld id="{276D79ED-3FA7-4EF8-964B-EB8BCFAB02F8}" type="datetimeFigureOut">
               <a:rPr lang="en-US" smtClean="0"/>
-              <a:t>1/20/21</a:t>
+              <a:t>1/21/21</a:t>
             </a:fld>
             <a:endParaRPr lang="en-US"/>
           </a:p>
@@ -3578,7 +3590,7 @@
             <a:fld id="{276D79ED-3FA7-4EF8-964B-EB8BCFAB02F8}" type="datetimeFigureOut">
               <a:rPr lang="en-US" smtClean="0"/>
               <a:pPr/>
-              <a:t>1/20/21</a:t>
+              <a:t>1/21/21</a:t>
             </a:fld>
             <a:endParaRPr lang="en-US"/>
           </a:p>
@@ -5229,31 +5241,41 @@
           </a:p>
         </p:txBody>
       </p:sp>
-      <p:sp>
-        <p:nvSpPr>
-          <p:cNvPr id="3" name="Symbol zastępczy zawartości 2">
+      <p:pic>
+        <p:nvPicPr>
+          <p:cNvPr id="13" name="Symbol zastępczy zawartości 12">
             <a:extLst>
               <a:ext uri="{FF2B5EF4-FFF2-40B4-BE49-F238E27FC236}">
-                <a16:creationId xmlns:a16="http://schemas.microsoft.com/office/drawing/2014/main" id="{4803CACD-3C69-DB4D-9CEB-DD715DEBBD68}"/>
+                <a16:creationId xmlns:a16="http://schemas.microsoft.com/office/drawing/2014/main" id="{48D33886-FB38-1C49-9541-8BFDB7BFA42F}"/>
               </a:ext>
             </a:extLst>
           </p:cNvPr>
-          <p:cNvSpPr>
-            <a:spLocks noGrp="1"/>
-          </p:cNvSpPr>
+          <p:cNvPicPr>
+            <a:picLocks noGrp="1" noChangeAspect="1"/>
+          </p:cNvPicPr>
           <p:nvPr>
             <p:ph idx="1"/>
           </p:nvPr>
-        </p:nvSpPr>
-        <p:spPr/>
-        <p:txBody>
-          <a:bodyPr/>
-          <a:lstStyle/>
-          <a:p>
-            <a:endParaRPr lang="pl-PL"/>
-          </a:p>
-        </p:txBody>
-      </p:sp>
+        </p:nvPicPr>
+        <p:blipFill>
+          <a:blip r:embed="rId3">
+            <a:extLst>
+              <a:ext uri="{28A0092B-C50C-407E-A947-70E740481C1C}">
+                <a14:useLocalDpi xmlns:a14="http://schemas.microsoft.com/office/drawing/2010/main" val="0"/>
+              </a:ext>
+            </a:extLst>
+          </a:blip>
+          <a:stretch>
+            <a:fillRect/>
+          </a:stretch>
+        </p:blipFill>
+        <p:spPr>
+          <a:xfrm>
+            <a:off x="55727" y="949973"/>
+            <a:ext cx="12136273" cy="5542902"/>
+          </a:xfrm>
+        </p:spPr>
+      </p:pic>
     </p:spTree>
     <p:extLst>
       <p:ext uri="{BB962C8B-B14F-4D97-AF65-F5344CB8AC3E}">

--- a/Presentation/F1_Presentation_Moyo_Majak.pptx
+++ b/Presentation/F1_Presentation_Moyo_Majak.pptx
@@ -5,7 +5,7 @@
     <p:sldMasterId id="2147483648" r:id="rId1"/>
   </p:sldMasterIdLst>
   <p:notesMasterIdLst>
-    <p:notesMasterId r:id="rId15"/>
+    <p:notesMasterId r:id="rId16"/>
   </p:notesMasterIdLst>
   <p:sldIdLst>
     <p:sldId id="256" r:id="rId2"/>
@@ -13,14 +13,15 @@
     <p:sldId id="258" r:id="rId4"/>
     <p:sldId id="260" r:id="rId5"/>
     <p:sldId id="259" r:id="rId6"/>
-    <p:sldId id="268" r:id="rId7"/>
-    <p:sldId id="264" r:id="rId8"/>
+    <p:sldId id="270" r:id="rId7"/>
+    <p:sldId id="268" r:id="rId8"/>
     <p:sldId id="262" r:id="rId9"/>
-    <p:sldId id="261" r:id="rId10"/>
-    <p:sldId id="265" r:id="rId11"/>
-    <p:sldId id="263" r:id="rId12"/>
-    <p:sldId id="266" r:id="rId13"/>
-    <p:sldId id="267" r:id="rId14"/>
+    <p:sldId id="271" r:id="rId10"/>
+    <p:sldId id="269" r:id="rId11"/>
+    <p:sldId id="265" r:id="rId12"/>
+    <p:sldId id="263" r:id="rId13"/>
+    <p:sldId id="266" r:id="rId14"/>
+    <p:sldId id="267" r:id="rId15"/>
   </p:sldIdLst>
   <p:sldSz cx="12192000" cy="6858000"/>
   <p:notesSz cx="6858000" cy="9144000"/>
@@ -209,7 +210,7 @@
           <a:p>
             <a:fld id="{B3CDF40C-5A9A-4B37-9F4E-A337933060DF}" type="datetimeFigureOut">
               <a:rPr lang="en-US" smtClean="0"/>
-              <a:t>1/21/21</a:t>
+              <a:t>1/21/2021</a:t>
             </a:fld>
             <a:endParaRPr lang="en-US"/>
           </a:p>
@@ -1062,27 +1063,7 @@
                 <a:effectLst/>
                 <a:latin typeface="Segoe UI Historic" panose="020B0502040204020203" pitchFamily="34" charset="0"/>
               </a:rPr>
-              <a:t>accumulated sum of points for top 10 </a:t>
-            </a:r>
-            <a:r>
-              <a:rPr lang="en-US" b="0" i="0" dirty="0" err="1">
-                <a:solidFill>
-                  <a:srgbClr val="050505"/>
-                </a:solidFill>
-                <a:effectLst/>
-                <a:latin typeface="Segoe UI Historic" panose="020B0502040204020203" pitchFamily="34" charset="0"/>
-              </a:rPr>
-              <a:t>constractors</a:t>
-            </a:r>
-            <a:r>
-              <a:rPr lang="en-US" b="0" i="0" dirty="0">
-                <a:solidFill>
-                  <a:srgbClr val="050505"/>
-                </a:solidFill>
-                <a:effectLst/>
-                <a:latin typeface="Segoe UI Historic" panose="020B0502040204020203" pitchFamily="34" charset="0"/>
-              </a:rPr>
-              <a:t> over the years</a:t>
+              <a:t>accumulated sum of points for top 10 contractors over the years</a:t>
             </a:r>
           </a:p>
           <a:p>
@@ -1106,7 +1087,27 @@
                 <a:effectLst/>
                 <a:latin typeface="Segoe UI Historic" panose="020B0502040204020203" pitchFamily="34" charset="0"/>
               </a:rPr>
-              <a:t>The Ferrari has the  highest number of accumulated points</a:t>
+              <a:t>The Ferrari has the  </a:t>
+            </a:r>
+            <a:r>
+              <a:rPr lang="en-US" b="0" i="0" dirty="0" err="1">
+                <a:solidFill>
+                  <a:srgbClr val="050505"/>
+                </a:solidFill>
+                <a:effectLst/>
+                <a:latin typeface="Segoe UI Historic" panose="020B0502040204020203" pitchFamily="34" charset="0"/>
+              </a:rPr>
+              <a:t>highet</a:t>
+            </a:r>
+            <a:r>
+              <a:rPr lang="en-US" b="0" i="0" dirty="0">
+                <a:solidFill>
+                  <a:srgbClr val="050505"/>
+                </a:solidFill>
+                <a:effectLst/>
+                <a:latin typeface="Segoe UI Historic" panose="020B0502040204020203" pitchFamily="34" charset="0"/>
+              </a:rPr>
+              <a:t> number of accumulated points</a:t>
             </a:r>
           </a:p>
           <a:p>
@@ -1169,7 +1170,7 @@
       </p:grpSpPr>
       <p:sp>
         <p:nvSpPr>
-          <p:cNvPr id="2" name="Symbol zastępczy obrazu slajdu 1"/>
+          <p:cNvPr id="2" name="Slide Image Placeholder 1"/>
           <p:cNvSpPr>
             <a:spLocks noGrp="1" noRot="1" noChangeAspect="1"/>
           </p:cNvSpPr>
@@ -1181,7 +1182,7 @@
       </p:sp>
       <p:sp>
         <p:nvSpPr>
-          <p:cNvPr id="3" name="Symbol zastępczy notatek 2"/>
+          <p:cNvPr id="3" name="Notes Placeholder 2"/>
           <p:cNvSpPr>
             <a:spLocks noGrp="1"/>
           </p:cNvSpPr>
@@ -1194,13 +1195,17 @@
           <a:bodyPr/>
           <a:lstStyle/>
           <a:p>
-            <a:endParaRPr lang="pl-PL"/>
-          </a:p>
-        </p:txBody>
-      </p:sp>
-      <p:sp>
-        <p:nvSpPr>
-          <p:cNvPr id="4" name="Symbol zastępczy numeru slajdu 3"/>
+            <a:r>
+              <a:rPr lang="en-ZW" dirty="0"/>
+              <a:t>The graph shows a total of </a:t>
+            </a:r>
+            <a:endParaRPr lang="en-US" dirty="0"/>
+          </a:p>
+        </p:txBody>
+      </p:sp>
+      <p:sp>
+        <p:nvSpPr>
+          <p:cNvPr id="4" name="Slide Number Placeholder 3"/>
           <p:cNvSpPr>
             <a:spLocks noGrp="1"/>
           </p:cNvSpPr>
@@ -1215,7 +1220,7 @@
           <a:p>
             <a:fld id="{8B16C77F-3968-400F-9FFF-E15A5979D213}" type="slidenum">
               <a:rPr lang="en-US" smtClean="0"/>
-              <a:t>6</a:t>
+              <a:t>7</a:t>
             </a:fld>
             <a:endParaRPr lang="en-US"/>
           </a:p>
@@ -1224,7 +1229,7 @@
     </p:spTree>
     <p:extLst>
       <p:ext uri="{BB962C8B-B14F-4D97-AF65-F5344CB8AC3E}">
-        <p14:creationId xmlns:p14="http://schemas.microsoft.com/office/powerpoint/2010/main" val="4221663633"/>
+        <p14:creationId xmlns:p14="http://schemas.microsoft.com/office/powerpoint/2010/main" val="4063712177"/>
       </p:ext>
     </p:extLst>
   </p:cSld>
@@ -1385,34 +1390,21 @@
           <a:lstStyle/>
           <a:p>
             <a:r>
-              <a:rPr lang="en-US" b="0" i="0" dirty="0">
-                <a:solidFill>
-                  <a:srgbClr val="222222"/>
-                </a:solidFill>
-                <a:effectLst/>
-                <a:latin typeface="Arial" panose="020B0604020202020204" pitchFamily="34" charset="0"/>
-              </a:rPr>
-              <a:t>Is F1 currently being won in qualifying?</a:t>
-            </a:r>
-          </a:p>
-          <a:p>
-            <a:r>
               <a:rPr lang="en-ZW" dirty="0"/>
-              <a:t>This plot shows a percent of points gained during the race (in comparison to qualify) as number of gained points divided by number of total possible points to gain from 1st to 10</a:t>
-            </a:r>
-            <a:r>
-              <a:rPr lang="en-ZW" baseline="30000" dirty="0"/>
-              <a:t>th</a:t>
-            </a:r>
+              <a:t>This  scatter plot shows the years with races with the highest racing times</a:t>
+            </a:r>
+          </a:p>
+          <a:p>
             <a:r>
               <a:rPr lang="en-ZW" dirty="0"/>
-              <a:t> position, which is 101 points. In fact, the point system has been changed over years, but we use the current system to be able to compare every single year from </a:t>
-            </a:r>
-            <a:r>
-              <a:rPr lang="en-ZW"/>
-              <a:t>the history.</a:t>
-            </a:r>
-            <a:endParaRPr lang="en-US" dirty="0"/>
+              <a:t>It is important to analyse the pattern of the longest racing times in order to make logical sense as to why this has occurred.</a:t>
+            </a:r>
+          </a:p>
+          <a:p>
+            <a:r>
+              <a:rPr lang="en-ZW" dirty="0"/>
+              <a:t>This knowledge will help the teams and individual drivers to work on their time in order to remain competitive and relevant</a:t>
+            </a:r>
           </a:p>
         </p:txBody>
       </p:sp>
@@ -1433,7 +1425,7 @@
           <a:p>
             <a:fld id="{8B16C77F-3968-400F-9FFF-E15A5979D213}" type="slidenum">
               <a:rPr lang="en-US" smtClean="0"/>
-              <a:t>9</a:t>
+              <a:t>10</a:t>
             </a:fld>
             <a:endParaRPr lang="en-US"/>
           </a:p>
@@ -1442,7 +1434,7 @@
     </p:spTree>
     <p:extLst>
       <p:ext uri="{BB962C8B-B14F-4D97-AF65-F5344CB8AC3E}">
-        <p14:creationId xmlns:p14="http://schemas.microsoft.com/office/powerpoint/2010/main" val="1733821744"/>
+        <p14:creationId xmlns:p14="http://schemas.microsoft.com/office/powerpoint/2010/main" val="2723049550"/>
       </p:ext>
     </p:extLst>
   </p:cSld>
@@ -1607,7 +1599,7 @@
           <a:p>
             <a:fld id="{276D79ED-3FA7-4EF8-964B-EB8BCFAB02F8}" type="datetimeFigureOut">
               <a:rPr lang="en-US" smtClean="0"/>
-              <a:t>1/21/21</a:t>
+              <a:t>1/21/2021</a:t>
             </a:fld>
             <a:endParaRPr lang="en-US"/>
           </a:p>
@@ -1777,7 +1769,7 @@
           <a:p>
             <a:fld id="{276D79ED-3FA7-4EF8-964B-EB8BCFAB02F8}" type="datetimeFigureOut">
               <a:rPr lang="en-US" smtClean="0"/>
-              <a:t>1/21/21</a:t>
+              <a:t>1/21/2021</a:t>
             </a:fld>
             <a:endParaRPr lang="en-US"/>
           </a:p>
@@ -2023,7 +2015,7 @@
           <a:p>
             <a:fld id="{276D79ED-3FA7-4EF8-964B-EB8BCFAB02F8}" type="datetimeFigureOut">
               <a:rPr lang="en-US" smtClean="0"/>
-              <a:t>1/21/21</a:t>
+              <a:t>1/21/2021</a:t>
             </a:fld>
             <a:endParaRPr lang="en-US"/>
           </a:p>
@@ -2255,7 +2247,7 @@
           <a:p>
             <a:fld id="{276D79ED-3FA7-4EF8-964B-EB8BCFAB02F8}" type="datetimeFigureOut">
               <a:rPr lang="en-US" smtClean="0"/>
-              <a:t>1/21/21</a:t>
+              <a:t>1/21/2021</a:t>
             </a:fld>
             <a:endParaRPr lang="en-US"/>
           </a:p>
@@ -2622,7 +2614,7 @@
           <a:p>
             <a:fld id="{276D79ED-3FA7-4EF8-964B-EB8BCFAB02F8}" type="datetimeFigureOut">
               <a:rPr lang="en-US" smtClean="0"/>
-              <a:t>1/21/21</a:t>
+              <a:t>1/21/2021</a:t>
             </a:fld>
             <a:endParaRPr lang="en-US"/>
           </a:p>
@@ -2740,7 +2732,7 @@
           <a:p>
             <a:fld id="{276D79ED-3FA7-4EF8-964B-EB8BCFAB02F8}" type="datetimeFigureOut">
               <a:rPr lang="en-US" smtClean="0"/>
-              <a:t>1/21/21</a:t>
+              <a:t>1/21/2021</a:t>
             </a:fld>
             <a:endParaRPr lang="en-US"/>
           </a:p>
@@ -2835,7 +2827,7 @@
           <a:p>
             <a:fld id="{276D79ED-3FA7-4EF8-964B-EB8BCFAB02F8}" type="datetimeFigureOut">
               <a:rPr lang="en-US" smtClean="0"/>
-              <a:t>1/21/21</a:t>
+              <a:t>1/21/2021</a:t>
             </a:fld>
             <a:endParaRPr lang="en-US"/>
           </a:p>
@@ -3112,7 +3104,7 @@
           <a:p>
             <a:fld id="{276D79ED-3FA7-4EF8-964B-EB8BCFAB02F8}" type="datetimeFigureOut">
               <a:rPr lang="en-US" smtClean="0"/>
-              <a:t>1/21/21</a:t>
+              <a:t>1/21/2021</a:t>
             </a:fld>
             <a:endParaRPr lang="en-US"/>
           </a:p>
@@ -3369,7 +3361,7 @@
           <a:p>
             <a:fld id="{276D79ED-3FA7-4EF8-964B-EB8BCFAB02F8}" type="datetimeFigureOut">
               <a:rPr lang="en-US" smtClean="0"/>
-              <a:t>1/21/21</a:t>
+              <a:t>1/21/2021</a:t>
             </a:fld>
             <a:endParaRPr lang="en-US"/>
           </a:p>
@@ -3590,7 +3582,7 @@
             <a:fld id="{276D79ED-3FA7-4EF8-964B-EB8BCFAB02F8}" type="datetimeFigureOut">
               <a:rPr lang="en-US" smtClean="0"/>
               <a:pPr/>
-              <a:t>1/21/21</a:t>
+              <a:t>1/21/2021</a:t>
             </a:fld>
             <a:endParaRPr lang="en-US"/>
           </a:p>
@@ -4204,7 +4196,7 @@
           <p:cNvPr id="2" name="Title 1">
             <a:extLst>
               <a:ext uri="{FF2B5EF4-FFF2-40B4-BE49-F238E27FC236}">
-                <a16:creationId xmlns:a16="http://schemas.microsoft.com/office/drawing/2014/main" id="{8F694C84-9122-407A-9335-7FF043C3E2A2}"/>
+                <a16:creationId xmlns:a16="http://schemas.microsoft.com/office/drawing/2014/main" id="{A9F2974F-E207-4532-A01A-F88DBBF1E928}"/>
               </a:ext>
             </a:extLst>
           </p:cNvPr>
@@ -4215,44 +4207,63 @@
             <p:ph type="title"/>
           </p:nvPr>
         </p:nvSpPr>
-        <p:spPr/>
-        <p:txBody>
-          <a:bodyPr/>
-          <a:lstStyle/>
-          <a:p>
-            <a:endParaRPr lang="en-US"/>
-          </a:p>
-        </p:txBody>
-      </p:sp>
-      <p:sp>
-        <p:nvSpPr>
-          <p:cNvPr id="3" name="Content Placeholder 2">
+        <p:spPr>
+          <a:xfrm>
+            <a:off x="669515" y="0"/>
+            <a:ext cx="10515600" cy="1325563"/>
+          </a:xfrm>
+        </p:spPr>
+        <p:txBody>
+          <a:bodyPr/>
+          <a:lstStyle/>
+          <a:p>
+            <a:r>
+              <a:rPr lang="en-ZW" dirty="0"/>
+              <a:t>Longest Races Scatter Plot </a:t>
+            </a:r>
+            <a:endParaRPr lang="en-US" dirty="0"/>
+          </a:p>
+        </p:txBody>
+      </p:sp>
+      <p:pic>
+        <p:nvPicPr>
+          <p:cNvPr id="5" name="Content Placeholder 4" descr="Chart, scatter chart&#10;&#10;Description automatically generated">
             <a:extLst>
               <a:ext uri="{FF2B5EF4-FFF2-40B4-BE49-F238E27FC236}">
-                <a16:creationId xmlns:a16="http://schemas.microsoft.com/office/drawing/2014/main" id="{3367C7C9-20B6-4F7A-BF6E-D7967B105B94}"/>
+                <a16:creationId xmlns:a16="http://schemas.microsoft.com/office/drawing/2014/main" id="{19DA4681-0670-4999-93B4-FDBF156FB775}"/>
               </a:ext>
             </a:extLst>
           </p:cNvPr>
-          <p:cNvSpPr>
-            <a:spLocks noGrp="1"/>
-          </p:cNvSpPr>
+          <p:cNvPicPr>
+            <a:picLocks noGrp="1" noChangeAspect="1"/>
+          </p:cNvPicPr>
           <p:nvPr>
             <p:ph idx="1"/>
           </p:nvPr>
-        </p:nvSpPr>
-        <p:spPr/>
-        <p:txBody>
-          <a:bodyPr/>
-          <a:lstStyle/>
-          <a:p>
-            <a:endParaRPr lang="en-US"/>
-          </a:p>
-        </p:txBody>
-      </p:sp>
+        </p:nvPicPr>
+        <p:blipFill>
+          <a:blip r:embed="rId3">
+            <a:extLst>
+              <a:ext uri="{28A0092B-C50C-407E-A947-70E740481C1C}">
+                <a14:useLocalDpi xmlns:a14="http://schemas.microsoft.com/office/drawing/2010/main" val="0"/>
+              </a:ext>
+            </a:extLst>
+          </a:blip>
+          <a:stretch>
+            <a:fillRect/>
+          </a:stretch>
+        </p:blipFill>
+        <p:spPr>
+          <a:xfrm>
+            <a:off x="2552460" y="1123406"/>
+            <a:ext cx="6900095" cy="5734593"/>
+          </a:xfrm>
+        </p:spPr>
+      </p:pic>
     </p:spTree>
     <p:extLst>
       <p:ext uri="{BB962C8B-B14F-4D97-AF65-F5344CB8AC3E}">
-        <p14:creationId xmlns:p14="http://schemas.microsoft.com/office/powerpoint/2010/main" val="4132244438"/>
+        <p14:creationId xmlns:p14="http://schemas.microsoft.com/office/powerpoint/2010/main" val="608783067"/>
       </p:ext>
     </p:extLst>
   </p:cSld>
@@ -4284,7 +4295,7 @@
           <p:cNvPr id="2" name="Title 1">
             <a:extLst>
               <a:ext uri="{FF2B5EF4-FFF2-40B4-BE49-F238E27FC236}">
-                <a16:creationId xmlns:a16="http://schemas.microsoft.com/office/drawing/2014/main" id="{EEDF7E60-BEFF-4D9E-97E4-1C50543309DE}"/>
+                <a16:creationId xmlns:a16="http://schemas.microsoft.com/office/drawing/2014/main" id="{8F694C84-9122-407A-9335-7FF043C3E2A2}"/>
               </a:ext>
             </a:extLst>
           </p:cNvPr>
@@ -4300,17 +4311,7 @@
           <a:bodyPr/>
           <a:lstStyle/>
           <a:p>
-            <a:r>
-              <a:rPr lang="en-US" b="0" i="0" dirty="0">
-                <a:solidFill>
-                  <a:srgbClr val="222222"/>
-                </a:solidFill>
-                <a:effectLst/>
-                <a:latin typeface="Arial" panose="020B0604020202020204" pitchFamily="34" charset="0"/>
-              </a:rPr>
-              <a:t>Which F1 circuits provide a more even fight?</a:t>
-            </a:r>
-            <a:endParaRPr lang="en-US" dirty="0"/>
+            <a:endParaRPr lang="en-US"/>
           </a:p>
         </p:txBody>
       </p:sp>
@@ -4319,7 +4320,7 @@
           <p:cNvPr id="3" name="Content Placeholder 2">
             <a:extLst>
               <a:ext uri="{FF2B5EF4-FFF2-40B4-BE49-F238E27FC236}">
-                <a16:creationId xmlns:a16="http://schemas.microsoft.com/office/drawing/2014/main" id="{8938693A-BE4E-41A4-8570-AADF18D1A1A5}"/>
+                <a16:creationId xmlns:a16="http://schemas.microsoft.com/office/drawing/2014/main" id="{3367C7C9-20B6-4F7A-BF6E-D7967B105B94}"/>
               </a:ext>
             </a:extLst>
           </p:cNvPr>
@@ -4342,7 +4343,7 @@
     </p:spTree>
     <p:extLst>
       <p:ext uri="{BB962C8B-B14F-4D97-AF65-F5344CB8AC3E}">
-        <p14:creationId xmlns:p14="http://schemas.microsoft.com/office/powerpoint/2010/main" val="441530103"/>
+        <p14:creationId xmlns:p14="http://schemas.microsoft.com/office/powerpoint/2010/main" val="4132244438"/>
       </p:ext>
     </p:extLst>
   </p:cSld>
@@ -4374,6 +4375,96 @@
           <p:cNvPr id="2" name="Title 1">
             <a:extLst>
               <a:ext uri="{FF2B5EF4-FFF2-40B4-BE49-F238E27FC236}">
+                <a16:creationId xmlns:a16="http://schemas.microsoft.com/office/drawing/2014/main" id="{EEDF7E60-BEFF-4D9E-97E4-1C50543309DE}"/>
+              </a:ext>
+            </a:extLst>
+          </p:cNvPr>
+          <p:cNvSpPr>
+            <a:spLocks noGrp="1"/>
+          </p:cNvSpPr>
+          <p:nvPr>
+            <p:ph type="title"/>
+          </p:nvPr>
+        </p:nvSpPr>
+        <p:spPr/>
+        <p:txBody>
+          <a:bodyPr/>
+          <a:lstStyle/>
+          <a:p>
+            <a:r>
+              <a:rPr lang="en-US" b="0" i="0" dirty="0">
+                <a:solidFill>
+                  <a:srgbClr val="222222"/>
+                </a:solidFill>
+                <a:effectLst/>
+                <a:latin typeface="Arial" panose="020B0604020202020204" pitchFamily="34" charset="0"/>
+              </a:rPr>
+              <a:t>Which F1 circuits provide a more even fight?</a:t>
+            </a:r>
+            <a:endParaRPr lang="en-US" dirty="0"/>
+          </a:p>
+        </p:txBody>
+      </p:sp>
+      <p:sp>
+        <p:nvSpPr>
+          <p:cNvPr id="3" name="Content Placeholder 2">
+            <a:extLst>
+              <a:ext uri="{FF2B5EF4-FFF2-40B4-BE49-F238E27FC236}">
+                <a16:creationId xmlns:a16="http://schemas.microsoft.com/office/drawing/2014/main" id="{8938693A-BE4E-41A4-8570-AADF18D1A1A5}"/>
+              </a:ext>
+            </a:extLst>
+          </p:cNvPr>
+          <p:cNvSpPr>
+            <a:spLocks noGrp="1"/>
+          </p:cNvSpPr>
+          <p:nvPr>
+            <p:ph idx="1"/>
+          </p:nvPr>
+        </p:nvSpPr>
+        <p:spPr/>
+        <p:txBody>
+          <a:bodyPr/>
+          <a:lstStyle/>
+          <a:p>
+            <a:endParaRPr lang="en-US"/>
+          </a:p>
+        </p:txBody>
+      </p:sp>
+    </p:spTree>
+    <p:extLst>
+      <p:ext uri="{BB962C8B-B14F-4D97-AF65-F5344CB8AC3E}">
+        <p14:creationId xmlns:p14="http://schemas.microsoft.com/office/powerpoint/2010/main" val="441530103"/>
+      </p:ext>
+    </p:extLst>
+  </p:cSld>
+  <p:clrMapOvr>
+    <a:masterClrMapping/>
+  </p:clrMapOvr>
+</p:sld>
+</file>
+
+<file path=ppt/slides/slide13.xml><?xml version="1.0" encoding="utf-8"?>
+<p:sld xmlns:a="http://schemas.openxmlformats.org/drawingml/2006/main" xmlns:r="http://schemas.openxmlformats.org/officeDocument/2006/relationships" xmlns:p="http://schemas.openxmlformats.org/presentationml/2006/main">
+  <p:cSld>
+    <p:spTree>
+      <p:nvGrpSpPr>
+        <p:cNvPr id="1" name=""/>
+        <p:cNvGrpSpPr/>
+        <p:nvPr/>
+      </p:nvGrpSpPr>
+      <p:grpSpPr>
+        <a:xfrm>
+          <a:off x="0" y="0"/>
+          <a:ext cx="0" cy="0"/>
+          <a:chOff x="0" y="0"/>
+          <a:chExt cx="0" cy="0"/>
+        </a:xfrm>
+      </p:grpSpPr>
+      <p:sp>
+        <p:nvSpPr>
+          <p:cNvPr id="2" name="Title 1">
+            <a:extLst>
+              <a:ext uri="{FF2B5EF4-FFF2-40B4-BE49-F238E27FC236}">
                 <a16:creationId xmlns:a16="http://schemas.microsoft.com/office/drawing/2014/main" id="{B758140B-DA3C-4E1C-86A8-59DD2BA8B7C7}"/>
               </a:ext>
             </a:extLst>
@@ -4432,7 +4523,7 @@
 </p:sld>
 </file>
 
-<file path=ppt/slides/slide13.xml><?xml version="1.0" encoding="utf-8"?>
+<file path=ppt/slides/slide14.xml><?xml version="1.0" encoding="utf-8"?>
 <p:sld xmlns:a="http://schemas.openxmlformats.org/drawingml/2006/main" xmlns:r="http://schemas.openxmlformats.org/officeDocument/2006/relationships" xmlns:p="http://schemas.openxmlformats.org/presentationml/2006/main">
   <p:cSld>
     <p:spTree>
@@ -4686,6 +4777,28 @@
           <a:bodyPr/>
           <a:lstStyle/>
           <a:p>
+            <a:r>
+              <a:rPr lang="en-ZW" dirty="0"/>
+              <a:t>Data set from Kaggle</a:t>
+            </a:r>
+          </a:p>
+          <a:p>
+            <a:r>
+              <a:rPr lang="en-ZW" dirty="0"/>
+              <a:t>F1 race season statistics from 1950 to 2020</a:t>
+            </a:r>
+          </a:p>
+          <a:p>
+            <a:r>
+              <a:rPr lang="en-ZW" dirty="0"/>
+              <a:t>Problem statement : Challenge in comparing complex F1 data</a:t>
+            </a:r>
+          </a:p>
+          <a:p>
+            <a:r>
+              <a:rPr lang="en-ZW" dirty="0"/>
+              <a:t>Aim of the project: Use R visualisation plots to analyse F1 data</a:t>
+            </a:r>
             <a:endParaRPr lang="pl-PL" dirty="0"/>
           </a:p>
         </p:txBody>
@@ -4736,49 +4849,20 @@
             <p:ph type="title"/>
           </p:nvPr>
         </p:nvSpPr>
-        <p:spPr/>
-        <p:txBody>
-          <a:bodyPr/>
-          <a:lstStyle/>
-          <a:p>
-            <a:r>
-              <a:rPr lang="en-US" b="0" i="0" dirty="0">
-                <a:solidFill>
-                  <a:srgbClr val="222222"/>
-                </a:solidFill>
-                <a:effectLst/>
-                <a:latin typeface="Arial" panose="020B0604020202020204" pitchFamily="34" charset="0"/>
-              </a:rPr>
+        <p:spPr>
+          <a:xfrm>
+            <a:off x="629194" y="2860131"/>
+            <a:ext cx="10515600" cy="1325563"/>
+          </a:xfrm>
+        </p:spPr>
+        <p:txBody>
+          <a:bodyPr/>
+          <a:lstStyle/>
+          <a:p>
+            <a:r>
+              <a:rPr lang="en-US" dirty="0"/>
               <a:t>How has the competition and level of F1 changed over the years?</a:t>
             </a:r>
-            <a:endParaRPr lang="pl-PL" dirty="0"/>
-          </a:p>
-        </p:txBody>
-      </p:sp>
-      <p:sp>
-        <p:nvSpPr>
-          <p:cNvPr id="3" name="Symbol zastępczy zawartości 2">
-            <a:extLst>
-              <a:ext uri="{FF2B5EF4-FFF2-40B4-BE49-F238E27FC236}">
-                <a16:creationId xmlns:a16="http://schemas.microsoft.com/office/drawing/2014/main" id="{48FD43A4-4786-9C47-8FE2-BD81D898CEB2}"/>
-              </a:ext>
-            </a:extLst>
-          </p:cNvPr>
-          <p:cNvSpPr>
-            <a:spLocks noGrp="1"/>
-          </p:cNvSpPr>
-          <p:nvPr>
-            <p:ph idx="1"/>
-          </p:nvPr>
-        </p:nvSpPr>
-        <p:spPr/>
-        <p:txBody>
-          <a:bodyPr/>
-          <a:lstStyle/>
-          <a:p>
-            <a:pPr marL="0" indent="0">
-              <a:buNone/>
-            </a:pPr>
             <a:endParaRPr lang="pl-PL" dirty="0"/>
           </a:p>
         </p:txBody>
@@ -4840,13 +4924,7 @@
           <a:lstStyle/>
           <a:p>
             <a:r>
-              <a:rPr lang="en-US" b="0" i="0" dirty="0">
-                <a:solidFill>
-                  <a:srgbClr val="050505"/>
-                </a:solidFill>
-                <a:effectLst/>
-                <a:latin typeface="Segoe UI Historic" panose="020B0502040204020203" pitchFamily="34" charset="0"/>
-              </a:rPr>
+              <a:rPr lang="en-US" dirty="0"/>
               <a:t>Top 10 Constructors</a:t>
             </a:r>
             <a:endParaRPr lang="pl-PL" dirty="0"/>
@@ -4920,10 +4998,10 @@
       </p:grpSpPr>
       <p:sp>
         <p:nvSpPr>
-          <p:cNvPr id="2" name="Tytuł 1">
+          <p:cNvPr id="2" name="Title 1">
             <a:extLst>
               <a:ext uri="{FF2B5EF4-FFF2-40B4-BE49-F238E27FC236}">
-                <a16:creationId xmlns:a16="http://schemas.microsoft.com/office/drawing/2014/main" id="{AB61AC77-7C0E-B34D-B4AA-9DF07A2EB298}"/>
+                <a16:creationId xmlns:a16="http://schemas.microsoft.com/office/drawing/2014/main" id="{9D28535C-E3E1-426F-BDFD-E1DDB6A6A9C8}"/>
               </a:ext>
             </a:extLst>
           </p:cNvPr>
@@ -4934,80 +5012,36 @@
             <p:ph type="title"/>
           </p:nvPr>
         </p:nvSpPr>
-        <p:spPr/>
-        <p:txBody>
-          <a:bodyPr/>
-          <a:lstStyle/>
-          <a:p>
-            <a:endParaRPr lang="pl-PL"/>
-          </a:p>
-        </p:txBody>
-      </p:sp>
-      <p:sp>
-        <p:nvSpPr>
-          <p:cNvPr id="3" name="Symbol zastępczy zawartości 2">
-            <a:extLst>
-              <a:ext uri="{FF2B5EF4-FFF2-40B4-BE49-F238E27FC236}">
-                <a16:creationId xmlns:a16="http://schemas.microsoft.com/office/drawing/2014/main" id="{0DB222B3-2E1B-6D4E-ACFA-5B12A0C41B69}"/>
-              </a:ext>
-            </a:extLst>
-          </p:cNvPr>
-          <p:cNvSpPr>
-            <a:spLocks noGrp="1"/>
-          </p:cNvSpPr>
-          <p:nvPr>
-            <p:ph idx="1"/>
-          </p:nvPr>
-        </p:nvSpPr>
-        <p:spPr/>
-        <p:txBody>
-          <a:bodyPr/>
-          <a:lstStyle/>
-          <a:p>
-            <a:endParaRPr lang="pl-PL"/>
-          </a:p>
-        </p:txBody>
-      </p:sp>
-      <p:pic>
-        <p:nvPicPr>
-          <p:cNvPr id="5" name="Obraz 4">
-            <a:extLst>
-              <a:ext uri="{FF2B5EF4-FFF2-40B4-BE49-F238E27FC236}">
-                <a16:creationId xmlns:a16="http://schemas.microsoft.com/office/drawing/2014/main" id="{1053154A-A539-0649-A7E4-7EB29A7DD327}"/>
-              </a:ext>
-            </a:extLst>
-          </p:cNvPr>
-          <p:cNvPicPr>
-            <a:picLocks noChangeAspect="1"/>
-          </p:cNvPicPr>
-          <p:nvPr/>
-        </p:nvPicPr>
-        <p:blipFill>
-          <a:blip r:embed="rId3">
-            <a:extLst>
-              <a:ext uri="{28A0092B-C50C-407E-A947-70E740481C1C}">
-                <a14:useLocalDpi xmlns:a14="http://schemas.microsoft.com/office/drawing/2010/main" val="0"/>
-              </a:ext>
-            </a:extLst>
-          </a:blip>
-          <a:stretch>
-            <a:fillRect/>
-          </a:stretch>
-        </p:blipFill>
         <p:spPr>
           <a:xfrm>
-            <a:off x="687092" y="148845"/>
-            <a:ext cx="10817816" cy="6560309"/>
+            <a:off x="694508" y="2766218"/>
+            <a:ext cx="10515600" cy="1325563"/>
           </a:xfrm>
-          <a:prstGeom prst="rect">
-            <a:avLst/>
-          </a:prstGeom>
         </p:spPr>
-      </p:pic>
+        <p:txBody>
+          <a:bodyPr/>
+          <a:lstStyle/>
+          <a:p>
+            <a:r>
+              <a:rPr lang="en-ZW" dirty="0"/>
+              <a:t>Is the </a:t>
+            </a:r>
+            <a:r>
+              <a:rPr lang="en-ZW" dirty="0" err="1"/>
+              <a:t>competion</a:t>
+            </a:r>
+            <a:r>
+              <a:rPr lang="en-ZW" dirty="0"/>
+              <a:t> being won in qualifying?</a:t>
+            </a:r>
+            <a:endParaRPr lang="en-US" dirty="0"/>
+          </a:p>
+        </p:txBody>
+      </p:sp>
     </p:spTree>
     <p:extLst>
       <p:ext uri="{BB962C8B-B14F-4D97-AF65-F5344CB8AC3E}">
-        <p14:creationId xmlns:p14="http://schemas.microsoft.com/office/powerpoint/2010/main" val="1507814769"/>
+        <p14:creationId xmlns:p14="http://schemas.microsoft.com/office/powerpoint/2010/main" val="3858282956"/>
       </p:ext>
     </p:extLst>
   </p:cSld>
@@ -5039,7 +5073,7 @@
           <p:cNvPr id="2" name="Title 1">
             <a:extLst>
               <a:ext uri="{FF2B5EF4-FFF2-40B4-BE49-F238E27FC236}">
-                <a16:creationId xmlns:a16="http://schemas.microsoft.com/office/drawing/2014/main" id="{5385545E-93B3-4401-A97C-0AFE614D2551}"/>
+                <a16:creationId xmlns:a16="http://schemas.microsoft.com/office/drawing/2014/main" id="{4F740EAC-4763-4305-BE0E-1534893CBB50}"/>
               </a:ext>
             </a:extLst>
           </p:cNvPr>
@@ -5056,42 +5090,56 @@
           <a:lstStyle/>
           <a:p>
             <a:r>
+              <a:rPr lang="en-ZW" dirty="0" err="1"/>
+              <a:t>Accumalation</a:t>
+            </a:r>
+            <a:r>
               <a:rPr lang="en-ZW" dirty="0"/>
-              <a:t>Speed of top 10 over the years</a:t>
+              <a:t> of Points in Qualifying</a:t>
             </a:r>
             <a:endParaRPr lang="en-US" dirty="0"/>
           </a:p>
         </p:txBody>
       </p:sp>
-      <p:sp>
-        <p:nvSpPr>
-          <p:cNvPr id="3" name="Content Placeholder 2">
+      <p:pic>
+        <p:nvPicPr>
+          <p:cNvPr id="5" name="Content Placeholder 4" descr="Chart, scatter chart&#10;&#10;Description automatically generated">
             <a:extLst>
               <a:ext uri="{FF2B5EF4-FFF2-40B4-BE49-F238E27FC236}">
-                <a16:creationId xmlns:a16="http://schemas.microsoft.com/office/drawing/2014/main" id="{FA41D7D3-6AB0-4AD8-AA68-3A740B3C9E19}"/>
+                <a16:creationId xmlns:a16="http://schemas.microsoft.com/office/drawing/2014/main" id="{5DFDD05A-5611-427A-B8DF-D980895BBBF1}"/>
               </a:ext>
             </a:extLst>
           </p:cNvPr>
-          <p:cNvSpPr>
-            <a:spLocks noGrp="1"/>
-          </p:cNvSpPr>
+          <p:cNvPicPr>
+            <a:picLocks noGrp="1" noChangeAspect="1"/>
+          </p:cNvPicPr>
           <p:nvPr>
             <p:ph idx="1"/>
           </p:nvPr>
-        </p:nvSpPr>
-        <p:spPr/>
-        <p:txBody>
-          <a:bodyPr/>
-          <a:lstStyle/>
-          <a:p>
-            <a:endParaRPr lang="en-US"/>
-          </a:p>
-        </p:txBody>
-      </p:sp>
+        </p:nvPicPr>
+        <p:blipFill>
+          <a:blip r:embed="rId3">
+            <a:extLst>
+              <a:ext uri="{28A0092B-C50C-407E-A947-70E740481C1C}">
+                <a14:useLocalDpi xmlns:a14="http://schemas.microsoft.com/office/drawing/2010/main" val="0"/>
+              </a:ext>
+            </a:extLst>
+          </a:blip>
+          <a:stretch>
+            <a:fillRect/>
+          </a:stretch>
+        </p:blipFill>
+        <p:spPr>
+          <a:xfrm>
+            <a:off x="1359046" y="1789112"/>
+            <a:ext cx="8351791" cy="5068887"/>
+          </a:xfrm>
+        </p:spPr>
+      </p:pic>
     </p:spTree>
     <p:extLst>
       <p:ext uri="{BB962C8B-B14F-4D97-AF65-F5344CB8AC3E}">
-        <p14:creationId xmlns:p14="http://schemas.microsoft.com/office/powerpoint/2010/main" val="1763201549"/>
+        <p14:creationId xmlns:p14="http://schemas.microsoft.com/office/powerpoint/2010/main" val="1428659882"/>
       </p:ext>
     </p:extLst>
   </p:cSld>
@@ -5215,10 +5263,10 @@
       </p:grpSpPr>
       <p:sp>
         <p:nvSpPr>
-          <p:cNvPr id="2" name="Tytuł 1">
+          <p:cNvPr id="2" name="Title 1">
             <a:extLst>
               <a:ext uri="{FF2B5EF4-FFF2-40B4-BE49-F238E27FC236}">
-                <a16:creationId xmlns:a16="http://schemas.microsoft.com/office/drawing/2014/main" id="{E39ADD3F-8B20-4D46-890F-ABDA09A98334}"/>
+                <a16:creationId xmlns:a16="http://schemas.microsoft.com/office/drawing/2014/main" id="{1E2E6B7E-B75E-4B8D-8137-857BD4205601}"/>
               </a:ext>
             </a:extLst>
           </p:cNvPr>
@@ -5229,57 +5277,28 @@
             <p:ph type="title"/>
           </p:nvPr>
         </p:nvSpPr>
-        <p:spPr/>
-        <p:txBody>
-          <a:bodyPr/>
-          <a:lstStyle/>
-          <a:p>
-            <a:br>
-              <a:rPr lang="en-US" dirty="0"/>
-            </a:br>
-            <a:endParaRPr lang="pl-PL" dirty="0"/>
-          </a:p>
-        </p:txBody>
-      </p:sp>
-      <p:pic>
-        <p:nvPicPr>
-          <p:cNvPr id="13" name="Symbol zastępczy zawartości 12">
-            <a:extLst>
-              <a:ext uri="{FF2B5EF4-FFF2-40B4-BE49-F238E27FC236}">
-                <a16:creationId xmlns:a16="http://schemas.microsoft.com/office/drawing/2014/main" id="{48D33886-FB38-1C49-9541-8BFDB7BFA42F}"/>
-              </a:ext>
-            </a:extLst>
-          </p:cNvPr>
-          <p:cNvPicPr>
-            <a:picLocks noGrp="1" noChangeAspect="1"/>
-          </p:cNvPicPr>
-          <p:nvPr>
-            <p:ph idx="1"/>
-          </p:nvPr>
-        </p:nvPicPr>
-        <p:blipFill>
-          <a:blip r:embed="rId3">
-            <a:extLst>
-              <a:ext uri="{28A0092B-C50C-407E-A947-70E740481C1C}">
-                <a14:useLocalDpi xmlns:a14="http://schemas.microsoft.com/office/drawing/2010/main" val="0"/>
-              </a:ext>
-            </a:extLst>
-          </a:blip>
-          <a:stretch>
-            <a:fillRect/>
-          </a:stretch>
-        </p:blipFill>
         <p:spPr>
           <a:xfrm>
-            <a:off x="55727" y="949973"/>
-            <a:ext cx="12136273" cy="5542902"/>
+            <a:off x="1008017" y="2481308"/>
+            <a:ext cx="10515600" cy="1325563"/>
           </a:xfrm>
         </p:spPr>
-      </p:pic>
+        <p:txBody>
+          <a:bodyPr/>
+          <a:lstStyle/>
+          <a:p>
+            <a:r>
+              <a:rPr lang="en-ZW" dirty="0"/>
+              <a:t>The worst races</a:t>
+            </a:r>
+            <a:endParaRPr lang="en-US" dirty="0"/>
+          </a:p>
+        </p:txBody>
+      </p:sp>
     </p:spTree>
     <p:extLst>
       <p:ext uri="{BB962C8B-B14F-4D97-AF65-F5344CB8AC3E}">
-        <p14:creationId xmlns:p14="http://schemas.microsoft.com/office/powerpoint/2010/main" val="4076154281"/>
+        <p14:creationId xmlns:p14="http://schemas.microsoft.com/office/powerpoint/2010/main" val="3630268706"/>
       </p:ext>
     </p:extLst>
   </p:cSld>

--- a/Presentation/F1_Presentation_Moyo_Majak.pptx
+++ b/Presentation/F1_Presentation_Moyo_Majak.pptx
@@ -5,7 +5,7 @@
     <p:sldMasterId id="2147483648" r:id="rId1"/>
   </p:sldMasterIdLst>
   <p:notesMasterIdLst>
-    <p:notesMasterId r:id="rId16"/>
+    <p:notesMasterId r:id="rId15"/>
   </p:notesMasterIdLst>
   <p:sldIdLst>
     <p:sldId id="256" r:id="rId2"/>
@@ -13,15 +13,14 @@
     <p:sldId id="258" r:id="rId4"/>
     <p:sldId id="260" r:id="rId5"/>
     <p:sldId id="259" r:id="rId6"/>
-    <p:sldId id="270" r:id="rId7"/>
-    <p:sldId id="268" r:id="rId8"/>
+    <p:sldId id="268" r:id="rId7"/>
+    <p:sldId id="264" r:id="rId8"/>
     <p:sldId id="262" r:id="rId9"/>
-    <p:sldId id="271" r:id="rId10"/>
-    <p:sldId id="269" r:id="rId11"/>
-    <p:sldId id="265" r:id="rId12"/>
-    <p:sldId id="263" r:id="rId13"/>
-    <p:sldId id="266" r:id="rId14"/>
-    <p:sldId id="267" r:id="rId15"/>
+    <p:sldId id="261" r:id="rId10"/>
+    <p:sldId id="265" r:id="rId11"/>
+    <p:sldId id="263" r:id="rId12"/>
+    <p:sldId id="266" r:id="rId13"/>
+    <p:sldId id="267" r:id="rId14"/>
   </p:sldIdLst>
   <p:sldSz cx="12192000" cy="6858000"/>
   <p:notesSz cx="6858000" cy="9144000"/>
@@ -210,7 +209,7 @@
           <a:p>
             <a:fld id="{B3CDF40C-5A9A-4B37-9F4E-A337933060DF}" type="datetimeFigureOut">
               <a:rPr lang="en-US" smtClean="0"/>
-              <a:t>1/21/2021</a:t>
+              <a:t>1/21/21</a:t>
             </a:fld>
             <a:endParaRPr lang="en-US"/>
           </a:p>
@@ -1063,7 +1062,27 @@
                 <a:effectLst/>
                 <a:latin typeface="Segoe UI Historic" panose="020B0502040204020203" pitchFamily="34" charset="0"/>
               </a:rPr>
-              <a:t>accumulated sum of points for top 10 contractors over the years</a:t>
+              <a:t>accumulated sum of points for top 10 </a:t>
+            </a:r>
+            <a:r>
+              <a:rPr lang="en-US" b="0" i="0" dirty="0" err="1">
+                <a:solidFill>
+                  <a:srgbClr val="050505"/>
+                </a:solidFill>
+                <a:effectLst/>
+                <a:latin typeface="Segoe UI Historic" panose="020B0502040204020203" pitchFamily="34" charset="0"/>
+              </a:rPr>
+              <a:t>constractors</a:t>
+            </a:r>
+            <a:r>
+              <a:rPr lang="en-US" b="0" i="0" dirty="0">
+                <a:solidFill>
+                  <a:srgbClr val="050505"/>
+                </a:solidFill>
+                <a:effectLst/>
+                <a:latin typeface="Segoe UI Historic" panose="020B0502040204020203" pitchFamily="34" charset="0"/>
+              </a:rPr>
+              <a:t> over the years</a:t>
             </a:r>
           </a:p>
           <a:p>
@@ -1087,27 +1106,7 @@
                 <a:effectLst/>
                 <a:latin typeface="Segoe UI Historic" panose="020B0502040204020203" pitchFamily="34" charset="0"/>
               </a:rPr>
-              <a:t>The Ferrari has the  </a:t>
-            </a:r>
-            <a:r>
-              <a:rPr lang="en-US" b="0" i="0" dirty="0" err="1">
-                <a:solidFill>
-                  <a:srgbClr val="050505"/>
-                </a:solidFill>
-                <a:effectLst/>
-                <a:latin typeface="Segoe UI Historic" panose="020B0502040204020203" pitchFamily="34" charset="0"/>
-              </a:rPr>
-              <a:t>highet</a:t>
-            </a:r>
-            <a:r>
-              <a:rPr lang="en-US" b="0" i="0" dirty="0">
-                <a:solidFill>
-                  <a:srgbClr val="050505"/>
-                </a:solidFill>
-                <a:effectLst/>
-                <a:latin typeface="Segoe UI Historic" panose="020B0502040204020203" pitchFamily="34" charset="0"/>
-              </a:rPr>
-              <a:t> number of accumulated points</a:t>
+              <a:t>The Ferrari has the  highest number of accumulated points</a:t>
             </a:r>
           </a:p>
           <a:p>
@@ -1170,7 +1169,7 @@
       </p:grpSpPr>
       <p:sp>
         <p:nvSpPr>
-          <p:cNvPr id="2" name="Slide Image Placeholder 1"/>
+          <p:cNvPr id="2" name="Symbol zastępczy obrazu slajdu 1"/>
           <p:cNvSpPr>
             <a:spLocks noGrp="1" noRot="1" noChangeAspect="1"/>
           </p:cNvSpPr>
@@ -1182,7 +1181,7 @@
       </p:sp>
       <p:sp>
         <p:nvSpPr>
-          <p:cNvPr id="3" name="Notes Placeholder 2"/>
+          <p:cNvPr id="3" name="Symbol zastępczy notatek 2"/>
           <p:cNvSpPr>
             <a:spLocks noGrp="1"/>
           </p:cNvSpPr>
@@ -1195,17 +1194,13 @@
           <a:bodyPr/>
           <a:lstStyle/>
           <a:p>
-            <a:r>
-              <a:rPr lang="en-ZW" dirty="0"/>
-              <a:t>The graph shows a total of </a:t>
-            </a:r>
-            <a:endParaRPr lang="en-US" dirty="0"/>
-          </a:p>
-        </p:txBody>
-      </p:sp>
-      <p:sp>
-        <p:nvSpPr>
-          <p:cNvPr id="4" name="Slide Number Placeholder 3"/>
+            <a:endParaRPr lang="pl-PL" dirty="0"/>
+          </a:p>
+        </p:txBody>
+      </p:sp>
+      <p:sp>
+        <p:nvSpPr>
+          <p:cNvPr id="4" name="Symbol zastępczy numeru slajdu 3"/>
           <p:cNvSpPr>
             <a:spLocks noGrp="1"/>
           </p:cNvSpPr>
@@ -1220,7 +1215,7 @@
           <a:p>
             <a:fld id="{8B16C77F-3968-400F-9FFF-E15A5979D213}" type="slidenum">
               <a:rPr lang="en-US" smtClean="0"/>
-              <a:t>7</a:t>
+              <a:t>6</a:t>
             </a:fld>
             <a:endParaRPr lang="en-US"/>
           </a:p>
@@ -1229,7 +1224,7 @@
     </p:spTree>
     <p:extLst>
       <p:ext uri="{BB962C8B-B14F-4D97-AF65-F5344CB8AC3E}">
-        <p14:creationId xmlns:p14="http://schemas.microsoft.com/office/powerpoint/2010/main" val="4063712177"/>
+        <p14:creationId xmlns:p14="http://schemas.microsoft.com/office/powerpoint/2010/main" val="4221663633"/>
       </p:ext>
     </p:extLst>
   </p:cSld>
@@ -1390,21 +1385,34 @@
           <a:lstStyle/>
           <a:p>
             <a:r>
+              <a:rPr lang="en-US" b="0" i="0" dirty="0">
+                <a:solidFill>
+                  <a:srgbClr val="222222"/>
+                </a:solidFill>
+                <a:effectLst/>
+                <a:latin typeface="Arial" panose="020B0604020202020204" pitchFamily="34" charset="0"/>
+              </a:rPr>
+              <a:t>Is F1 currently being won in qualifying?</a:t>
+            </a:r>
+          </a:p>
+          <a:p>
+            <a:r>
               <a:rPr lang="en-ZW" dirty="0"/>
-              <a:t>This  scatter plot shows the years with races with the highest racing times</a:t>
-            </a:r>
-          </a:p>
-          <a:p>
+              <a:t>This plot shows a percent of points gained during the race (in comparison to qualify) as number of gained points divided by number of total possible points to gain from 1st to 10</a:t>
+            </a:r>
+            <a:r>
+              <a:rPr lang="en-ZW" baseline="30000" dirty="0"/>
+              <a:t>th</a:t>
+            </a:r>
             <a:r>
               <a:rPr lang="en-ZW" dirty="0"/>
-              <a:t>It is important to analyse the pattern of the longest racing times in order to make logical sense as to why this has occurred.</a:t>
-            </a:r>
-          </a:p>
-          <a:p>
-            <a:r>
-              <a:rPr lang="en-ZW" dirty="0"/>
-              <a:t>This knowledge will help the teams and individual drivers to work on their time in order to remain competitive and relevant</a:t>
-            </a:r>
+              <a:t> position, which is 101 points. In fact, the point system has been changed over years, but we use the current system to be able to compare every single year from </a:t>
+            </a:r>
+            <a:r>
+              <a:rPr lang="en-ZW"/>
+              <a:t>the history.</a:t>
+            </a:r>
+            <a:endParaRPr lang="en-US" dirty="0"/>
           </a:p>
         </p:txBody>
       </p:sp>
@@ -1425,7 +1433,7 @@
           <a:p>
             <a:fld id="{8B16C77F-3968-400F-9FFF-E15A5979D213}" type="slidenum">
               <a:rPr lang="en-US" smtClean="0"/>
-              <a:t>10</a:t>
+              <a:t>9</a:t>
             </a:fld>
             <a:endParaRPr lang="en-US"/>
           </a:p>
@@ -1434,7 +1442,7 @@
     </p:spTree>
     <p:extLst>
       <p:ext uri="{BB962C8B-B14F-4D97-AF65-F5344CB8AC3E}">
-        <p14:creationId xmlns:p14="http://schemas.microsoft.com/office/powerpoint/2010/main" val="2723049550"/>
+        <p14:creationId xmlns:p14="http://schemas.microsoft.com/office/powerpoint/2010/main" val="1733821744"/>
       </p:ext>
     </p:extLst>
   </p:cSld>
@@ -1599,7 +1607,7 @@
           <a:p>
             <a:fld id="{276D79ED-3FA7-4EF8-964B-EB8BCFAB02F8}" type="datetimeFigureOut">
               <a:rPr lang="en-US" smtClean="0"/>
-              <a:t>1/21/2021</a:t>
+              <a:t>1/21/21</a:t>
             </a:fld>
             <a:endParaRPr lang="en-US"/>
           </a:p>
@@ -1769,7 +1777,7 @@
           <a:p>
             <a:fld id="{276D79ED-3FA7-4EF8-964B-EB8BCFAB02F8}" type="datetimeFigureOut">
               <a:rPr lang="en-US" smtClean="0"/>
-              <a:t>1/21/2021</a:t>
+              <a:t>1/21/21</a:t>
             </a:fld>
             <a:endParaRPr lang="en-US"/>
           </a:p>
@@ -2015,7 +2023,7 @@
           <a:p>
             <a:fld id="{276D79ED-3FA7-4EF8-964B-EB8BCFAB02F8}" type="datetimeFigureOut">
               <a:rPr lang="en-US" smtClean="0"/>
-              <a:t>1/21/2021</a:t>
+              <a:t>1/21/21</a:t>
             </a:fld>
             <a:endParaRPr lang="en-US"/>
           </a:p>
@@ -2247,7 +2255,7 @@
           <a:p>
             <a:fld id="{276D79ED-3FA7-4EF8-964B-EB8BCFAB02F8}" type="datetimeFigureOut">
               <a:rPr lang="en-US" smtClean="0"/>
-              <a:t>1/21/2021</a:t>
+              <a:t>1/21/21</a:t>
             </a:fld>
             <a:endParaRPr lang="en-US"/>
           </a:p>
@@ -2614,7 +2622,7 @@
           <a:p>
             <a:fld id="{276D79ED-3FA7-4EF8-964B-EB8BCFAB02F8}" type="datetimeFigureOut">
               <a:rPr lang="en-US" smtClean="0"/>
-              <a:t>1/21/2021</a:t>
+              <a:t>1/21/21</a:t>
             </a:fld>
             <a:endParaRPr lang="en-US"/>
           </a:p>
@@ -2732,7 +2740,7 @@
           <a:p>
             <a:fld id="{276D79ED-3FA7-4EF8-964B-EB8BCFAB02F8}" type="datetimeFigureOut">
               <a:rPr lang="en-US" smtClean="0"/>
-              <a:t>1/21/2021</a:t>
+              <a:t>1/21/21</a:t>
             </a:fld>
             <a:endParaRPr lang="en-US"/>
           </a:p>
@@ -2827,7 +2835,7 @@
           <a:p>
             <a:fld id="{276D79ED-3FA7-4EF8-964B-EB8BCFAB02F8}" type="datetimeFigureOut">
               <a:rPr lang="en-US" smtClean="0"/>
-              <a:t>1/21/2021</a:t>
+              <a:t>1/21/21</a:t>
             </a:fld>
             <a:endParaRPr lang="en-US"/>
           </a:p>
@@ -3104,7 +3112,7 @@
           <a:p>
             <a:fld id="{276D79ED-3FA7-4EF8-964B-EB8BCFAB02F8}" type="datetimeFigureOut">
               <a:rPr lang="en-US" smtClean="0"/>
-              <a:t>1/21/2021</a:t>
+              <a:t>1/21/21</a:t>
             </a:fld>
             <a:endParaRPr lang="en-US"/>
           </a:p>
@@ -3361,7 +3369,7 @@
           <a:p>
             <a:fld id="{276D79ED-3FA7-4EF8-964B-EB8BCFAB02F8}" type="datetimeFigureOut">
               <a:rPr lang="en-US" smtClean="0"/>
-              <a:t>1/21/2021</a:t>
+              <a:t>1/21/21</a:t>
             </a:fld>
             <a:endParaRPr lang="en-US"/>
           </a:p>
@@ -3582,7 +3590,7 @@
             <a:fld id="{276D79ED-3FA7-4EF8-964B-EB8BCFAB02F8}" type="datetimeFigureOut">
               <a:rPr lang="en-US" smtClean="0"/>
               <a:pPr/>
-              <a:t>1/21/2021</a:t>
+              <a:t>1/21/21</a:t>
             </a:fld>
             <a:endParaRPr lang="en-US"/>
           </a:p>
@@ -4196,7 +4204,7 @@
           <p:cNvPr id="2" name="Title 1">
             <a:extLst>
               <a:ext uri="{FF2B5EF4-FFF2-40B4-BE49-F238E27FC236}">
-                <a16:creationId xmlns:a16="http://schemas.microsoft.com/office/drawing/2014/main" id="{A9F2974F-E207-4532-A01A-F88DBBF1E928}"/>
+                <a16:creationId xmlns:a16="http://schemas.microsoft.com/office/drawing/2014/main" id="{8F694C84-9122-407A-9335-7FF043C3E2A2}"/>
               </a:ext>
             </a:extLst>
           </p:cNvPr>
@@ -4207,63 +4215,44 @@
             <p:ph type="title"/>
           </p:nvPr>
         </p:nvSpPr>
-        <p:spPr>
-          <a:xfrm>
-            <a:off x="669515" y="0"/>
-            <a:ext cx="10515600" cy="1325563"/>
-          </a:xfrm>
-        </p:spPr>
-        <p:txBody>
-          <a:bodyPr/>
-          <a:lstStyle/>
-          <a:p>
-            <a:r>
-              <a:rPr lang="en-ZW" dirty="0"/>
-              <a:t>Longest Races Scatter Plot </a:t>
-            </a:r>
-            <a:endParaRPr lang="en-US" dirty="0"/>
-          </a:p>
-        </p:txBody>
-      </p:sp>
-      <p:pic>
-        <p:nvPicPr>
-          <p:cNvPr id="5" name="Content Placeholder 4" descr="Chart, scatter chart&#10;&#10;Description automatically generated">
+        <p:spPr/>
+        <p:txBody>
+          <a:bodyPr/>
+          <a:lstStyle/>
+          <a:p>
+            <a:endParaRPr lang="en-US"/>
+          </a:p>
+        </p:txBody>
+      </p:sp>
+      <p:sp>
+        <p:nvSpPr>
+          <p:cNvPr id="3" name="Content Placeholder 2">
             <a:extLst>
               <a:ext uri="{FF2B5EF4-FFF2-40B4-BE49-F238E27FC236}">
-                <a16:creationId xmlns:a16="http://schemas.microsoft.com/office/drawing/2014/main" id="{19DA4681-0670-4999-93B4-FDBF156FB775}"/>
+                <a16:creationId xmlns:a16="http://schemas.microsoft.com/office/drawing/2014/main" id="{3367C7C9-20B6-4F7A-BF6E-D7967B105B94}"/>
               </a:ext>
             </a:extLst>
           </p:cNvPr>
-          <p:cNvPicPr>
-            <a:picLocks noGrp="1" noChangeAspect="1"/>
-          </p:cNvPicPr>
+          <p:cNvSpPr>
+            <a:spLocks noGrp="1"/>
+          </p:cNvSpPr>
           <p:nvPr>
             <p:ph idx="1"/>
           </p:nvPr>
-        </p:nvPicPr>
-        <p:blipFill>
-          <a:blip r:embed="rId3">
-            <a:extLst>
-              <a:ext uri="{28A0092B-C50C-407E-A947-70E740481C1C}">
-                <a14:useLocalDpi xmlns:a14="http://schemas.microsoft.com/office/drawing/2010/main" val="0"/>
-              </a:ext>
-            </a:extLst>
-          </a:blip>
-          <a:stretch>
-            <a:fillRect/>
-          </a:stretch>
-        </p:blipFill>
-        <p:spPr>
-          <a:xfrm>
-            <a:off x="2552460" y="1123406"/>
-            <a:ext cx="6900095" cy="5734593"/>
-          </a:xfrm>
-        </p:spPr>
-      </p:pic>
+        </p:nvSpPr>
+        <p:spPr/>
+        <p:txBody>
+          <a:bodyPr/>
+          <a:lstStyle/>
+          <a:p>
+            <a:endParaRPr lang="en-US"/>
+          </a:p>
+        </p:txBody>
+      </p:sp>
     </p:spTree>
     <p:extLst>
       <p:ext uri="{BB962C8B-B14F-4D97-AF65-F5344CB8AC3E}">
-        <p14:creationId xmlns:p14="http://schemas.microsoft.com/office/powerpoint/2010/main" val="608783067"/>
+        <p14:creationId xmlns:p14="http://schemas.microsoft.com/office/powerpoint/2010/main" val="4132244438"/>
       </p:ext>
     </p:extLst>
   </p:cSld>
@@ -4295,7 +4284,7 @@
           <p:cNvPr id="2" name="Title 1">
             <a:extLst>
               <a:ext uri="{FF2B5EF4-FFF2-40B4-BE49-F238E27FC236}">
-                <a16:creationId xmlns:a16="http://schemas.microsoft.com/office/drawing/2014/main" id="{8F694C84-9122-407A-9335-7FF043C3E2A2}"/>
+                <a16:creationId xmlns:a16="http://schemas.microsoft.com/office/drawing/2014/main" id="{EEDF7E60-BEFF-4D9E-97E4-1C50543309DE}"/>
               </a:ext>
             </a:extLst>
           </p:cNvPr>
@@ -4311,7 +4300,17 @@
           <a:bodyPr/>
           <a:lstStyle/>
           <a:p>
-            <a:endParaRPr lang="en-US"/>
+            <a:r>
+              <a:rPr lang="en-US" b="0" i="0" dirty="0">
+                <a:solidFill>
+                  <a:srgbClr val="222222"/>
+                </a:solidFill>
+                <a:effectLst/>
+                <a:latin typeface="Arial" panose="020B0604020202020204" pitchFamily="34" charset="0"/>
+              </a:rPr>
+              <a:t>Which F1 circuits provide a more even fight?</a:t>
+            </a:r>
+            <a:endParaRPr lang="en-US" dirty="0"/>
           </a:p>
         </p:txBody>
       </p:sp>
@@ -4320,7 +4319,7 @@
           <p:cNvPr id="3" name="Content Placeholder 2">
             <a:extLst>
               <a:ext uri="{FF2B5EF4-FFF2-40B4-BE49-F238E27FC236}">
-                <a16:creationId xmlns:a16="http://schemas.microsoft.com/office/drawing/2014/main" id="{3367C7C9-20B6-4F7A-BF6E-D7967B105B94}"/>
+                <a16:creationId xmlns:a16="http://schemas.microsoft.com/office/drawing/2014/main" id="{8938693A-BE4E-41A4-8570-AADF18D1A1A5}"/>
               </a:ext>
             </a:extLst>
           </p:cNvPr>
@@ -4343,7 +4342,7 @@
     </p:spTree>
     <p:extLst>
       <p:ext uri="{BB962C8B-B14F-4D97-AF65-F5344CB8AC3E}">
-        <p14:creationId xmlns:p14="http://schemas.microsoft.com/office/powerpoint/2010/main" val="4132244438"/>
+        <p14:creationId xmlns:p14="http://schemas.microsoft.com/office/powerpoint/2010/main" val="441530103"/>
       </p:ext>
     </p:extLst>
   </p:cSld>
@@ -4375,96 +4374,6 @@
           <p:cNvPr id="2" name="Title 1">
             <a:extLst>
               <a:ext uri="{FF2B5EF4-FFF2-40B4-BE49-F238E27FC236}">
-                <a16:creationId xmlns:a16="http://schemas.microsoft.com/office/drawing/2014/main" id="{EEDF7E60-BEFF-4D9E-97E4-1C50543309DE}"/>
-              </a:ext>
-            </a:extLst>
-          </p:cNvPr>
-          <p:cNvSpPr>
-            <a:spLocks noGrp="1"/>
-          </p:cNvSpPr>
-          <p:nvPr>
-            <p:ph type="title"/>
-          </p:nvPr>
-        </p:nvSpPr>
-        <p:spPr/>
-        <p:txBody>
-          <a:bodyPr/>
-          <a:lstStyle/>
-          <a:p>
-            <a:r>
-              <a:rPr lang="en-US" b="0" i="0" dirty="0">
-                <a:solidFill>
-                  <a:srgbClr val="222222"/>
-                </a:solidFill>
-                <a:effectLst/>
-                <a:latin typeface="Arial" panose="020B0604020202020204" pitchFamily="34" charset="0"/>
-              </a:rPr>
-              <a:t>Which F1 circuits provide a more even fight?</a:t>
-            </a:r>
-            <a:endParaRPr lang="en-US" dirty="0"/>
-          </a:p>
-        </p:txBody>
-      </p:sp>
-      <p:sp>
-        <p:nvSpPr>
-          <p:cNvPr id="3" name="Content Placeholder 2">
-            <a:extLst>
-              <a:ext uri="{FF2B5EF4-FFF2-40B4-BE49-F238E27FC236}">
-                <a16:creationId xmlns:a16="http://schemas.microsoft.com/office/drawing/2014/main" id="{8938693A-BE4E-41A4-8570-AADF18D1A1A5}"/>
-              </a:ext>
-            </a:extLst>
-          </p:cNvPr>
-          <p:cNvSpPr>
-            <a:spLocks noGrp="1"/>
-          </p:cNvSpPr>
-          <p:nvPr>
-            <p:ph idx="1"/>
-          </p:nvPr>
-        </p:nvSpPr>
-        <p:spPr/>
-        <p:txBody>
-          <a:bodyPr/>
-          <a:lstStyle/>
-          <a:p>
-            <a:endParaRPr lang="en-US"/>
-          </a:p>
-        </p:txBody>
-      </p:sp>
-    </p:spTree>
-    <p:extLst>
-      <p:ext uri="{BB962C8B-B14F-4D97-AF65-F5344CB8AC3E}">
-        <p14:creationId xmlns:p14="http://schemas.microsoft.com/office/powerpoint/2010/main" val="441530103"/>
-      </p:ext>
-    </p:extLst>
-  </p:cSld>
-  <p:clrMapOvr>
-    <a:masterClrMapping/>
-  </p:clrMapOvr>
-</p:sld>
-</file>
-
-<file path=ppt/slides/slide13.xml><?xml version="1.0" encoding="utf-8"?>
-<p:sld xmlns:a="http://schemas.openxmlformats.org/drawingml/2006/main" xmlns:r="http://schemas.openxmlformats.org/officeDocument/2006/relationships" xmlns:p="http://schemas.openxmlformats.org/presentationml/2006/main">
-  <p:cSld>
-    <p:spTree>
-      <p:nvGrpSpPr>
-        <p:cNvPr id="1" name=""/>
-        <p:cNvGrpSpPr/>
-        <p:nvPr/>
-      </p:nvGrpSpPr>
-      <p:grpSpPr>
-        <a:xfrm>
-          <a:off x="0" y="0"/>
-          <a:ext cx="0" cy="0"/>
-          <a:chOff x="0" y="0"/>
-          <a:chExt cx="0" cy="0"/>
-        </a:xfrm>
-      </p:grpSpPr>
-      <p:sp>
-        <p:nvSpPr>
-          <p:cNvPr id="2" name="Title 1">
-            <a:extLst>
-              <a:ext uri="{FF2B5EF4-FFF2-40B4-BE49-F238E27FC236}">
                 <a16:creationId xmlns:a16="http://schemas.microsoft.com/office/drawing/2014/main" id="{B758140B-DA3C-4E1C-86A8-59DD2BA8B7C7}"/>
               </a:ext>
             </a:extLst>
@@ -4523,7 +4432,7 @@
 </p:sld>
 </file>
 
-<file path=ppt/slides/slide14.xml><?xml version="1.0" encoding="utf-8"?>
+<file path=ppt/slides/slide13.xml><?xml version="1.0" encoding="utf-8"?>
 <p:sld xmlns:a="http://schemas.openxmlformats.org/drawingml/2006/main" xmlns:r="http://schemas.openxmlformats.org/officeDocument/2006/relationships" xmlns:p="http://schemas.openxmlformats.org/presentationml/2006/main">
   <p:cSld>
     <p:spTree>
@@ -4687,13 +4596,24 @@
             <a:pPr algn="ctr"/>
             <a:r>
               <a:rPr lang="pl-PL" sz="4000" dirty="0"/>
-              <a:t>Map of </a:t>
+              <a:t>F1 </a:t>
             </a:r>
             <a:r>
               <a:rPr lang="pl-PL" sz="4000" dirty="0" err="1"/>
               <a:t>circuits</a:t>
             </a:r>
-            <a:endParaRPr lang="pl-PL" sz="4000" dirty="0"/>
+            <a:r>
+              <a:rPr lang="pl-PL" sz="4000" dirty="0"/>
+              <a:t> </a:t>
+            </a:r>
+            <a:r>
+              <a:rPr lang="pl-PL" sz="4000" dirty="0" err="1"/>
+              <a:t>around</a:t>
+            </a:r>
+            <a:r>
+              <a:rPr lang="pl-PL" sz="4000" dirty="0"/>
+              <a:t> the World</a:t>
+            </a:r>
           </a:p>
         </p:txBody>
       </p:sp>
@@ -4777,28 +4697,6 @@
           <a:bodyPr/>
           <a:lstStyle/>
           <a:p>
-            <a:r>
-              <a:rPr lang="en-ZW" dirty="0"/>
-              <a:t>Data set from Kaggle</a:t>
-            </a:r>
-          </a:p>
-          <a:p>
-            <a:r>
-              <a:rPr lang="en-ZW" dirty="0"/>
-              <a:t>F1 race season statistics from 1950 to 2020</a:t>
-            </a:r>
-          </a:p>
-          <a:p>
-            <a:r>
-              <a:rPr lang="en-ZW" dirty="0"/>
-              <a:t>Problem statement : Challenge in comparing complex F1 data</a:t>
-            </a:r>
-          </a:p>
-          <a:p>
-            <a:r>
-              <a:rPr lang="en-ZW" dirty="0"/>
-              <a:t>Aim of the project: Use R visualisation plots to analyse F1 data</a:t>
-            </a:r>
             <a:endParaRPr lang="pl-PL" dirty="0"/>
           </a:p>
         </p:txBody>
@@ -4849,20 +4747,49 @@
             <p:ph type="title"/>
           </p:nvPr>
         </p:nvSpPr>
-        <p:spPr>
-          <a:xfrm>
-            <a:off x="629194" y="2860131"/>
-            <a:ext cx="10515600" cy="1325563"/>
-          </a:xfrm>
-        </p:spPr>
-        <p:txBody>
-          <a:bodyPr/>
-          <a:lstStyle/>
-          <a:p>
-            <a:r>
-              <a:rPr lang="en-US" dirty="0"/>
+        <p:spPr/>
+        <p:txBody>
+          <a:bodyPr/>
+          <a:lstStyle/>
+          <a:p>
+            <a:r>
+              <a:rPr lang="en-US" b="0" i="0" dirty="0">
+                <a:solidFill>
+                  <a:srgbClr val="222222"/>
+                </a:solidFill>
+                <a:effectLst/>
+                <a:latin typeface="Arial" panose="020B0604020202020204" pitchFamily="34" charset="0"/>
+              </a:rPr>
               <a:t>How has the competition and level of F1 changed over the years?</a:t>
             </a:r>
+            <a:endParaRPr lang="pl-PL" dirty="0"/>
+          </a:p>
+        </p:txBody>
+      </p:sp>
+      <p:sp>
+        <p:nvSpPr>
+          <p:cNvPr id="3" name="Symbol zastępczy zawartości 2">
+            <a:extLst>
+              <a:ext uri="{FF2B5EF4-FFF2-40B4-BE49-F238E27FC236}">
+                <a16:creationId xmlns:a16="http://schemas.microsoft.com/office/drawing/2014/main" id="{48FD43A4-4786-9C47-8FE2-BD81D898CEB2}"/>
+              </a:ext>
+            </a:extLst>
+          </p:cNvPr>
+          <p:cNvSpPr>
+            <a:spLocks noGrp="1"/>
+          </p:cNvSpPr>
+          <p:nvPr>
+            <p:ph idx="1"/>
+          </p:nvPr>
+        </p:nvSpPr>
+        <p:spPr/>
+        <p:txBody>
+          <a:bodyPr/>
+          <a:lstStyle/>
+          <a:p>
+            <a:pPr marL="0" indent="0">
+              <a:buNone/>
+            </a:pPr>
             <a:endParaRPr lang="pl-PL" dirty="0"/>
           </a:p>
         </p:txBody>
@@ -4897,46 +4824,12 @@
           <a:chExt cx="0" cy="0"/>
         </a:xfrm>
       </p:grpSpPr>
-      <p:sp>
-        <p:nvSpPr>
-          <p:cNvPr id="2" name="Tytuł 1">
+      <p:pic>
+        <p:nvPicPr>
+          <p:cNvPr id="31" name="Symbol zastępczy zawartości 30" descr="Obraz zawierający stół&#10;&#10;Opis wygenerowany automatycznie">
             <a:extLst>
               <a:ext uri="{FF2B5EF4-FFF2-40B4-BE49-F238E27FC236}">
-                <a16:creationId xmlns:a16="http://schemas.microsoft.com/office/drawing/2014/main" id="{9CA27037-D207-0340-BA00-A13C4987D352}"/>
-              </a:ext>
-            </a:extLst>
-          </p:cNvPr>
-          <p:cNvSpPr>
-            <a:spLocks noGrp="1"/>
-          </p:cNvSpPr>
-          <p:nvPr>
-            <p:ph type="title"/>
-          </p:nvPr>
-        </p:nvSpPr>
-        <p:spPr>
-          <a:xfrm>
-            <a:off x="838200" y="182879"/>
-            <a:ext cx="10515600" cy="1325563"/>
-          </a:xfrm>
-        </p:spPr>
-        <p:txBody>
-          <a:bodyPr/>
-          <a:lstStyle/>
-          <a:p>
-            <a:r>
-              <a:rPr lang="en-US" dirty="0"/>
-              <a:t>Top 10 Constructors</a:t>
-            </a:r>
-            <a:endParaRPr lang="pl-PL" dirty="0"/>
-          </a:p>
-        </p:txBody>
-      </p:sp>
-      <p:pic>
-        <p:nvPicPr>
-          <p:cNvPr id="9" name="Content Placeholder 8" descr="Chart, line chart&#10;&#10;Description automatically generated">
-            <a:extLst>
-              <a:ext uri="{FF2B5EF4-FFF2-40B4-BE49-F238E27FC236}">
-                <a16:creationId xmlns:a16="http://schemas.microsoft.com/office/drawing/2014/main" id="{FFC12595-5D61-4F16-8029-E86E84F80B16}"/>
+                <a16:creationId xmlns:a16="http://schemas.microsoft.com/office/drawing/2014/main" id="{5A5CA09D-7510-3A4F-A501-9D92536DB661}"/>
               </a:ext>
             </a:extLst>
           </p:cNvPr>
@@ -4961,9 +4854,17 @@
         </p:blipFill>
         <p:spPr>
           <a:xfrm>
-            <a:off x="1881051" y="1361337"/>
-            <a:ext cx="8164286" cy="5248469"/>
+            <a:off x="170481" y="193416"/>
+            <a:ext cx="10057414" cy="5587452"/>
           </a:xfrm>
+          <a:ln w="12700">
+            <a:solidFill>
+              <a:schemeClr val="tx1">
+                <a:lumMod val="50000"/>
+                <a:lumOff val="50000"/>
+              </a:schemeClr>
+            </a:solidFill>
+          </a:ln>
         </p:spPr>
       </p:pic>
     </p:spTree>
@@ -4996,52 +4897,45 @@
           <a:chExt cx="0" cy="0"/>
         </a:xfrm>
       </p:grpSpPr>
-      <p:sp>
-        <p:nvSpPr>
-          <p:cNvPr id="2" name="Title 1">
+      <p:pic>
+        <p:nvPicPr>
+          <p:cNvPr id="6" name="Symbol zastępczy zawartości 5">
             <a:extLst>
               <a:ext uri="{FF2B5EF4-FFF2-40B4-BE49-F238E27FC236}">
-                <a16:creationId xmlns:a16="http://schemas.microsoft.com/office/drawing/2014/main" id="{9D28535C-E3E1-426F-BDFD-E1DDB6A6A9C8}"/>
+                <a16:creationId xmlns:a16="http://schemas.microsoft.com/office/drawing/2014/main" id="{8585327B-FD60-804F-8A6D-186281E7ED3F}"/>
               </a:ext>
             </a:extLst>
           </p:cNvPr>
-          <p:cNvSpPr>
-            <a:spLocks noGrp="1"/>
-          </p:cNvSpPr>
-          <p:nvPr>
-            <p:ph type="title"/>
-          </p:nvPr>
-        </p:nvSpPr>
+          <p:cNvPicPr>
+            <a:picLocks noGrp="1" noChangeAspect="1"/>
+          </p:cNvPicPr>
+          <p:nvPr>
+            <p:ph idx="1"/>
+          </p:nvPr>
+        </p:nvPicPr>
+        <p:blipFill>
+          <a:blip r:embed="rId3">
+            <a:extLst>
+              <a:ext uri="{28A0092B-C50C-407E-A947-70E740481C1C}">
+                <a14:useLocalDpi xmlns:a14="http://schemas.microsoft.com/office/drawing/2010/main" val="0"/>
+              </a:ext>
+            </a:extLst>
+          </a:blip>
+          <a:stretch>
+            <a:fillRect/>
+          </a:stretch>
+        </p:blipFill>
         <p:spPr>
           <a:xfrm>
-            <a:off x="694508" y="2766218"/>
-            <a:ext cx="10515600" cy="1325563"/>
+            <a:off x="0" y="61992"/>
+            <a:ext cx="12192000" cy="6773334"/>
           </a:xfrm>
         </p:spPr>
-        <p:txBody>
-          <a:bodyPr/>
-          <a:lstStyle/>
-          <a:p>
-            <a:r>
-              <a:rPr lang="en-ZW" dirty="0"/>
-              <a:t>Is the </a:t>
-            </a:r>
-            <a:r>
-              <a:rPr lang="en-ZW" dirty="0" err="1"/>
-              <a:t>competion</a:t>
-            </a:r>
-            <a:r>
-              <a:rPr lang="en-ZW" dirty="0"/>
-              <a:t> being won in qualifying?</a:t>
-            </a:r>
-            <a:endParaRPr lang="en-US" dirty="0"/>
-          </a:p>
-        </p:txBody>
-      </p:sp>
+      </p:pic>
     </p:spTree>
     <p:extLst>
       <p:ext uri="{BB962C8B-B14F-4D97-AF65-F5344CB8AC3E}">
-        <p14:creationId xmlns:p14="http://schemas.microsoft.com/office/powerpoint/2010/main" val="3858282956"/>
+        <p14:creationId xmlns:p14="http://schemas.microsoft.com/office/powerpoint/2010/main" val="1507814769"/>
       </p:ext>
     </p:extLst>
   </p:cSld>
@@ -5073,7 +4967,7 @@
           <p:cNvPr id="2" name="Title 1">
             <a:extLst>
               <a:ext uri="{FF2B5EF4-FFF2-40B4-BE49-F238E27FC236}">
-                <a16:creationId xmlns:a16="http://schemas.microsoft.com/office/drawing/2014/main" id="{4F740EAC-4763-4305-BE0E-1534893CBB50}"/>
+                <a16:creationId xmlns:a16="http://schemas.microsoft.com/office/drawing/2014/main" id="{5385545E-93B3-4401-A97C-0AFE614D2551}"/>
               </a:ext>
             </a:extLst>
           </p:cNvPr>
@@ -5090,56 +4984,42 @@
           <a:lstStyle/>
           <a:p>
             <a:r>
-              <a:rPr lang="en-ZW" dirty="0" err="1"/>
-              <a:t>Accumalation</a:t>
-            </a:r>
-            <a:r>
               <a:rPr lang="en-ZW" dirty="0"/>
-              <a:t> of Points in Qualifying</a:t>
+              <a:t>Speed of top 10 over the years</a:t>
             </a:r>
             <a:endParaRPr lang="en-US" dirty="0"/>
           </a:p>
         </p:txBody>
       </p:sp>
-      <p:pic>
-        <p:nvPicPr>
-          <p:cNvPr id="5" name="Content Placeholder 4" descr="Chart, scatter chart&#10;&#10;Description automatically generated">
+      <p:sp>
+        <p:nvSpPr>
+          <p:cNvPr id="3" name="Content Placeholder 2">
             <a:extLst>
               <a:ext uri="{FF2B5EF4-FFF2-40B4-BE49-F238E27FC236}">
-                <a16:creationId xmlns:a16="http://schemas.microsoft.com/office/drawing/2014/main" id="{5DFDD05A-5611-427A-B8DF-D980895BBBF1}"/>
+                <a16:creationId xmlns:a16="http://schemas.microsoft.com/office/drawing/2014/main" id="{FA41D7D3-6AB0-4AD8-AA68-3A740B3C9E19}"/>
               </a:ext>
             </a:extLst>
           </p:cNvPr>
-          <p:cNvPicPr>
-            <a:picLocks noGrp="1" noChangeAspect="1"/>
-          </p:cNvPicPr>
+          <p:cNvSpPr>
+            <a:spLocks noGrp="1"/>
+          </p:cNvSpPr>
           <p:nvPr>
             <p:ph idx="1"/>
           </p:nvPr>
-        </p:nvPicPr>
-        <p:blipFill>
-          <a:blip r:embed="rId3">
-            <a:extLst>
-              <a:ext uri="{28A0092B-C50C-407E-A947-70E740481C1C}">
-                <a14:useLocalDpi xmlns:a14="http://schemas.microsoft.com/office/drawing/2010/main" val="0"/>
-              </a:ext>
-            </a:extLst>
-          </a:blip>
-          <a:stretch>
-            <a:fillRect/>
-          </a:stretch>
-        </p:blipFill>
-        <p:spPr>
-          <a:xfrm>
-            <a:off x="1359046" y="1789112"/>
-            <a:ext cx="8351791" cy="5068887"/>
-          </a:xfrm>
-        </p:spPr>
-      </p:pic>
+        </p:nvSpPr>
+        <p:spPr/>
+        <p:txBody>
+          <a:bodyPr/>
+          <a:lstStyle/>
+          <a:p>
+            <a:endParaRPr lang="en-US"/>
+          </a:p>
+        </p:txBody>
+      </p:sp>
     </p:spTree>
     <p:extLst>
       <p:ext uri="{BB962C8B-B14F-4D97-AF65-F5344CB8AC3E}">
-        <p14:creationId xmlns:p14="http://schemas.microsoft.com/office/powerpoint/2010/main" val="1428659882"/>
+        <p14:creationId xmlns:p14="http://schemas.microsoft.com/office/powerpoint/2010/main" val="1763201549"/>
       </p:ext>
     </p:extLst>
   </p:cSld>
@@ -5263,10 +5143,10 @@
       </p:grpSpPr>
       <p:sp>
         <p:nvSpPr>
-          <p:cNvPr id="2" name="Title 1">
+          <p:cNvPr id="2" name="Tytuł 1">
             <a:extLst>
               <a:ext uri="{FF2B5EF4-FFF2-40B4-BE49-F238E27FC236}">
-                <a16:creationId xmlns:a16="http://schemas.microsoft.com/office/drawing/2014/main" id="{1E2E6B7E-B75E-4B8D-8137-857BD4205601}"/>
+                <a16:creationId xmlns:a16="http://schemas.microsoft.com/office/drawing/2014/main" id="{E39ADD3F-8B20-4D46-890F-ABDA09A98334}"/>
               </a:ext>
             </a:extLst>
           </p:cNvPr>
@@ -5277,28 +5157,57 @@
             <p:ph type="title"/>
           </p:nvPr>
         </p:nvSpPr>
+        <p:spPr/>
+        <p:txBody>
+          <a:bodyPr/>
+          <a:lstStyle/>
+          <a:p>
+            <a:br>
+              <a:rPr lang="en-US" dirty="0"/>
+            </a:br>
+            <a:endParaRPr lang="pl-PL" dirty="0"/>
+          </a:p>
+        </p:txBody>
+      </p:sp>
+      <p:pic>
+        <p:nvPicPr>
+          <p:cNvPr id="13" name="Symbol zastępczy zawartości 12">
+            <a:extLst>
+              <a:ext uri="{FF2B5EF4-FFF2-40B4-BE49-F238E27FC236}">
+                <a16:creationId xmlns:a16="http://schemas.microsoft.com/office/drawing/2014/main" id="{48D33886-FB38-1C49-9541-8BFDB7BFA42F}"/>
+              </a:ext>
+            </a:extLst>
+          </p:cNvPr>
+          <p:cNvPicPr>
+            <a:picLocks noGrp="1" noChangeAspect="1"/>
+          </p:cNvPicPr>
+          <p:nvPr>
+            <p:ph idx="1"/>
+          </p:nvPr>
+        </p:nvPicPr>
+        <p:blipFill>
+          <a:blip r:embed="rId3">
+            <a:extLst>
+              <a:ext uri="{28A0092B-C50C-407E-A947-70E740481C1C}">
+                <a14:useLocalDpi xmlns:a14="http://schemas.microsoft.com/office/drawing/2010/main" val="0"/>
+              </a:ext>
+            </a:extLst>
+          </a:blip>
+          <a:stretch>
+            <a:fillRect/>
+          </a:stretch>
+        </p:blipFill>
         <p:spPr>
           <a:xfrm>
-            <a:off x="1008017" y="2481308"/>
-            <a:ext cx="10515600" cy="1325563"/>
+            <a:off x="55727" y="949973"/>
+            <a:ext cx="12136273" cy="5542902"/>
           </a:xfrm>
         </p:spPr>
-        <p:txBody>
-          <a:bodyPr/>
-          <a:lstStyle/>
-          <a:p>
-            <a:r>
-              <a:rPr lang="en-ZW" dirty="0"/>
-              <a:t>The worst races</a:t>
-            </a:r>
-            <a:endParaRPr lang="en-US" dirty="0"/>
-          </a:p>
-        </p:txBody>
-      </p:sp>
+      </p:pic>
     </p:spTree>
     <p:extLst>
       <p:ext uri="{BB962C8B-B14F-4D97-AF65-F5344CB8AC3E}">
-        <p14:creationId xmlns:p14="http://schemas.microsoft.com/office/powerpoint/2010/main" val="3630268706"/>
+        <p14:creationId xmlns:p14="http://schemas.microsoft.com/office/powerpoint/2010/main" val="4076154281"/>
       </p:ext>
     </p:extLst>
   </p:cSld>

--- a/Presentation/F1_Presentation_Moyo_Majak.pptx
+++ b/Presentation/F1_Presentation_Moyo_Majak.pptx
@@ -5,22 +5,20 @@
     <p:sldMasterId id="2147483648" r:id="rId1"/>
   </p:sldMasterIdLst>
   <p:notesMasterIdLst>
-    <p:notesMasterId r:id="rId15"/>
+    <p:notesMasterId r:id="rId13"/>
   </p:notesMasterIdLst>
   <p:sldIdLst>
     <p:sldId id="256" r:id="rId2"/>
-    <p:sldId id="257" r:id="rId3"/>
-    <p:sldId id="258" r:id="rId4"/>
-    <p:sldId id="260" r:id="rId5"/>
-    <p:sldId id="259" r:id="rId6"/>
-    <p:sldId id="268" r:id="rId7"/>
-    <p:sldId id="264" r:id="rId8"/>
-    <p:sldId id="262" r:id="rId9"/>
+    <p:sldId id="258" r:id="rId3"/>
+    <p:sldId id="269" r:id="rId4"/>
+    <p:sldId id="257" r:id="rId5"/>
+    <p:sldId id="260" r:id="rId6"/>
+    <p:sldId id="259" r:id="rId7"/>
+    <p:sldId id="268" r:id="rId8"/>
+    <p:sldId id="271" r:id="rId9"/>
     <p:sldId id="261" r:id="rId10"/>
-    <p:sldId id="265" r:id="rId11"/>
-    <p:sldId id="263" r:id="rId12"/>
-    <p:sldId id="266" r:id="rId13"/>
-    <p:sldId id="267" r:id="rId14"/>
+    <p:sldId id="263" r:id="rId11"/>
+    <p:sldId id="270" r:id="rId12"/>
   </p:sldIdLst>
   <p:sldSz cx="12192000" cy="6858000"/>
   <p:notesSz cx="6858000" cy="9144000"/>
@@ -209,7 +207,7 @@
           <a:p>
             <a:fld id="{B3CDF40C-5A9A-4B37-9F4E-A337933060DF}" type="datetimeFigureOut">
               <a:rPr lang="en-US" smtClean="0"/>
-              <a:t>1/21/21</a:t>
+              <a:t>1/22/21</a:t>
             </a:fld>
             <a:endParaRPr lang="en-US"/>
           </a:p>
@@ -520,117 +518,154 @@
           <a:bodyPr/>
           <a:lstStyle/>
           <a:p>
-            <a:pPr marL="0" marR="0" lvl="0" indent="0" algn="l" defTabSz="914400" rtl="0" eaLnBrk="1" fontAlgn="auto" latinLnBrk="0" hangingPunct="1">
-              <a:lnSpc>
-                <a:spcPct val="100000"/>
-              </a:lnSpc>
-              <a:spcBef>
-                <a:spcPts val="0"/>
-              </a:spcBef>
-              <a:spcAft>
-                <a:spcPts val="0"/>
-              </a:spcAft>
-              <a:buClrTx/>
-              <a:buSzTx/>
-              <a:buFontTx/>
-              <a:buNone/>
-              <a:tabLst/>
-              <a:defRPr/>
-            </a:pPr>
-            <a:r>
-              <a:rPr lang="en-US" b="1" i="0" dirty="0">
-                <a:solidFill>
-                  <a:srgbClr val="202124"/>
-                </a:solidFill>
+            <a:r>
+              <a:rPr lang="en-US" dirty="0">
                 <a:effectLst/>
-                <a:latin typeface="arial" panose="020B0604020202020204" pitchFamily="34" charset="0"/>
+                <a:latin typeface="SFMono-Regular"/>
               </a:rPr>
-              <a:t>Formula 1 is known world over and is not only popular for motorsport lovers but all other people too. It</a:t>
-            </a:r>
-            <a:r>
-              <a:rPr lang="en-US" b="0" i="0" dirty="0">
-                <a:solidFill>
-                  <a:srgbClr val="202124"/>
-                </a:solidFill>
+              <a:t>The dataset used in this project consists of information about F1 races statistics from 1950 until the latest 2020 season. </a:t>
+            </a:r>
+          </a:p>
+          <a:p>
+            <a:r>
+              <a:rPr lang="en-US" dirty="0">
                 <a:effectLst/>
-                <a:latin typeface="arial" panose="020B0604020202020204" pitchFamily="34" charset="0"/>
+                <a:latin typeface="SFMono-Regular"/>
               </a:rPr>
-              <a:t> is a massive research and development powerhouse. Some research has shown that technologies developed within F1 team factories find their way into other industries, making human lives simpler, safer and more efficient.</a:t>
-            </a:r>
-          </a:p>
-          <a:p>
-            <a:pPr marL="0" marR="0" lvl="0" indent="0" algn="l" defTabSz="914400" rtl="0" eaLnBrk="1" fontAlgn="auto" latinLnBrk="0" hangingPunct="1">
-              <a:lnSpc>
-                <a:spcPct val="100000"/>
-              </a:lnSpc>
-              <a:spcBef>
-                <a:spcPts val="0"/>
-              </a:spcBef>
-              <a:spcAft>
-                <a:spcPts val="0"/>
-              </a:spcAft>
-              <a:buClrTx/>
-              <a:buSzTx/>
-              <a:buFontTx/>
-              <a:buNone/>
-              <a:tabLst/>
-              <a:defRPr/>
-            </a:pPr>
-            <a:endParaRPr lang="en-US" b="0" i="0" dirty="0">
-              <a:solidFill>
-                <a:srgbClr val="202124"/>
-              </a:solidFill>
+              <a:t>It was shared by </a:t>
+            </a:r>
+            <a:r>
+              <a:rPr lang="en-US" dirty="0" err="1">
+                <a:effectLst/>
+                <a:latin typeface="SFMono-Regular"/>
+              </a:rPr>
+              <a:t>Vopani</a:t>
+            </a:r>
+            <a:r>
+              <a:rPr lang="en-US" dirty="0">
+                <a:effectLst/>
+                <a:latin typeface="SFMono-Regular"/>
+              </a:rPr>
+              <a:t> on the Kaggle platform and consists of 13 csv files: </a:t>
+            </a:r>
+          </a:p>
+          <a:p>
+            <a:endParaRPr lang="en-US" dirty="0">
               <a:effectLst/>
-              <a:latin typeface="arial" panose="020B0604020202020204" pitchFamily="34" charset="0"/>
+              <a:latin typeface="SFMono-Regular"/>
             </a:endParaRPr>
           </a:p>
           <a:p>
-            <a:pPr marL="0" marR="0" lvl="0" indent="0" algn="l" defTabSz="914400" rtl="0" eaLnBrk="1" fontAlgn="auto" latinLnBrk="0" hangingPunct="1">
-              <a:lnSpc>
-                <a:spcPct val="100000"/>
-              </a:lnSpc>
-              <a:spcBef>
-                <a:spcPts val="0"/>
-              </a:spcBef>
-              <a:spcAft>
-                <a:spcPts val="0"/>
-              </a:spcAft>
-              <a:buClrTx/>
-              <a:buSzTx/>
-              <a:buFontTx/>
-              <a:buNone/>
-              <a:tabLst/>
-              <a:defRPr/>
-            </a:pPr>
-            <a:r>
-              <a:rPr lang="en-US" b="0" i="0" dirty="0">
-                <a:solidFill>
-                  <a:srgbClr val="202124"/>
-                </a:solidFill>
+            <a:r>
+              <a:rPr lang="en-US" dirty="0">
                 <a:effectLst/>
-                <a:latin typeface="arial" panose="020B0604020202020204" pitchFamily="34" charset="0"/>
+                <a:latin typeface="SFMono-Regular"/>
               </a:rPr>
-              <a:t>Over the past 70 years F1 has been done in 6 continents and this map of circuits shows a densely populated number of races being in Europe</a:t>
-            </a:r>
-          </a:p>
-          <a:p>
-            <a:pPr marL="0" marR="0" lvl="0" indent="0" algn="l" defTabSz="914400" rtl="0" eaLnBrk="1" fontAlgn="auto" latinLnBrk="0" hangingPunct="1">
-              <a:lnSpc>
-                <a:spcPct val="100000"/>
-              </a:lnSpc>
-              <a:spcBef>
-                <a:spcPts val="0"/>
-              </a:spcBef>
-              <a:spcAft>
-                <a:spcPts val="0"/>
-              </a:spcAft>
-              <a:buClrTx/>
-              <a:buSzTx/>
-              <a:buFontTx/>
-              <a:buNone/>
-              <a:tabLst/>
-              <a:defRPr/>
-            </a:pPr>
+              <a:t>* circuits* </a:t>
+            </a:r>
+            <a:r>
+              <a:rPr lang="en-US" dirty="0" err="1">
+                <a:effectLst/>
+                <a:latin typeface="SFMono-Regular"/>
+              </a:rPr>
+              <a:t>constructor_results</a:t>
+            </a:r>
+            <a:r>
+              <a:rPr lang="en-US" dirty="0">
+                <a:effectLst/>
+                <a:latin typeface="SFMono-Regular"/>
+              </a:rPr>
+              <a:t>* </a:t>
+            </a:r>
+            <a:r>
+              <a:rPr lang="en-US" dirty="0" err="1">
+                <a:effectLst/>
+                <a:latin typeface="SFMono-Regular"/>
+              </a:rPr>
+              <a:t>constructor_standings</a:t>
+            </a:r>
+            <a:r>
+              <a:rPr lang="en-US" dirty="0">
+                <a:effectLst/>
+                <a:latin typeface="SFMono-Regular"/>
+              </a:rPr>
+              <a:t>* constructors* </a:t>
+            </a:r>
+            <a:r>
+              <a:rPr lang="en-US" dirty="0" err="1">
+                <a:effectLst/>
+                <a:latin typeface="SFMono-Regular"/>
+              </a:rPr>
+              <a:t>driver_standings</a:t>
+            </a:r>
+            <a:r>
+              <a:rPr lang="en-US" dirty="0">
+                <a:effectLst/>
+                <a:latin typeface="SFMono-Regular"/>
+              </a:rPr>
+              <a:t>* drivers* </a:t>
+            </a:r>
+            <a:r>
+              <a:rPr lang="en-US" dirty="0" err="1">
+                <a:effectLst/>
+                <a:latin typeface="SFMono-Regular"/>
+              </a:rPr>
+              <a:t>lap_times</a:t>
+            </a:r>
+            <a:r>
+              <a:rPr lang="en-US" dirty="0">
+                <a:effectLst/>
+                <a:latin typeface="SFMono-Regular"/>
+              </a:rPr>
+              <a:t>* </a:t>
+            </a:r>
+            <a:r>
+              <a:rPr lang="en-US" dirty="0" err="1">
+                <a:effectLst/>
+                <a:latin typeface="SFMono-Regular"/>
+              </a:rPr>
+              <a:t>pit_stops</a:t>
+            </a:r>
+            <a:r>
+              <a:rPr lang="en-US" dirty="0">
+                <a:effectLst/>
+                <a:latin typeface="SFMono-Regular"/>
+              </a:rPr>
+              <a:t>* qualifying* races* results* seasons* status</a:t>
+            </a:r>
+          </a:p>
+          <a:p>
+            <a:endParaRPr lang="en-US" dirty="0">
+              <a:effectLst/>
+              <a:latin typeface="SFMono-Regular"/>
+            </a:endParaRPr>
+          </a:p>
+          <a:p>
+            <a:r>
+              <a:rPr lang="en-US" dirty="0">
+                <a:effectLst/>
+                <a:latin typeface="SFMono-Regular"/>
+              </a:rPr>
+              <a:t>It is a real challenge to compare drivers, cars and teams, considering very complex structure of the cars and the numerous changing factors on the track.</a:t>
+            </a:r>
+          </a:p>
+          <a:p>
+            <a:endParaRPr lang="en-US" dirty="0">
+              <a:effectLst/>
+              <a:latin typeface="SFMono-Regular"/>
+            </a:endParaRPr>
+          </a:p>
+          <a:p>
+            <a:r>
+              <a:rPr lang="en-US" dirty="0">
+                <a:effectLst/>
+                <a:latin typeface="SFMono-Regular"/>
+              </a:rPr>
+              <a:t>In this project we wish to answer a few interesting questions using some R visualization techniques </a:t>
+            </a:r>
+            <a:br>
+              <a:rPr lang="en-US" dirty="0"/>
+            </a:br>
             <a:endParaRPr lang="en-US" dirty="0"/>
           </a:p>
           <a:p>
@@ -664,7 +699,7 @@
     </p:spTree>
     <p:extLst>
       <p:ext uri="{BB962C8B-B14F-4D97-AF65-F5344CB8AC3E}">
-        <p14:creationId xmlns:p14="http://schemas.microsoft.com/office/powerpoint/2010/main" val="2558565497"/>
+        <p14:creationId xmlns:p14="http://schemas.microsoft.com/office/powerpoint/2010/main" val="3824148919"/>
       </p:ext>
     </p:extLst>
   </p:cSld>
@@ -899,7 +934,7 @@
     </p:spTree>
     <p:extLst>
       <p:ext uri="{BB962C8B-B14F-4D97-AF65-F5344CB8AC3E}">
-        <p14:creationId xmlns:p14="http://schemas.microsoft.com/office/powerpoint/2010/main" val="3824148919"/>
+        <p14:creationId xmlns:p14="http://schemas.microsoft.com/office/powerpoint/2010/main" val="1963957949"/>
       </p:ext>
     </p:extLst>
   </p:cSld>
@@ -953,10 +988,120 @@
           <a:bodyPr/>
           <a:lstStyle/>
           <a:p>
-            <a:r>
-              <a:rPr lang="en-ZW" dirty="0"/>
-              <a:t>This question will be evaluated using the following two slides </a:t>
-            </a:r>
+            <a:pPr marL="0" marR="0" lvl="0" indent="0" algn="l" defTabSz="914400" rtl="0" eaLnBrk="1" fontAlgn="auto" latinLnBrk="0" hangingPunct="1">
+              <a:lnSpc>
+                <a:spcPct val="100000"/>
+              </a:lnSpc>
+              <a:spcBef>
+                <a:spcPts val="0"/>
+              </a:spcBef>
+              <a:spcAft>
+                <a:spcPts val="0"/>
+              </a:spcAft>
+              <a:buClrTx/>
+              <a:buSzTx/>
+              <a:buFontTx/>
+              <a:buNone/>
+              <a:tabLst/>
+              <a:defRPr/>
+            </a:pPr>
+            <a:r>
+              <a:rPr lang="en-US" b="1" i="0" dirty="0">
+                <a:solidFill>
+                  <a:srgbClr val="202124"/>
+                </a:solidFill>
+                <a:effectLst/>
+                <a:latin typeface="arial" panose="020B0604020202020204" pitchFamily="34" charset="0"/>
+              </a:rPr>
+              <a:t>Formula 1 is known world over and is not only popular for motorsport lovers but all other people too. It</a:t>
+            </a:r>
+            <a:r>
+              <a:rPr lang="en-US" b="0" i="0" dirty="0">
+                <a:solidFill>
+                  <a:srgbClr val="202124"/>
+                </a:solidFill>
+                <a:effectLst/>
+                <a:latin typeface="arial" panose="020B0604020202020204" pitchFamily="34" charset="0"/>
+              </a:rPr>
+              <a:t> is a massive research and development powerhouse. Some research has shown that technologies developed within F1 team factories find their way into other industries, making human lives simpler, safer and more efficient.</a:t>
+            </a:r>
+          </a:p>
+          <a:p>
+            <a:pPr marL="0" marR="0" lvl="0" indent="0" algn="l" defTabSz="914400" rtl="0" eaLnBrk="1" fontAlgn="auto" latinLnBrk="0" hangingPunct="1">
+              <a:lnSpc>
+                <a:spcPct val="100000"/>
+              </a:lnSpc>
+              <a:spcBef>
+                <a:spcPts val="0"/>
+              </a:spcBef>
+              <a:spcAft>
+                <a:spcPts val="0"/>
+              </a:spcAft>
+              <a:buClrTx/>
+              <a:buSzTx/>
+              <a:buFontTx/>
+              <a:buNone/>
+              <a:tabLst/>
+              <a:defRPr/>
+            </a:pPr>
+            <a:endParaRPr lang="en-US" b="0" i="0" dirty="0">
+              <a:solidFill>
+                <a:srgbClr val="202124"/>
+              </a:solidFill>
+              <a:effectLst/>
+              <a:latin typeface="arial" panose="020B0604020202020204" pitchFamily="34" charset="0"/>
+            </a:endParaRPr>
+          </a:p>
+          <a:p>
+            <a:pPr marL="0" marR="0" lvl="0" indent="0" algn="l" defTabSz="914400" rtl="0" eaLnBrk="1" fontAlgn="auto" latinLnBrk="0" hangingPunct="1">
+              <a:lnSpc>
+                <a:spcPct val="100000"/>
+              </a:lnSpc>
+              <a:spcBef>
+                <a:spcPts val="0"/>
+              </a:spcBef>
+              <a:spcAft>
+                <a:spcPts val="0"/>
+              </a:spcAft>
+              <a:buClrTx/>
+              <a:buSzTx/>
+              <a:buFontTx/>
+              <a:buNone/>
+              <a:tabLst/>
+              <a:defRPr/>
+            </a:pPr>
+            <a:r>
+              <a:rPr lang="en-US" b="0" i="0" dirty="0">
+                <a:solidFill>
+                  <a:srgbClr val="202124"/>
+                </a:solidFill>
+                <a:effectLst/>
+                <a:latin typeface="arial" panose="020B0604020202020204" pitchFamily="34" charset="0"/>
+              </a:rPr>
+              <a:t>Over the past 70 years F1 has been done in 6 continents and this map of circuits shows a densely populated number of races being in Europe</a:t>
+            </a:r>
+          </a:p>
+          <a:p>
+            <a:pPr marL="0" marR="0" lvl="0" indent="0" algn="l" defTabSz="914400" rtl="0" eaLnBrk="1" fontAlgn="auto" latinLnBrk="0" hangingPunct="1">
+              <a:lnSpc>
+                <a:spcPct val="100000"/>
+              </a:lnSpc>
+              <a:spcBef>
+                <a:spcPts val="0"/>
+              </a:spcBef>
+              <a:spcAft>
+                <a:spcPts val="0"/>
+              </a:spcAft>
+              <a:buClrTx/>
+              <a:buSzTx/>
+              <a:buFontTx/>
+              <a:buNone/>
+              <a:tabLst/>
+              <a:defRPr/>
+            </a:pPr>
+            <a:endParaRPr lang="en-US" dirty="0"/>
+          </a:p>
+          <a:p>
             <a:endParaRPr lang="en-US" dirty="0"/>
           </a:p>
         </p:txBody>
@@ -987,7 +1132,7 @@
     </p:spTree>
     <p:extLst>
       <p:ext uri="{BB962C8B-B14F-4D97-AF65-F5344CB8AC3E}">
-        <p14:creationId xmlns:p14="http://schemas.microsoft.com/office/powerpoint/2010/main" val="952584712"/>
+        <p14:creationId xmlns:p14="http://schemas.microsoft.com/office/powerpoint/2010/main" val="2558565497"/>
       </p:ext>
     </p:extLst>
   </p:cSld>
@@ -1043,73 +1188,8 @@
           <a:p>
             <a:r>
               <a:rPr lang="en-ZW" dirty="0"/>
-              <a:t>In each decade there are variations.</a:t>
-            </a:r>
-          </a:p>
-          <a:p>
-            <a:endParaRPr lang="en-ZW" dirty="0"/>
-          </a:p>
-          <a:p>
-            <a:r>
-              <a:rPr lang="en-ZW" dirty="0"/>
-              <a:t>This plot shows the </a:t>
-            </a:r>
-            <a:r>
-              <a:rPr lang="en-US" b="0" i="0" dirty="0">
-                <a:solidFill>
-                  <a:srgbClr val="050505"/>
-                </a:solidFill>
-                <a:effectLst/>
-                <a:latin typeface="Segoe UI Historic" panose="020B0502040204020203" pitchFamily="34" charset="0"/>
-              </a:rPr>
-              <a:t>accumulated sum of points for top 10 </a:t>
-            </a:r>
-            <a:r>
-              <a:rPr lang="en-US" b="0" i="0" dirty="0" err="1">
-                <a:solidFill>
-                  <a:srgbClr val="050505"/>
-                </a:solidFill>
-                <a:effectLst/>
-                <a:latin typeface="Segoe UI Historic" panose="020B0502040204020203" pitchFamily="34" charset="0"/>
-              </a:rPr>
-              <a:t>constractors</a:t>
-            </a:r>
-            <a:r>
-              <a:rPr lang="en-US" b="0" i="0" dirty="0">
-                <a:solidFill>
-                  <a:srgbClr val="050505"/>
-                </a:solidFill>
-                <a:effectLst/>
-                <a:latin typeface="Segoe UI Historic" panose="020B0502040204020203" pitchFamily="34" charset="0"/>
-              </a:rPr>
-              <a:t> over the years</a:t>
-            </a:r>
-          </a:p>
-          <a:p>
-            <a:r>
-              <a:rPr lang="en-US" b="0" i="0" dirty="0">
-                <a:solidFill>
-                  <a:srgbClr val="050505"/>
-                </a:solidFill>
-                <a:effectLst/>
-                <a:latin typeface="Segoe UI Historic" panose="020B0502040204020203" pitchFamily="34" charset="0"/>
-              </a:rPr>
-              <a:t>The accumulated number  for the Mercedes increased the fastest regardless of the Mercedes being introduced in later years.</a:t>
-            </a:r>
-          </a:p>
-          <a:p>
-            <a:r>
-              <a:rPr lang="en-US" b="0" i="0" dirty="0">
-                <a:solidFill>
-                  <a:srgbClr val="050505"/>
-                </a:solidFill>
-                <a:effectLst/>
-                <a:latin typeface="Segoe UI Historic" panose="020B0502040204020203" pitchFamily="34" charset="0"/>
-              </a:rPr>
-              <a:t>The Ferrari has the  highest number of accumulated points</a:t>
-            </a:r>
-          </a:p>
-          <a:p>
+              <a:t>This question will be evaluated using the following two slides </a:t>
+            </a:r>
             <a:endParaRPr lang="en-US" dirty="0"/>
           </a:p>
         </p:txBody>
@@ -1140,7 +1220,7 @@
     </p:spTree>
     <p:extLst>
       <p:ext uri="{BB962C8B-B14F-4D97-AF65-F5344CB8AC3E}">
-        <p14:creationId xmlns:p14="http://schemas.microsoft.com/office/powerpoint/2010/main" val="331220547"/>
+        <p14:creationId xmlns:p14="http://schemas.microsoft.com/office/powerpoint/2010/main" val="952584712"/>
       </p:ext>
     </p:extLst>
   </p:cSld>
@@ -1169,7 +1249,7 @@
       </p:grpSpPr>
       <p:sp>
         <p:nvSpPr>
-          <p:cNvPr id="2" name="Symbol zastępczy obrazu slajdu 1"/>
+          <p:cNvPr id="2" name="Slide Image Placeholder 1"/>
           <p:cNvSpPr>
             <a:spLocks noGrp="1" noRot="1" noChangeAspect="1"/>
           </p:cNvSpPr>
@@ -1181,7 +1261,7 @@
       </p:sp>
       <p:sp>
         <p:nvSpPr>
-          <p:cNvPr id="3" name="Symbol zastępczy notatek 2"/>
+          <p:cNvPr id="3" name="Notes Placeholder 2"/>
           <p:cNvSpPr>
             <a:spLocks noGrp="1"/>
           </p:cNvSpPr>
@@ -1194,13 +1274,82 @@
           <a:bodyPr/>
           <a:lstStyle/>
           <a:p>
-            <a:endParaRPr lang="pl-PL" dirty="0"/>
-          </a:p>
-        </p:txBody>
-      </p:sp>
-      <p:sp>
-        <p:nvSpPr>
-          <p:cNvPr id="4" name="Symbol zastępczy numeru slajdu 3"/>
+            <a:r>
+              <a:rPr lang="en-ZW" dirty="0"/>
+              <a:t>In each decade there are variations.</a:t>
+            </a:r>
+          </a:p>
+          <a:p>
+            <a:endParaRPr lang="en-ZW" dirty="0"/>
+          </a:p>
+          <a:p>
+            <a:r>
+              <a:rPr lang="en-ZW" dirty="0"/>
+              <a:t>This plot shows the </a:t>
+            </a:r>
+            <a:r>
+              <a:rPr lang="en-US" b="0" i="0" dirty="0">
+                <a:solidFill>
+                  <a:srgbClr val="050505"/>
+                </a:solidFill>
+                <a:effectLst/>
+                <a:latin typeface="Segoe UI Historic" panose="020B0502040204020203" pitchFamily="34" charset="0"/>
+              </a:rPr>
+              <a:t>accumulated sum of points for top 10 </a:t>
+            </a:r>
+            <a:r>
+              <a:rPr lang="en-US" b="0" i="0" dirty="0" err="1">
+                <a:solidFill>
+                  <a:srgbClr val="050505"/>
+                </a:solidFill>
+                <a:effectLst/>
+                <a:latin typeface="Segoe UI Historic" panose="020B0502040204020203" pitchFamily="34" charset="0"/>
+              </a:rPr>
+              <a:t>constractors</a:t>
+            </a:r>
+            <a:r>
+              <a:rPr lang="en-US" b="0" i="0" dirty="0">
+                <a:solidFill>
+                  <a:srgbClr val="050505"/>
+                </a:solidFill>
+                <a:effectLst/>
+                <a:latin typeface="Segoe UI Historic" panose="020B0502040204020203" pitchFamily="34" charset="0"/>
+              </a:rPr>
+              <a:t> over the years</a:t>
+            </a:r>
+          </a:p>
+          <a:p>
+            <a:r>
+              <a:rPr lang="en-US" b="0" i="0" dirty="0">
+                <a:solidFill>
+                  <a:srgbClr val="050505"/>
+                </a:solidFill>
+                <a:effectLst/>
+                <a:latin typeface="Segoe UI Historic" panose="020B0502040204020203" pitchFamily="34" charset="0"/>
+              </a:rPr>
+              <a:t>The accumulated number  for the Mercedes increased the fastest regardless of the Mercedes being introduced in later years.</a:t>
+            </a:r>
+          </a:p>
+          <a:p>
+            <a:r>
+              <a:rPr lang="en-US" b="0" i="0" dirty="0">
+                <a:solidFill>
+                  <a:srgbClr val="050505"/>
+                </a:solidFill>
+                <a:effectLst/>
+                <a:latin typeface="Segoe UI Historic" panose="020B0502040204020203" pitchFamily="34" charset="0"/>
+              </a:rPr>
+              <a:t>The Ferrari has the  highest number of accumulated points</a:t>
+            </a:r>
+          </a:p>
+          <a:p>
+            <a:endParaRPr lang="en-US" dirty="0"/>
+          </a:p>
+        </p:txBody>
+      </p:sp>
+      <p:sp>
+        <p:nvSpPr>
+          <p:cNvPr id="4" name="Slide Number Placeholder 3"/>
           <p:cNvSpPr>
             <a:spLocks noGrp="1"/>
           </p:cNvSpPr>
@@ -1224,7 +1373,7 @@
     </p:spTree>
     <p:extLst>
       <p:ext uri="{BB962C8B-B14F-4D97-AF65-F5344CB8AC3E}">
-        <p14:creationId xmlns:p14="http://schemas.microsoft.com/office/powerpoint/2010/main" val="4221663633"/>
+        <p14:creationId xmlns:p14="http://schemas.microsoft.com/office/powerpoint/2010/main" val="331220547"/>
       </p:ext>
     </p:extLst>
   </p:cSld>
@@ -1253,7 +1402,7 @@
       </p:grpSpPr>
       <p:sp>
         <p:nvSpPr>
-          <p:cNvPr id="2" name="Slide Image Placeholder 1"/>
+          <p:cNvPr id="2" name="Symbol zastępczy obrazu slajdu 1"/>
           <p:cNvSpPr>
             <a:spLocks noGrp="1" noRot="1" noChangeAspect="1"/>
           </p:cNvSpPr>
@@ -1265,7 +1414,7 @@
       </p:sp>
       <p:sp>
         <p:nvSpPr>
-          <p:cNvPr id="3" name="Notes Placeholder 2"/>
+          <p:cNvPr id="3" name="Symbol zastępczy notatek 2"/>
           <p:cNvSpPr>
             <a:spLocks noGrp="1"/>
           </p:cNvSpPr>
@@ -1278,35 +1427,13 @@
           <a:bodyPr/>
           <a:lstStyle/>
           <a:p>
-            <a:r>
-              <a:rPr lang="en-US" b="0" i="0" dirty="0">
-                <a:solidFill>
-                  <a:srgbClr val="222222"/>
-                </a:solidFill>
-                <a:effectLst/>
-                <a:latin typeface="Arial" panose="020B0604020202020204" pitchFamily="34" charset="0"/>
-              </a:rPr>
-              <a:t>Do the differences between the cars decrease over the years?</a:t>
-            </a:r>
-          </a:p>
-          <a:p>
-            <a:r>
-              <a:rPr lang="en-US" b="0" i="0" dirty="0">
-                <a:solidFill>
-                  <a:srgbClr val="222222"/>
-                </a:solidFill>
-                <a:effectLst/>
-                <a:latin typeface="Arial" panose="020B0604020202020204" pitchFamily="34" charset="0"/>
-              </a:rPr>
-              <a:t>To answer this question we have used a plot that shows the differences in the number of cars in the past years</a:t>
-            </a:r>
-            <a:endParaRPr lang="en-US" dirty="0"/>
-          </a:p>
-        </p:txBody>
-      </p:sp>
-      <p:sp>
-        <p:nvSpPr>
-          <p:cNvPr id="4" name="Slide Number Placeholder 3"/>
+            <a:endParaRPr lang="pl-PL" dirty="0"/>
+          </a:p>
+        </p:txBody>
+      </p:sp>
+      <p:sp>
+        <p:nvSpPr>
+          <p:cNvPr id="4" name="Symbol zastępczy numeru slajdu 3"/>
           <p:cNvSpPr>
             <a:spLocks noGrp="1"/>
           </p:cNvSpPr>
@@ -1321,7 +1448,7 @@
           <a:p>
             <a:fld id="{8B16C77F-3968-400F-9FFF-E15A5979D213}" type="slidenum">
               <a:rPr lang="en-US" smtClean="0"/>
-              <a:t>8</a:t>
+              <a:t>7</a:t>
             </a:fld>
             <a:endParaRPr lang="en-US"/>
           </a:p>
@@ -1330,7 +1457,7 @@
     </p:spTree>
     <p:extLst>
       <p:ext uri="{BB962C8B-B14F-4D97-AF65-F5344CB8AC3E}">
-        <p14:creationId xmlns:p14="http://schemas.microsoft.com/office/powerpoint/2010/main" val="500560726"/>
+        <p14:creationId xmlns:p14="http://schemas.microsoft.com/office/powerpoint/2010/main" val="4221663633"/>
       </p:ext>
     </p:extLst>
   </p:cSld>
@@ -1607,7 +1734,7 @@
           <a:p>
             <a:fld id="{276D79ED-3FA7-4EF8-964B-EB8BCFAB02F8}" type="datetimeFigureOut">
               <a:rPr lang="en-US" smtClean="0"/>
-              <a:t>1/21/21</a:t>
+              <a:t>1/22/21</a:t>
             </a:fld>
             <a:endParaRPr lang="en-US"/>
           </a:p>
@@ -1777,7 +1904,7 @@
           <a:p>
             <a:fld id="{276D79ED-3FA7-4EF8-964B-EB8BCFAB02F8}" type="datetimeFigureOut">
               <a:rPr lang="en-US" smtClean="0"/>
-              <a:t>1/21/21</a:t>
+              <a:t>1/22/21</a:t>
             </a:fld>
             <a:endParaRPr lang="en-US"/>
           </a:p>
@@ -2023,7 +2150,7 @@
           <a:p>
             <a:fld id="{276D79ED-3FA7-4EF8-964B-EB8BCFAB02F8}" type="datetimeFigureOut">
               <a:rPr lang="en-US" smtClean="0"/>
-              <a:t>1/21/21</a:t>
+              <a:t>1/22/21</a:t>
             </a:fld>
             <a:endParaRPr lang="en-US"/>
           </a:p>
@@ -2255,7 +2382,7 @@
           <a:p>
             <a:fld id="{276D79ED-3FA7-4EF8-964B-EB8BCFAB02F8}" type="datetimeFigureOut">
               <a:rPr lang="en-US" smtClean="0"/>
-              <a:t>1/21/21</a:t>
+              <a:t>1/22/21</a:t>
             </a:fld>
             <a:endParaRPr lang="en-US"/>
           </a:p>
@@ -2622,7 +2749,7 @@
           <a:p>
             <a:fld id="{276D79ED-3FA7-4EF8-964B-EB8BCFAB02F8}" type="datetimeFigureOut">
               <a:rPr lang="en-US" smtClean="0"/>
-              <a:t>1/21/21</a:t>
+              <a:t>1/22/21</a:t>
             </a:fld>
             <a:endParaRPr lang="en-US"/>
           </a:p>
@@ -2740,7 +2867,7 @@
           <a:p>
             <a:fld id="{276D79ED-3FA7-4EF8-964B-EB8BCFAB02F8}" type="datetimeFigureOut">
               <a:rPr lang="en-US" smtClean="0"/>
-              <a:t>1/21/21</a:t>
+              <a:t>1/22/21</a:t>
             </a:fld>
             <a:endParaRPr lang="en-US"/>
           </a:p>
@@ -2835,7 +2962,7 @@
           <a:p>
             <a:fld id="{276D79ED-3FA7-4EF8-964B-EB8BCFAB02F8}" type="datetimeFigureOut">
               <a:rPr lang="en-US" smtClean="0"/>
-              <a:t>1/21/21</a:t>
+              <a:t>1/22/21</a:t>
             </a:fld>
             <a:endParaRPr lang="en-US"/>
           </a:p>
@@ -3112,7 +3239,7 @@
           <a:p>
             <a:fld id="{276D79ED-3FA7-4EF8-964B-EB8BCFAB02F8}" type="datetimeFigureOut">
               <a:rPr lang="en-US" smtClean="0"/>
-              <a:t>1/21/21</a:t>
+              <a:t>1/22/21</a:t>
             </a:fld>
             <a:endParaRPr lang="en-US"/>
           </a:p>
@@ -3369,7 +3496,7 @@
           <a:p>
             <a:fld id="{276D79ED-3FA7-4EF8-964B-EB8BCFAB02F8}" type="datetimeFigureOut">
               <a:rPr lang="en-US" smtClean="0"/>
-              <a:t>1/21/21</a:t>
+              <a:t>1/22/21</a:t>
             </a:fld>
             <a:endParaRPr lang="en-US"/>
           </a:p>
@@ -3590,7 +3717,7 @@
             <a:fld id="{276D79ED-3FA7-4EF8-964B-EB8BCFAB02F8}" type="datetimeFigureOut">
               <a:rPr lang="en-US" smtClean="0"/>
               <a:pPr/>
-              <a:t>1/21/21</a:t>
+              <a:t>1/22/21</a:t>
             </a:fld>
             <a:endParaRPr lang="en-US"/>
           </a:p>
@@ -4204,7 +4331,7 @@
           <p:cNvPr id="2" name="Title 1">
             <a:extLst>
               <a:ext uri="{FF2B5EF4-FFF2-40B4-BE49-F238E27FC236}">
-                <a16:creationId xmlns:a16="http://schemas.microsoft.com/office/drawing/2014/main" id="{8F694C84-9122-407A-9335-7FF043C3E2A2}"/>
+                <a16:creationId xmlns:a16="http://schemas.microsoft.com/office/drawing/2014/main" id="{EEDF7E60-BEFF-4D9E-97E4-1C50543309DE}"/>
               </a:ext>
             </a:extLst>
           </p:cNvPr>
@@ -4220,7 +4347,17 @@
           <a:bodyPr/>
           <a:lstStyle/>
           <a:p>
-            <a:endParaRPr lang="en-US"/>
+            <a:r>
+              <a:rPr lang="en-US" b="0" i="0" dirty="0">
+                <a:solidFill>
+                  <a:srgbClr val="222222"/>
+                </a:solidFill>
+                <a:effectLst/>
+                <a:latin typeface="Arial" panose="020B0604020202020204" pitchFamily="34" charset="0"/>
+              </a:rPr>
+              <a:t>Which F1 circuits provide a more even fight?</a:t>
+            </a:r>
+            <a:endParaRPr lang="en-US" dirty="0"/>
           </a:p>
         </p:txBody>
       </p:sp>
@@ -4229,7 +4366,7 @@
           <p:cNvPr id="3" name="Content Placeholder 2">
             <a:extLst>
               <a:ext uri="{FF2B5EF4-FFF2-40B4-BE49-F238E27FC236}">
-                <a16:creationId xmlns:a16="http://schemas.microsoft.com/office/drawing/2014/main" id="{3367C7C9-20B6-4F7A-BF6E-D7967B105B94}"/>
+                <a16:creationId xmlns:a16="http://schemas.microsoft.com/office/drawing/2014/main" id="{8938693A-BE4E-41A4-8570-AADF18D1A1A5}"/>
               </a:ext>
             </a:extLst>
           </p:cNvPr>
@@ -4252,7 +4389,7 @@
     </p:spTree>
     <p:extLst>
       <p:ext uri="{BB962C8B-B14F-4D97-AF65-F5344CB8AC3E}">
-        <p14:creationId xmlns:p14="http://schemas.microsoft.com/office/powerpoint/2010/main" val="4132244438"/>
+        <p14:creationId xmlns:p14="http://schemas.microsoft.com/office/powerpoint/2010/main" val="441530103"/>
       </p:ext>
     </p:extLst>
   </p:cSld>
@@ -4281,41 +4418,6 @@
       </p:grpSpPr>
       <p:sp>
         <p:nvSpPr>
-          <p:cNvPr id="2" name="Title 1">
-            <a:extLst>
-              <a:ext uri="{FF2B5EF4-FFF2-40B4-BE49-F238E27FC236}">
-                <a16:creationId xmlns:a16="http://schemas.microsoft.com/office/drawing/2014/main" id="{EEDF7E60-BEFF-4D9E-97E4-1C50543309DE}"/>
-              </a:ext>
-            </a:extLst>
-          </p:cNvPr>
-          <p:cNvSpPr>
-            <a:spLocks noGrp="1"/>
-          </p:cNvSpPr>
-          <p:nvPr>
-            <p:ph type="title"/>
-          </p:nvPr>
-        </p:nvSpPr>
-        <p:spPr/>
-        <p:txBody>
-          <a:bodyPr/>
-          <a:lstStyle/>
-          <a:p>
-            <a:r>
-              <a:rPr lang="en-US" b="0" i="0" dirty="0">
-                <a:solidFill>
-                  <a:srgbClr val="222222"/>
-                </a:solidFill>
-                <a:effectLst/>
-                <a:latin typeface="Arial" panose="020B0604020202020204" pitchFamily="34" charset="0"/>
-              </a:rPr>
-              <a:t>Which F1 circuits provide a more even fight?</a:t>
-            </a:r>
-            <a:endParaRPr lang="en-US" dirty="0"/>
-          </a:p>
-        </p:txBody>
-      </p:sp>
-      <p:sp>
-        <p:nvSpPr>
           <p:cNvPr id="3" name="Content Placeholder 2">
             <a:extLst>
               <a:ext uri="{FF2B5EF4-FFF2-40B4-BE49-F238E27FC236}">
@@ -4330,19 +4432,39 @@
             <p:ph idx="1"/>
           </p:nvPr>
         </p:nvSpPr>
-        <p:spPr/>
-        <p:txBody>
-          <a:bodyPr/>
-          <a:lstStyle/>
-          <a:p>
-            <a:endParaRPr lang="en-US"/>
+        <p:spPr>
+          <a:xfrm>
+            <a:off x="838200" y="1235324"/>
+            <a:ext cx="10515600" cy="4387352"/>
+          </a:xfrm>
+        </p:spPr>
+        <p:txBody>
+          <a:bodyPr anchor="ctr">
+            <a:normAutofit/>
+          </a:bodyPr>
+          <a:lstStyle/>
+          <a:p>
+            <a:pPr marL="0" indent="0" algn="ctr">
+              <a:buNone/>
+            </a:pPr>
+            <a:r>
+              <a:rPr lang="en-US" sz="6000" dirty="0"/>
+              <a:t>Thank you </a:t>
+            </a:r>
+            <a:r>
+              <a:rPr lang="en-US" sz="6000" dirty="0">
+                <a:sym typeface="Wingdings" pitchFamily="2" charset="2"/>
+              </a:rPr>
+              <a:t>:)</a:t>
+            </a:r>
+            <a:endParaRPr lang="en-US" sz="6000" dirty="0"/>
           </a:p>
         </p:txBody>
       </p:sp>
     </p:spTree>
     <p:extLst>
       <p:ext uri="{BB962C8B-B14F-4D97-AF65-F5344CB8AC3E}">
-        <p14:creationId xmlns:p14="http://schemas.microsoft.com/office/powerpoint/2010/main" val="441530103"/>
+        <p14:creationId xmlns:p14="http://schemas.microsoft.com/office/powerpoint/2010/main" val="3720207929"/>
       </p:ext>
     </p:extLst>
   </p:cSld>
@@ -4352,7 +4474,7 @@
 </p:sld>
 </file>
 
-<file path=ppt/slides/slide12.xml><?xml version="1.0" encoding="utf-8"?>
+<file path=ppt/slides/slide2.xml><?xml version="1.0" encoding="utf-8"?>
 <p:sld xmlns:a="http://schemas.openxmlformats.org/drawingml/2006/main" xmlns:r="http://schemas.openxmlformats.org/officeDocument/2006/relationships" xmlns:p="http://schemas.openxmlformats.org/presentationml/2006/main">
   <p:cSld>
     <p:spTree>
@@ -4371,10 +4493,10 @@
       </p:grpSpPr>
       <p:sp>
         <p:nvSpPr>
-          <p:cNvPr id="2" name="Title 1">
+          <p:cNvPr id="2" name="Tytuł 1">
             <a:extLst>
               <a:ext uri="{FF2B5EF4-FFF2-40B4-BE49-F238E27FC236}">
-                <a16:creationId xmlns:a16="http://schemas.microsoft.com/office/drawing/2014/main" id="{B758140B-DA3C-4E1C-86A8-59DD2BA8B7C7}"/>
+                <a16:creationId xmlns:a16="http://schemas.microsoft.com/office/drawing/2014/main" id="{C2B7D4FF-31D8-4941-99F4-92DD7B5B5696}"/>
               </a:ext>
             </a:extLst>
           </p:cNvPr>
@@ -4390,16 +4512,20 @@
           <a:bodyPr/>
           <a:lstStyle/>
           <a:p>
-            <a:endParaRPr lang="en-US"/>
-          </a:p>
-        </p:txBody>
-      </p:sp>
-      <p:sp>
-        <p:nvSpPr>
-          <p:cNvPr id="3" name="Content Placeholder 2">
+            <a:r>
+              <a:rPr lang="en-ZW" dirty="0"/>
+              <a:t>Data Description</a:t>
+            </a:r>
+            <a:endParaRPr lang="pl-PL" dirty="0"/>
+          </a:p>
+        </p:txBody>
+      </p:sp>
+      <p:sp>
+        <p:nvSpPr>
+          <p:cNvPr id="3" name="Symbol zastępczy zawartości 2">
             <a:extLst>
               <a:ext uri="{FF2B5EF4-FFF2-40B4-BE49-F238E27FC236}">
-                <a16:creationId xmlns:a16="http://schemas.microsoft.com/office/drawing/2014/main" id="{26C33385-9021-401E-888D-847C296E1958}"/>
+                <a16:creationId xmlns:a16="http://schemas.microsoft.com/office/drawing/2014/main" id="{3031109E-5CA7-DE4D-B7EE-D72C66066559}"/>
               </a:ext>
             </a:extLst>
           </p:cNvPr>
@@ -4412,17 +4538,75 @@
         </p:nvSpPr>
         <p:spPr/>
         <p:txBody>
-          <a:bodyPr/>
-          <a:lstStyle/>
-          <a:p>
-            <a:endParaRPr lang="en-US"/>
+          <a:bodyPr>
+            <a:normAutofit lnSpcReduction="10000"/>
+          </a:bodyPr>
+          <a:lstStyle/>
+          <a:p>
+            <a:pPr>
+              <a:lnSpc>
+                <a:spcPct val="150000"/>
+              </a:lnSpc>
+            </a:pPr>
+            <a:r>
+              <a:rPr lang="en-ZW" dirty="0"/>
+              <a:t>Data set from Kaggle platform</a:t>
+            </a:r>
+          </a:p>
+          <a:p>
+            <a:pPr>
+              <a:lnSpc>
+                <a:spcPct val="150000"/>
+              </a:lnSpc>
+            </a:pPr>
+            <a:r>
+              <a:rPr lang="en-ZW" dirty="0"/>
+              <a:t>F1 seasons statistics from 1950 to 2020</a:t>
+            </a:r>
+          </a:p>
+          <a:p>
+            <a:pPr>
+              <a:lnSpc>
+                <a:spcPct val="150000"/>
+              </a:lnSpc>
+            </a:pPr>
+            <a:r>
+              <a:rPr lang="en-ZW" dirty="0"/>
+              <a:t>Problem statement : Challenge in comparing complex F1 data</a:t>
+            </a:r>
+          </a:p>
+          <a:p>
+            <a:pPr>
+              <a:lnSpc>
+                <a:spcPct val="150000"/>
+              </a:lnSpc>
+            </a:pPr>
+            <a:r>
+              <a:rPr lang="en-ZW" dirty="0"/>
+              <a:t>Aim of the project: Use visualisation techniques to analyse F1 data</a:t>
+            </a:r>
+          </a:p>
+          <a:p>
+            <a:pPr>
+              <a:lnSpc>
+                <a:spcPct val="150000"/>
+              </a:lnSpc>
+            </a:pPr>
+            <a:r>
+              <a:rPr lang="en-ZW" dirty="0"/>
+              <a:t>Data structure…</a:t>
+            </a:r>
+            <a:endParaRPr lang="pl-PL" dirty="0"/>
+          </a:p>
+          <a:p>
+            <a:endParaRPr lang="pl-PL" dirty="0"/>
           </a:p>
         </p:txBody>
       </p:sp>
     </p:spTree>
     <p:extLst>
       <p:ext uri="{BB962C8B-B14F-4D97-AF65-F5344CB8AC3E}">
-        <p14:creationId xmlns:p14="http://schemas.microsoft.com/office/powerpoint/2010/main" val="1146285114"/>
+        <p14:creationId xmlns:p14="http://schemas.microsoft.com/office/powerpoint/2010/main" val="2131014041"/>
       </p:ext>
     </p:extLst>
   </p:cSld>
@@ -4432,7 +4616,7 @@
 </p:sld>
 </file>
 
-<file path=ppt/slides/slide13.xml><?xml version="1.0" encoding="utf-8"?>
+<file path=ppt/slides/slide3.xml><?xml version="1.0" encoding="utf-8"?>
 <p:sld xmlns:a="http://schemas.openxmlformats.org/drawingml/2006/main" xmlns:r="http://schemas.openxmlformats.org/officeDocument/2006/relationships" xmlns:p="http://schemas.openxmlformats.org/presentationml/2006/main">
   <p:cSld>
     <p:spTree>
@@ -4449,60 +4633,46 @@
           <a:chExt cx="0" cy="0"/>
         </a:xfrm>
       </p:grpSpPr>
-      <p:sp>
-        <p:nvSpPr>
-          <p:cNvPr id="2" name="Title 1">
+      <p:pic>
+        <p:nvPicPr>
+          <p:cNvPr id="12" name="Obraz 11">
             <a:extLst>
               <a:ext uri="{FF2B5EF4-FFF2-40B4-BE49-F238E27FC236}">
-                <a16:creationId xmlns:a16="http://schemas.microsoft.com/office/drawing/2014/main" id="{C9B8B670-10AF-4670-9B5B-72C74EBED351}"/>
+                <a16:creationId xmlns:a16="http://schemas.microsoft.com/office/drawing/2014/main" id="{FFDCCD6B-F5C3-1943-AAB6-20BA2947C7CC}"/>
               </a:ext>
             </a:extLst>
           </p:cNvPr>
-          <p:cNvSpPr>
-            <a:spLocks noGrp="1"/>
-          </p:cNvSpPr>
-          <p:nvPr>
-            <p:ph type="title"/>
-          </p:nvPr>
-        </p:nvSpPr>
-        <p:spPr/>
-        <p:txBody>
-          <a:bodyPr/>
-          <a:lstStyle/>
-          <a:p>
-            <a:endParaRPr lang="en-US"/>
-          </a:p>
-        </p:txBody>
-      </p:sp>
-      <p:sp>
-        <p:nvSpPr>
-          <p:cNvPr id="3" name="Content Placeholder 2">
+          <p:cNvPicPr>
+            <a:picLocks noChangeAspect="1"/>
+          </p:cNvPicPr>
+          <p:nvPr/>
+        </p:nvPicPr>
+        <p:blipFill>
+          <a:blip r:embed="rId3">
             <a:extLst>
-              <a:ext uri="{FF2B5EF4-FFF2-40B4-BE49-F238E27FC236}">
-                <a16:creationId xmlns:a16="http://schemas.microsoft.com/office/drawing/2014/main" id="{38028842-3987-4655-AC3E-B9CF6EC8EF61}"/>
+              <a:ext uri="{28A0092B-C50C-407E-A947-70E740481C1C}">
+                <a14:useLocalDpi xmlns:a14="http://schemas.microsoft.com/office/drawing/2010/main" val="0"/>
               </a:ext>
             </a:extLst>
-          </p:cNvPr>
-          <p:cNvSpPr>
-            <a:spLocks noGrp="1"/>
-          </p:cNvSpPr>
-          <p:nvPr>
-            <p:ph idx="1"/>
-          </p:nvPr>
-        </p:nvSpPr>
-        <p:spPr/>
-        <p:txBody>
-          <a:bodyPr/>
-          <a:lstStyle/>
-          <a:p>
-            <a:endParaRPr lang="en-US"/>
-          </a:p>
-        </p:txBody>
-      </p:sp>
+          </a:blip>
+          <a:stretch>
+            <a:fillRect/>
+          </a:stretch>
+        </p:blipFill>
+        <p:spPr>
+          <a:xfrm>
+            <a:off x="738373" y="0"/>
+            <a:ext cx="9816353" cy="6858000"/>
+          </a:xfrm>
+          <a:prstGeom prst="rect">
+            <a:avLst/>
+          </a:prstGeom>
+        </p:spPr>
+      </p:pic>
     </p:spTree>
     <p:extLst>
       <p:ext uri="{BB962C8B-B14F-4D97-AF65-F5344CB8AC3E}">
-        <p14:creationId xmlns:p14="http://schemas.microsoft.com/office/powerpoint/2010/main" val="1593929526"/>
+        <p14:creationId xmlns:p14="http://schemas.microsoft.com/office/powerpoint/2010/main" val="3157912684"/>
       </p:ext>
     </p:extLst>
   </p:cSld>
@@ -4512,7 +4682,7 @@
 </p:sld>
 </file>
 
-<file path=ppt/slides/slide2.xml><?xml version="1.0" encoding="utf-8"?>
+<file path=ppt/slides/slide4.xml><?xml version="1.0" encoding="utf-8"?>
 <p:sld xmlns:a="http://schemas.openxmlformats.org/drawingml/2006/main" xmlns:r="http://schemas.openxmlformats.org/officeDocument/2006/relationships" xmlns:p="http://schemas.openxmlformats.org/presentationml/2006/main">
   <p:cSld>
     <p:spTree>
@@ -4630,7 +4800,7 @@
 </p:sld>
 </file>
 
-<file path=ppt/slides/slide3.xml><?xml version="1.0" encoding="utf-8"?>
+<file path=ppt/slides/slide5.xml><?xml version="1.0" encoding="utf-8"?>
 <p:sld xmlns:a="http://schemas.openxmlformats.org/drawingml/2006/main" xmlns:r="http://schemas.openxmlformats.org/officeDocument/2006/relationships" xmlns:p="http://schemas.openxmlformats.org/presentationml/2006/main">
   <p:cSld>
     <p:spTree>
@@ -4652,90 +4822,6 @@
           <p:cNvPr id="2" name="Tytuł 1">
             <a:extLst>
               <a:ext uri="{FF2B5EF4-FFF2-40B4-BE49-F238E27FC236}">
-                <a16:creationId xmlns:a16="http://schemas.microsoft.com/office/drawing/2014/main" id="{C2B7D4FF-31D8-4941-99F4-92DD7B5B5696}"/>
-              </a:ext>
-            </a:extLst>
-          </p:cNvPr>
-          <p:cNvSpPr>
-            <a:spLocks noGrp="1"/>
-          </p:cNvSpPr>
-          <p:nvPr>
-            <p:ph type="title"/>
-          </p:nvPr>
-        </p:nvSpPr>
-        <p:spPr/>
-        <p:txBody>
-          <a:bodyPr/>
-          <a:lstStyle/>
-          <a:p>
-            <a:r>
-              <a:rPr lang="en-ZW" dirty="0"/>
-              <a:t>Data Description</a:t>
-            </a:r>
-            <a:endParaRPr lang="pl-PL" dirty="0"/>
-          </a:p>
-        </p:txBody>
-      </p:sp>
-      <p:sp>
-        <p:nvSpPr>
-          <p:cNvPr id="3" name="Symbol zastępczy zawartości 2">
-            <a:extLst>
-              <a:ext uri="{FF2B5EF4-FFF2-40B4-BE49-F238E27FC236}">
-                <a16:creationId xmlns:a16="http://schemas.microsoft.com/office/drawing/2014/main" id="{3031109E-5CA7-DE4D-B7EE-D72C66066559}"/>
-              </a:ext>
-            </a:extLst>
-          </p:cNvPr>
-          <p:cNvSpPr>
-            <a:spLocks noGrp="1"/>
-          </p:cNvSpPr>
-          <p:nvPr>
-            <p:ph idx="1"/>
-          </p:nvPr>
-        </p:nvSpPr>
-        <p:spPr/>
-        <p:txBody>
-          <a:bodyPr/>
-          <a:lstStyle/>
-          <a:p>
-            <a:endParaRPr lang="pl-PL" dirty="0"/>
-          </a:p>
-        </p:txBody>
-      </p:sp>
-    </p:spTree>
-    <p:extLst>
-      <p:ext uri="{BB962C8B-B14F-4D97-AF65-F5344CB8AC3E}">
-        <p14:creationId xmlns:p14="http://schemas.microsoft.com/office/powerpoint/2010/main" val="2131014041"/>
-      </p:ext>
-    </p:extLst>
-  </p:cSld>
-  <p:clrMapOvr>
-    <a:masterClrMapping/>
-  </p:clrMapOvr>
-</p:sld>
-</file>
-
-<file path=ppt/slides/slide4.xml><?xml version="1.0" encoding="utf-8"?>
-<p:sld xmlns:a="http://schemas.openxmlformats.org/drawingml/2006/main" xmlns:r="http://schemas.openxmlformats.org/officeDocument/2006/relationships" xmlns:p="http://schemas.openxmlformats.org/presentationml/2006/main">
-  <p:cSld>
-    <p:spTree>
-      <p:nvGrpSpPr>
-        <p:cNvPr id="1" name=""/>
-        <p:cNvGrpSpPr/>
-        <p:nvPr/>
-      </p:nvGrpSpPr>
-      <p:grpSpPr>
-        <a:xfrm>
-          <a:off x="0" y="0"/>
-          <a:ext cx="0" cy="0"/>
-          <a:chOff x="0" y="0"/>
-          <a:chExt cx="0" cy="0"/>
-        </a:xfrm>
-      </p:grpSpPr>
-      <p:sp>
-        <p:nvSpPr>
-          <p:cNvPr id="2" name="Tytuł 1">
-            <a:extLst>
-              <a:ext uri="{FF2B5EF4-FFF2-40B4-BE49-F238E27FC236}">
                 <a16:creationId xmlns:a16="http://schemas.microsoft.com/office/drawing/2014/main" id="{E01D4C7B-ECF8-9446-AAC7-375DCFD65EC6}"/>
               </a:ext>
             </a:extLst>
@@ -4747,7 +4833,12 @@
             <p:ph type="title"/>
           </p:nvPr>
         </p:nvSpPr>
-        <p:spPr/>
+        <p:spPr>
+          <a:xfrm>
+            <a:off x="838200" y="2426400"/>
+            <a:ext cx="10515600" cy="1325563"/>
+          </a:xfrm>
+        </p:spPr>
         <p:txBody>
           <a:bodyPr/>
           <a:lstStyle/>
@@ -4760,36 +4851,8 @@
                 <a:effectLst/>
                 <a:latin typeface="Arial" panose="020B0604020202020204" pitchFamily="34" charset="0"/>
               </a:rPr>
-              <a:t>How has the competition and level of F1 changed over the years?</a:t>
-            </a:r>
-            <a:endParaRPr lang="pl-PL" dirty="0"/>
-          </a:p>
-        </p:txBody>
-      </p:sp>
-      <p:sp>
-        <p:nvSpPr>
-          <p:cNvPr id="3" name="Symbol zastępczy zawartości 2">
-            <a:extLst>
-              <a:ext uri="{FF2B5EF4-FFF2-40B4-BE49-F238E27FC236}">
-                <a16:creationId xmlns:a16="http://schemas.microsoft.com/office/drawing/2014/main" id="{48FD43A4-4786-9C47-8FE2-BD81D898CEB2}"/>
-              </a:ext>
-            </a:extLst>
-          </p:cNvPr>
-          <p:cNvSpPr>
-            <a:spLocks noGrp="1"/>
-          </p:cNvSpPr>
-          <p:nvPr>
-            <p:ph idx="1"/>
-          </p:nvPr>
-        </p:nvSpPr>
-        <p:spPr/>
-        <p:txBody>
-          <a:bodyPr/>
-          <a:lstStyle/>
-          <a:p>
-            <a:pPr marL="0" indent="0">
-              <a:buNone/>
-            </a:pPr>
+              <a:t>How has the competition changed over the years?</a:t>
+            </a:r>
             <a:endParaRPr lang="pl-PL" dirty="0"/>
           </a:p>
         </p:txBody>
@@ -4807,7 +4870,7 @@
 </p:sld>
 </file>
 
-<file path=ppt/slides/slide5.xml><?xml version="1.0" encoding="utf-8"?>
+<file path=ppt/slides/slide6.xml><?xml version="1.0" encoding="utf-8"?>
 <p:sld xmlns:a="http://schemas.openxmlformats.org/drawingml/2006/main" xmlns:r="http://schemas.openxmlformats.org/officeDocument/2006/relationships" xmlns:p="http://schemas.openxmlformats.org/presentationml/2006/main">
   <p:cSld>
     <p:spTree>
@@ -4880,7 +4943,7 @@
 </p:sld>
 </file>
 
-<file path=ppt/slides/slide6.xml><?xml version="1.0" encoding="utf-8"?>
+<file path=ppt/slides/slide7.xml><?xml version="1.0" encoding="utf-8"?>
 <p:sld xmlns:a="http://schemas.openxmlformats.org/drawingml/2006/main" xmlns:r="http://schemas.openxmlformats.org/officeDocument/2006/relationships" xmlns:p="http://schemas.openxmlformats.org/presentationml/2006/main">
   <p:cSld>
     <p:spTree>
@@ -4945,90 +5008,6 @@
 </p:sld>
 </file>
 
-<file path=ppt/slides/slide7.xml><?xml version="1.0" encoding="utf-8"?>
-<p:sld xmlns:a="http://schemas.openxmlformats.org/drawingml/2006/main" xmlns:r="http://schemas.openxmlformats.org/officeDocument/2006/relationships" xmlns:p="http://schemas.openxmlformats.org/presentationml/2006/main">
-  <p:cSld>
-    <p:spTree>
-      <p:nvGrpSpPr>
-        <p:cNvPr id="1" name=""/>
-        <p:cNvGrpSpPr/>
-        <p:nvPr/>
-      </p:nvGrpSpPr>
-      <p:grpSpPr>
-        <a:xfrm>
-          <a:off x="0" y="0"/>
-          <a:ext cx="0" cy="0"/>
-          <a:chOff x="0" y="0"/>
-          <a:chExt cx="0" cy="0"/>
-        </a:xfrm>
-      </p:grpSpPr>
-      <p:sp>
-        <p:nvSpPr>
-          <p:cNvPr id="2" name="Title 1">
-            <a:extLst>
-              <a:ext uri="{FF2B5EF4-FFF2-40B4-BE49-F238E27FC236}">
-                <a16:creationId xmlns:a16="http://schemas.microsoft.com/office/drawing/2014/main" id="{5385545E-93B3-4401-A97C-0AFE614D2551}"/>
-              </a:ext>
-            </a:extLst>
-          </p:cNvPr>
-          <p:cNvSpPr>
-            <a:spLocks noGrp="1"/>
-          </p:cNvSpPr>
-          <p:nvPr>
-            <p:ph type="title"/>
-          </p:nvPr>
-        </p:nvSpPr>
-        <p:spPr/>
-        <p:txBody>
-          <a:bodyPr/>
-          <a:lstStyle/>
-          <a:p>
-            <a:r>
-              <a:rPr lang="en-ZW" dirty="0"/>
-              <a:t>Speed of top 10 over the years</a:t>
-            </a:r>
-            <a:endParaRPr lang="en-US" dirty="0"/>
-          </a:p>
-        </p:txBody>
-      </p:sp>
-      <p:sp>
-        <p:nvSpPr>
-          <p:cNvPr id="3" name="Content Placeholder 2">
-            <a:extLst>
-              <a:ext uri="{FF2B5EF4-FFF2-40B4-BE49-F238E27FC236}">
-                <a16:creationId xmlns:a16="http://schemas.microsoft.com/office/drawing/2014/main" id="{FA41D7D3-6AB0-4AD8-AA68-3A740B3C9E19}"/>
-              </a:ext>
-            </a:extLst>
-          </p:cNvPr>
-          <p:cNvSpPr>
-            <a:spLocks noGrp="1"/>
-          </p:cNvSpPr>
-          <p:nvPr>
-            <p:ph idx="1"/>
-          </p:nvPr>
-        </p:nvSpPr>
-        <p:spPr/>
-        <p:txBody>
-          <a:bodyPr/>
-          <a:lstStyle/>
-          <a:p>
-            <a:endParaRPr lang="en-US"/>
-          </a:p>
-        </p:txBody>
-      </p:sp>
-    </p:spTree>
-    <p:extLst>
-      <p:ext uri="{BB962C8B-B14F-4D97-AF65-F5344CB8AC3E}">
-        <p14:creationId xmlns:p14="http://schemas.microsoft.com/office/powerpoint/2010/main" val="1763201549"/>
-      </p:ext>
-    </p:extLst>
-  </p:cSld>
-  <p:clrMapOvr>
-    <a:masterClrMapping/>
-  </p:clrMapOvr>
-</p:sld>
-</file>
-
 <file path=ppt/slides/slide8.xml><?xml version="1.0" encoding="utf-8"?>
 <p:sld xmlns:a="http://schemas.openxmlformats.org/drawingml/2006/main" xmlns:r="http://schemas.openxmlformats.org/officeDocument/2006/relationships" xmlns:p="http://schemas.openxmlformats.org/presentationml/2006/main">
   <p:cSld>
@@ -5048,10 +5027,10 @@
       </p:grpSpPr>
       <p:sp>
         <p:nvSpPr>
-          <p:cNvPr id="2" name="Tytuł 1">
+          <p:cNvPr id="3" name="Symbol zastępczy zawartości 2">
             <a:extLst>
               <a:ext uri="{FF2B5EF4-FFF2-40B4-BE49-F238E27FC236}">
-                <a16:creationId xmlns:a16="http://schemas.microsoft.com/office/drawing/2014/main" id="{E39ADD3F-8B20-4D46-890F-ABDA09A98334}"/>
+                <a16:creationId xmlns:a16="http://schemas.microsoft.com/office/drawing/2014/main" id="{8790B60C-5939-034D-959B-E14E58BBA4DB}"/>
               </a:ext>
             </a:extLst>
           </p:cNvPr>
@@ -5059,62 +5038,47 @@
             <a:spLocks noGrp="1"/>
           </p:cNvSpPr>
           <p:nvPr>
-            <p:ph type="title"/>
-          </p:nvPr>
-        </p:nvSpPr>
-        <p:spPr/>
-        <p:txBody>
-          <a:bodyPr>
-            <a:normAutofit fontScale="90000"/>
+            <p:ph idx="1"/>
+          </p:nvPr>
+        </p:nvSpPr>
+        <p:spPr>
+          <a:xfrm>
+            <a:off x="838200" y="1235324"/>
+            <a:ext cx="10515600" cy="4387352"/>
+          </a:xfrm>
+        </p:spPr>
+        <p:txBody>
+          <a:bodyPr anchor="ctr">
+            <a:normAutofit/>
           </a:bodyPr>
           <a:lstStyle/>
           <a:p>
-            <a:r>
-              <a:rPr lang="en-US" b="0" i="0" dirty="0">
-                <a:solidFill>
-                  <a:srgbClr val="222222"/>
-                </a:solidFill>
-                <a:effectLst/>
-                <a:latin typeface="Arial" panose="020B0604020202020204" pitchFamily="34" charset="0"/>
-              </a:rPr>
-              <a:t>Difference in the cars decrease over the years?</a:t>
-            </a:r>
-            <a:br>
-              <a:rPr lang="en-US" dirty="0"/>
-            </a:br>
-            <a:endParaRPr lang="pl-PL" dirty="0"/>
-          </a:p>
-        </p:txBody>
-      </p:sp>
-      <p:sp>
-        <p:nvSpPr>
-          <p:cNvPr id="3" name="Symbol zastępczy zawartości 2">
-            <a:extLst>
-              <a:ext uri="{FF2B5EF4-FFF2-40B4-BE49-F238E27FC236}">
-                <a16:creationId xmlns:a16="http://schemas.microsoft.com/office/drawing/2014/main" id="{4803CACD-3C69-DB4D-9CEB-DD715DEBBD68}"/>
-              </a:ext>
-            </a:extLst>
-          </p:cNvPr>
-          <p:cNvSpPr>
-            <a:spLocks noGrp="1"/>
-          </p:cNvSpPr>
-          <p:nvPr>
-            <p:ph idx="1"/>
-          </p:nvPr>
-        </p:nvSpPr>
-        <p:spPr/>
-        <p:txBody>
-          <a:bodyPr/>
-          <a:lstStyle/>
-          <a:p>
-            <a:endParaRPr lang="pl-PL"/>
+            <a:pPr marL="0" indent="0" algn="ctr">
+              <a:buNone/>
+            </a:pPr>
+            <a:r>
+              <a:rPr lang="pl-PL" sz="4400" dirty="0" err="1"/>
+              <a:t>Is</a:t>
+            </a:r>
+            <a:r>
+              <a:rPr lang="pl-PL" sz="4400" dirty="0"/>
+              <a:t> the race won in </a:t>
+            </a:r>
+            <a:r>
+              <a:rPr lang="pl-PL" sz="4400" dirty="0" err="1"/>
+              <a:t>qualifying</a:t>
+            </a:r>
+            <a:r>
+              <a:rPr lang="pl-PL" sz="4400" dirty="0"/>
+              <a:t>?</a:t>
+            </a:r>
           </a:p>
         </p:txBody>
       </p:sp>
     </p:spTree>
     <p:extLst>
       <p:ext uri="{BB962C8B-B14F-4D97-AF65-F5344CB8AC3E}">
-        <p14:creationId xmlns:p14="http://schemas.microsoft.com/office/powerpoint/2010/main" val="2834576460"/>
+        <p14:creationId xmlns:p14="http://schemas.microsoft.com/office/powerpoint/2010/main" val="246367448"/>
       </p:ext>
     </p:extLst>
   </p:cSld>

--- a/Presentation/F1_Presentation_Moyo_Majak.pptx
+++ b/Presentation/F1_Presentation_Moyo_Majak.pptx
@@ -14,10 +14,10 @@
     <p:sldId id="257" r:id="rId5"/>
     <p:sldId id="260" r:id="rId6"/>
     <p:sldId id="259" r:id="rId7"/>
-    <p:sldId id="268" r:id="rId8"/>
-    <p:sldId id="271" r:id="rId9"/>
-    <p:sldId id="261" r:id="rId10"/>
-    <p:sldId id="263" r:id="rId11"/>
+    <p:sldId id="272" r:id="rId8"/>
+    <p:sldId id="268" r:id="rId9"/>
+    <p:sldId id="271" r:id="rId10"/>
+    <p:sldId id="261" r:id="rId11"/>
     <p:sldId id="270" r:id="rId12"/>
   </p:sldIdLst>
   <p:sldSz cx="12192000" cy="6858000"/>
@@ -1402,7 +1402,7 @@
       </p:grpSpPr>
       <p:sp>
         <p:nvSpPr>
-          <p:cNvPr id="2" name="Symbol zastępczy obrazu slajdu 1"/>
+          <p:cNvPr id="2" name="Slide Image Placeholder 1"/>
           <p:cNvSpPr>
             <a:spLocks noGrp="1" noRot="1" noChangeAspect="1"/>
           </p:cNvSpPr>
@@ -1414,7 +1414,7 @@
       </p:sp>
       <p:sp>
         <p:nvSpPr>
-          <p:cNvPr id="3" name="Symbol zastępczy notatek 2"/>
+          <p:cNvPr id="3" name="Notes Placeholder 2"/>
           <p:cNvSpPr>
             <a:spLocks noGrp="1"/>
           </p:cNvSpPr>
@@ -1427,13 +1427,17 @@
           <a:bodyPr/>
           <a:lstStyle/>
           <a:p>
-            <a:endParaRPr lang="pl-PL" dirty="0"/>
-          </a:p>
-        </p:txBody>
-      </p:sp>
-      <p:sp>
-        <p:nvSpPr>
-          <p:cNvPr id="4" name="Symbol zastępczy numeru slajdu 3"/>
+            <a:r>
+              <a:rPr lang="en-ZW" dirty="0"/>
+              <a:t>This question will be evaluated using the following two slides </a:t>
+            </a:r>
+            <a:endParaRPr lang="en-US" dirty="0"/>
+          </a:p>
+        </p:txBody>
+      </p:sp>
+      <p:sp>
+        <p:nvSpPr>
+          <p:cNvPr id="4" name="Slide Number Placeholder 3"/>
           <p:cNvSpPr>
             <a:spLocks noGrp="1"/>
           </p:cNvSpPr>
@@ -1457,7 +1461,7 @@
     </p:spTree>
     <p:extLst>
       <p:ext uri="{BB962C8B-B14F-4D97-AF65-F5344CB8AC3E}">
-        <p14:creationId xmlns:p14="http://schemas.microsoft.com/office/powerpoint/2010/main" val="4221663633"/>
+        <p14:creationId xmlns:p14="http://schemas.microsoft.com/office/powerpoint/2010/main" val="1120479891"/>
       </p:ext>
     </p:extLst>
   </p:cSld>
@@ -1486,6 +1490,90 @@
       </p:grpSpPr>
       <p:sp>
         <p:nvSpPr>
+          <p:cNvPr id="2" name="Symbol zastępczy obrazu slajdu 1"/>
+          <p:cNvSpPr>
+            <a:spLocks noGrp="1" noRot="1" noChangeAspect="1"/>
+          </p:cNvSpPr>
+          <p:nvPr>
+            <p:ph type="sldImg"/>
+          </p:nvPr>
+        </p:nvSpPr>
+        <p:spPr/>
+      </p:sp>
+      <p:sp>
+        <p:nvSpPr>
+          <p:cNvPr id="3" name="Symbol zastępczy notatek 2"/>
+          <p:cNvSpPr>
+            <a:spLocks noGrp="1"/>
+          </p:cNvSpPr>
+          <p:nvPr>
+            <p:ph type="body" idx="1"/>
+          </p:nvPr>
+        </p:nvSpPr>
+        <p:spPr/>
+        <p:txBody>
+          <a:bodyPr/>
+          <a:lstStyle/>
+          <a:p>
+            <a:endParaRPr lang="pl-PL" dirty="0"/>
+          </a:p>
+        </p:txBody>
+      </p:sp>
+      <p:sp>
+        <p:nvSpPr>
+          <p:cNvPr id="4" name="Symbol zastępczy numeru slajdu 3"/>
+          <p:cNvSpPr>
+            <a:spLocks noGrp="1"/>
+          </p:cNvSpPr>
+          <p:nvPr>
+            <p:ph type="sldNum" sz="quarter" idx="5"/>
+          </p:nvPr>
+        </p:nvSpPr>
+        <p:spPr/>
+        <p:txBody>
+          <a:bodyPr/>
+          <a:lstStyle/>
+          <a:p>
+            <a:fld id="{8B16C77F-3968-400F-9FFF-E15A5979D213}" type="slidenum">
+              <a:rPr lang="en-US" smtClean="0"/>
+              <a:t>8</a:t>
+            </a:fld>
+            <a:endParaRPr lang="en-US"/>
+          </a:p>
+        </p:txBody>
+      </p:sp>
+    </p:spTree>
+    <p:extLst>
+      <p:ext uri="{BB962C8B-B14F-4D97-AF65-F5344CB8AC3E}">
+        <p14:creationId xmlns:p14="http://schemas.microsoft.com/office/powerpoint/2010/main" val="4221663633"/>
+      </p:ext>
+    </p:extLst>
+  </p:cSld>
+  <p:clrMapOvr>
+    <a:masterClrMapping/>
+  </p:clrMapOvr>
+</p:notes>
+</file>
+
+<file path=ppt/notesSlides/notesSlide8.xml><?xml version="1.0" encoding="utf-8"?>
+<p:notes xmlns:a="http://schemas.openxmlformats.org/drawingml/2006/main" xmlns:r="http://schemas.openxmlformats.org/officeDocument/2006/relationships" xmlns:p="http://schemas.openxmlformats.org/presentationml/2006/main">
+  <p:cSld>
+    <p:spTree>
+      <p:nvGrpSpPr>
+        <p:cNvPr id="1" name=""/>
+        <p:cNvGrpSpPr/>
+        <p:nvPr/>
+      </p:nvGrpSpPr>
+      <p:grpSpPr>
+        <a:xfrm>
+          <a:off x="0" y="0"/>
+          <a:ext cx="0" cy="0"/>
+          <a:chOff x="0" y="0"/>
+          <a:chExt cx="0" cy="0"/>
+        </a:xfrm>
+      </p:grpSpPr>
+      <p:sp>
+        <p:nvSpPr>
           <p:cNvPr id="2" name="Slide Image Placeholder 1"/>
           <p:cNvSpPr>
             <a:spLocks noGrp="1" noRot="1" noChangeAspect="1"/>
@@ -1560,7 +1648,7 @@
           <a:p>
             <a:fld id="{8B16C77F-3968-400F-9FFF-E15A5979D213}" type="slidenum">
               <a:rPr lang="en-US" smtClean="0"/>
-              <a:t>9</a:t>
+              <a:t>10</a:t>
             </a:fld>
             <a:endParaRPr lang="en-US"/>
           </a:p>
@@ -4328,10 +4416,10 @@
       </p:grpSpPr>
       <p:sp>
         <p:nvSpPr>
-          <p:cNvPr id="2" name="Title 1">
+          <p:cNvPr id="2" name="Tytuł 1">
             <a:extLst>
               <a:ext uri="{FF2B5EF4-FFF2-40B4-BE49-F238E27FC236}">
-                <a16:creationId xmlns:a16="http://schemas.microsoft.com/office/drawing/2014/main" id="{EEDF7E60-BEFF-4D9E-97E4-1C50543309DE}"/>
+                <a16:creationId xmlns:a16="http://schemas.microsoft.com/office/drawing/2014/main" id="{E39ADD3F-8B20-4D46-890F-ABDA09A98334}"/>
               </a:ext>
             </a:extLst>
           </p:cNvPr>
@@ -4347,49 +4435,52 @@
           <a:bodyPr/>
           <a:lstStyle/>
           <a:p>
-            <a:r>
-              <a:rPr lang="en-US" b="0" i="0" dirty="0">
-                <a:solidFill>
-                  <a:srgbClr val="222222"/>
-                </a:solidFill>
-                <a:effectLst/>
-                <a:latin typeface="Arial" panose="020B0604020202020204" pitchFamily="34" charset="0"/>
-              </a:rPr>
-              <a:t>Which F1 circuits provide a more even fight?</a:t>
-            </a:r>
-            <a:endParaRPr lang="en-US" dirty="0"/>
-          </a:p>
-        </p:txBody>
-      </p:sp>
-      <p:sp>
-        <p:nvSpPr>
-          <p:cNvPr id="3" name="Content Placeholder 2">
+            <a:br>
+              <a:rPr lang="en-US" dirty="0"/>
+            </a:br>
+            <a:endParaRPr lang="pl-PL" dirty="0"/>
+          </a:p>
+        </p:txBody>
+      </p:sp>
+      <p:pic>
+        <p:nvPicPr>
+          <p:cNvPr id="13" name="Symbol zastępczy zawartości 12">
             <a:extLst>
               <a:ext uri="{FF2B5EF4-FFF2-40B4-BE49-F238E27FC236}">
-                <a16:creationId xmlns:a16="http://schemas.microsoft.com/office/drawing/2014/main" id="{8938693A-BE4E-41A4-8570-AADF18D1A1A5}"/>
+                <a16:creationId xmlns:a16="http://schemas.microsoft.com/office/drawing/2014/main" id="{48D33886-FB38-1C49-9541-8BFDB7BFA42F}"/>
               </a:ext>
             </a:extLst>
           </p:cNvPr>
-          <p:cNvSpPr>
-            <a:spLocks noGrp="1"/>
-          </p:cNvSpPr>
+          <p:cNvPicPr>
+            <a:picLocks noGrp="1" noChangeAspect="1"/>
+          </p:cNvPicPr>
           <p:nvPr>
             <p:ph idx="1"/>
           </p:nvPr>
-        </p:nvSpPr>
-        <p:spPr/>
-        <p:txBody>
-          <a:bodyPr/>
-          <a:lstStyle/>
-          <a:p>
-            <a:endParaRPr lang="en-US"/>
-          </a:p>
-        </p:txBody>
-      </p:sp>
+        </p:nvPicPr>
+        <p:blipFill>
+          <a:blip r:embed="rId3">
+            <a:extLst>
+              <a:ext uri="{28A0092B-C50C-407E-A947-70E740481C1C}">
+                <a14:useLocalDpi xmlns:a14="http://schemas.microsoft.com/office/drawing/2010/main" val="0"/>
+              </a:ext>
+            </a:extLst>
+          </a:blip>
+          <a:stretch>
+            <a:fillRect/>
+          </a:stretch>
+        </p:blipFill>
+        <p:spPr>
+          <a:xfrm>
+            <a:off x="55727" y="949973"/>
+            <a:ext cx="12136273" cy="5542902"/>
+          </a:xfrm>
+        </p:spPr>
+      </p:pic>
     </p:spTree>
     <p:extLst>
       <p:ext uri="{BB962C8B-B14F-4D97-AF65-F5344CB8AC3E}">
-        <p14:creationId xmlns:p14="http://schemas.microsoft.com/office/powerpoint/2010/main" val="441530103"/>
+        <p14:creationId xmlns:p14="http://schemas.microsoft.com/office/powerpoint/2010/main" val="4076154281"/>
       </p:ext>
     </p:extLst>
   </p:cSld>
@@ -4960,6 +5051,75 @@
           <a:chExt cx="0" cy="0"/>
         </a:xfrm>
       </p:grpSpPr>
+      <p:sp>
+        <p:nvSpPr>
+          <p:cNvPr id="2" name="Tytuł 1">
+            <a:extLst>
+              <a:ext uri="{FF2B5EF4-FFF2-40B4-BE49-F238E27FC236}">
+                <a16:creationId xmlns:a16="http://schemas.microsoft.com/office/drawing/2014/main" id="{E01D4C7B-ECF8-9446-AAC7-375DCFD65EC6}"/>
+              </a:ext>
+            </a:extLst>
+          </p:cNvPr>
+          <p:cNvSpPr>
+            <a:spLocks noGrp="1"/>
+          </p:cNvSpPr>
+          <p:nvPr>
+            <p:ph type="title"/>
+          </p:nvPr>
+        </p:nvSpPr>
+        <p:spPr>
+          <a:xfrm>
+            <a:off x="838200" y="2426400"/>
+            <a:ext cx="10515600" cy="1325563"/>
+          </a:xfrm>
+        </p:spPr>
+        <p:txBody>
+          <a:bodyPr/>
+          <a:lstStyle/>
+          <a:p>
+            <a:r>
+              <a:rPr lang="en-US" b="0" dirty="0">
+                <a:solidFill>
+                  <a:srgbClr val="222222"/>
+                </a:solidFill>
+                <a:latin typeface="Arial" panose="020B0604020202020204" pitchFamily="34" charset="0"/>
+              </a:rPr>
+              <a:t>Best drivers based on number of points</a:t>
+            </a:r>
+            <a:endParaRPr lang="pl-PL" dirty="0"/>
+          </a:p>
+        </p:txBody>
+      </p:sp>
+    </p:spTree>
+    <p:extLst>
+      <p:ext uri="{BB962C8B-B14F-4D97-AF65-F5344CB8AC3E}">
+        <p14:creationId xmlns:p14="http://schemas.microsoft.com/office/powerpoint/2010/main" val="3116988691"/>
+      </p:ext>
+    </p:extLst>
+  </p:cSld>
+  <p:clrMapOvr>
+    <a:masterClrMapping/>
+  </p:clrMapOvr>
+</p:sld>
+</file>
+
+<file path=ppt/slides/slide8.xml><?xml version="1.0" encoding="utf-8"?>
+<p:sld xmlns:a="http://schemas.openxmlformats.org/drawingml/2006/main" xmlns:r="http://schemas.openxmlformats.org/officeDocument/2006/relationships" xmlns:p="http://schemas.openxmlformats.org/presentationml/2006/main">
+  <p:cSld>
+    <p:spTree>
+      <p:nvGrpSpPr>
+        <p:cNvPr id="1" name=""/>
+        <p:cNvGrpSpPr/>
+        <p:nvPr/>
+      </p:nvGrpSpPr>
+      <p:grpSpPr>
+        <a:xfrm>
+          <a:off x="0" y="0"/>
+          <a:ext cx="0" cy="0"/>
+          <a:chOff x="0" y="0"/>
+          <a:chExt cx="0" cy="0"/>
+        </a:xfrm>
+      </p:grpSpPr>
       <p:pic>
         <p:nvPicPr>
           <p:cNvPr id="6" name="Symbol zastępczy zawartości 5">
@@ -5008,86 +5168,6 @@
 </p:sld>
 </file>
 
-<file path=ppt/slides/slide8.xml><?xml version="1.0" encoding="utf-8"?>
-<p:sld xmlns:a="http://schemas.openxmlformats.org/drawingml/2006/main" xmlns:r="http://schemas.openxmlformats.org/officeDocument/2006/relationships" xmlns:p="http://schemas.openxmlformats.org/presentationml/2006/main">
-  <p:cSld>
-    <p:spTree>
-      <p:nvGrpSpPr>
-        <p:cNvPr id="1" name=""/>
-        <p:cNvGrpSpPr/>
-        <p:nvPr/>
-      </p:nvGrpSpPr>
-      <p:grpSpPr>
-        <a:xfrm>
-          <a:off x="0" y="0"/>
-          <a:ext cx="0" cy="0"/>
-          <a:chOff x="0" y="0"/>
-          <a:chExt cx="0" cy="0"/>
-        </a:xfrm>
-      </p:grpSpPr>
-      <p:sp>
-        <p:nvSpPr>
-          <p:cNvPr id="3" name="Symbol zastępczy zawartości 2">
-            <a:extLst>
-              <a:ext uri="{FF2B5EF4-FFF2-40B4-BE49-F238E27FC236}">
-                <a16:creationId xmlns:a16="http://schemas.microsoft.com/office/drawing/2014/main" id="{8790B60C-5939-034D-959B-E14E58BBA4DB}"/>
-              </a:ext>
-            </a:extLst>
-          </p:cNvPr>
-          <p:cNvSpPr>
-            <a:spLocks noGrp="1"/>
-          </p:cNvSpPr>
-          <p:nvPr>
-            <p:ph idx="1"/>
-          </p:nvPr>
-        </p:nvSpPr>
-        <p:spPr>
-          <a:xfrm>
-            <a:off x="838200" y="1235324"/>
-            <a:ext cx="10515600" cy="4387352"/>
-          </a:xfrm>
-        </p:spPr>
-        <p:txBody>
-          <a:bodyPr anchor="ctr">
-            <a:normAutofit/>
-          </a:bodyPr>
-          <a:lstStyle/>
-          <a:p>
-            <a:pPr marL="0" indent="0" algn="ctr">
-              <a:buNone/>
-            </a:pPr>
-            <a:r>
-              <a:rPr lang="pl-PL" sz="4400" dirty="0" err="1"/>
-              <a:t>Is</a:t>
-            </a:r>
-            <a:r>
-              <a:rPr lang="pl-PL" sz="4400" dirty="0"/>
-              <a:t> the race won in </a:t>
-            </a:r>
-            <a:r>
-              <a:rPr lang="pl-PL" sz="4400" dirty="0" err="1"/>
-              <a:t>qualifying</a:t>
-            </a:r>
-            <a:r>
-              <a:rPr lang="pl-PL" sz="4400" dirty="0"/>
-              <a:t>?</a:t>
-            </a:r>
-          </a:p>
-        </p:txBody>
-      </p:sp>
-    </p:spTree>
-    <p:extLst>
-      <p:ext uri="{BB962C8B-B14F-4D97-AF65-F5344CB8AC3E}">
-        <p14:creationId xmlns:p14="http://schemas.microsoft.com/office/powerpoint/2010/main" val="246367448"/>
-      </p:ext>
-    </p:extLst>
-  </p:cSld>
-  <p:clrMapOvr>
-    <a:masterClrMapping/>
-  </p:clrMapOvr>
-</p:sld>
-</file>
-
 <file path=ppt/slides/slide9.xml><?xml version="1.0" encoding="utf-8"?>
 <p:sld xmlns:a="http://schemas.openxmlformats.org/drawingml/2006/main" xmlns:r="http://schemas.openxmlformats.org/officeDocument/2006/relationships" xmlns:p="http://schemas.openxmlformats.org/presentationml/2006/main">
   <p:cSld>
@@ -5107,10 +5187,10 @@
       </p:grpSpPr>
       <p:sp>
         <p:nvSpPr>
-          <p:cNvPr id="2" name="Tytuł 1">
+          <p:cNvPr id="3" name="Symbol zastępczy zawartości 2">
             <a:extLst>
               <a:ext uri="{FF2B5EF4-FFF2-40B4-BE49-F238E27FC236}">
-                <a16:creationId xmlns:a16="http://schemas.microsoft.com/office/drawing/2014/main" id="{E39ADD3F-8B20-4D46-890F-ABDA09A98334}"/>
+                <a16:creationId xmlns:a16="http://schemas.microsoft.com/office/drawing/2014/main" id="{8790B60C-5939-034D-959B-E14E58BBA4DB}"/>
               </a:ext>
             </a:extLst>
           </p:cNvPr>
@@ -5118,60 +5198,63 @@
             <a:spLocks noGrp="1"/>
           </p:cNvSpPr>
           <p:nvPr>
-            <p:ph type="title"/>
-          </p:nvPr>
-        </p:nvSpPr>
-        <p:spPr/>
-        <p:txBody>
-          <a:bodyPr/>
-          <a:lstStyle/>
-          <a:p>
-            <a:br>
-              <a:rPr lang="en-US" dirty="0"/>
-            </a:br>
-            <a:endParaRPr lang="pl-PL" dirty="0"/>
-          </a:p>
-        </p:txBody>
-      </p:sp>
-      <p:pic>
-        <p:nvPicPr>
-          <p:cNvPr id="13" name="Symbol zastępczy zawartości 12">
-            <a:extLst>
-              <a:ext uri="{FF2B5EF4-FFF2-40B4-BE49-F238E27FC236}">
-                <a16:creationId xmlns:a16="http://schemas.microsoft.com/office/drawing/2014/main" id="{48D33886-FB38-1C49-9541-8BFDB7BFA42F}"/>
-              </a:ext>
-            </a:extLst>
-          </p:cNvPr>
-          <p:cNvPicPr>
-            <a:picLocks noGrp="1" noChangeAspect="1"/>
-          </p:cNvPicPr>
-          <p:nvPr>
             <p:ph idx="1"/>
           </p:nvPr>
-        </p:nvPicPr>
-        <p:blipFill>
-          <a:blip r:embed="rId3">
-            <a:extLst>
-              <a:ext uri="{28A0092B-C50C-407E-A947-70E740481C1C}">
-                <a14:useLocalDpi xmlns:a14="http://schemas.microsoft.com/office/drawing/2010/main" val="0"/>
-              </a:ext>
-            </a:extLst>
-          </a:blip>
-          <a:stretch>
-            <a:fillRect/>
-          </a:stretch>
-        </p:blipFill>
+        </p:nvSpPr>
         <p:spPr>
           <a:xfrm>
-            <a:off x="55727" y="949973"/>
-            <a:ext cx="12136273" cy="5542902"/>
+            <a:off x="838200" y="1235324"/>
+            <a:ext cx="10515600" cy="4387352"/>
           </a:xfrm>
         </p:spPr>
-      </p:pic>
+        <p:txBody>
+          <a:bodyPr anchor="ctr">
+            <a:normAutofit/>
+          </a:bodyPr>
+          <a:lstStyle/>
+          <a:p>
+            <a:pPr marL="0" indent="0" algn="ctr">
+              <a:buNone/>
+            </a:pPr>
+            <a:r>
+              <a:rPr lang="pl-PL" sz="4400" dirty="0" err="1"/>
+              <a:t>Is</a:t>
+            </a:r>
+            <a:r>
+              <a:rPr lang="pl-PL" sz="4400" dirty="0"/>
+              <a:t> the race </a:t>
+            </a:r>
+            <a:r>
+              <a:rPr lang="pl-PL" sz="4400" dirty="0" err="1"/>
+              <a:t>being</a:t>
+            </a:r>
+            <a:r>
+              <a:rPr lang="pl-PL" sz="4400" dirty="0"/>
+              <a:t> won </a:t>
+            </a:r>
+            <a:r>
+              <a:rPr lang="pl-PL" sz="4400" dirty="0" err="1"/>
+              <a:t>already</a:t>
+            </a:r>
+            <a:r>
+              <a:rPr lang="pl-PL" sz="4400" dirty="0"/>
+              <a:t> in </a:t>
+            </a:r>
+            <a:r>
+              <a:rPr lang="pl-PL" sz="4400" dirty="0" err="1"/>
+              <a:t>qualifying</a:t>
+            </a:r>
+            <a:r>
+              <a:rPr lang="pl-PL" sz="4400" dirty="0"/>
+              <a:t>?</a:t>
+            </a:r>
+          </a:p>
+        </p:txBody>
+      </p:sp>
     </p:spTree>
     <p:extLst>
       <p:ext uri="{BB962C8B-B14F-4D97-AF65-F5344CB8AC3E}">
-        <p14:creationId xmlns:p14="http://schemas.microsoft.com/office/powerpoint/2010/main" val="4076154281"/>
+        <p14:creationId xmlns:p14="http://schemas.microsoft.com/office/powerpoint/2010/main" val="246367448"/>
       </p:ext>
     </p:extLst>
   </p:cSld>

--- a/Presentation/F1_Presentation_Moyo_Majak.pptx
+++ b/Presentation/F1_Presentation_Moyo_Majak.pptx
@@ -207,7 +207,7 @@
           <a:p>
             <a:fld id="{B3CDF40C-5A9A-4B37-9F4E-A337933060DF}" type="datetimeFigureOut">
               <a:rPr lang="en-US" smtClean="0"/>
-              <a:t>1/22/21</a:t>
+              <a:t>2/1/21</a:t>
             </a:fld>
             <a:endParaRPr lang="en-US"/>
           </a:p>
@@ -493,7 +493,7 @@
       </p:grpSpPr>
       <p:sp>
         <p:nvSpPr>
-          <p:cNvPr id="2" name="Slide Image Placeholder 1"/>
+          <p:cNvPr id="2" name="Symbol zastępczy obrazu slajdu 1"/>
           <p:cNvSpPr>
             <a:spLocks noGrp="1" noRot="1" noChangeAspect="1"/>
           </p:cNvSpPr>
@@ -505,7 +505,7 @@
       </p:sp>
       <p:sp>
         <p:nvSpPr>
-          <p:cNvPr id="3" name="Notes Placeholder 2"/>
+          <p:cNvPr id="3" name="Symbol zastępczy notatek 2"/>
           <p:cNvSpPr>
             <a:spLocks noGrp="1"/>
           </p:cNvSpPr>
@@ -518,164 +518,13 @@
           <a:bodyPr/>
           <a:lstStyle/>
           <a:p>
-            <a:r>
-              <a:rPr lang="en-US" dirty="0">
-                <a:effectLst/>
-                <a:latin typeface="SFMono-Regular"/>
-              </a:rPr>
-              <a:t>The dataset used in this project consists of information about F1 races statistics from 1950 until the latest 2020 season. </a:t>
-            </a:r>
-          </a:p>
-          <a:p>
-            <a:r>
-              <a:rPr lang="en-US" dirty="0">
-                <a:effectLst/>
-                <a:latin typeface="SFMono-Regular"/>
-              </a:rPr>
-              <a:t>It was shared by </a:t>
-            </a:r>
-            <a:r>
-              <a:rPr lang="en-US" dirty="0" err="1">
-                <a:effectLst/>
-                <a:latin typeface="SFMono-Regular"/>
-              </a:rPr>
-              <a:t>Vopani</a:t>
-            </a:r>
-            <a:r>
-              <a:rPr lang="en-US" dirty="0">
-                <a:effectLst/>
-                <a:latin typeface="SFMono-Regular"/>
-              </a:rPr>
-              <a:t> on the Kaggle platform and consists of 13 csv files: </a:t>
-            </a:r>
-          </a:p>
-          <a:p>
-            <a:endParaRPr lang="en-US" dirty="0">
-              <a:effectLst/>
-              <a:latin typeface="SFMono-Regular"/>
-            </a:endParaRPr>
-          </a:p>
-          <a:p>
-            <a:r>
-              <a:rPr lang="en-US" dirty="0">
-                <a:effectLst/>
-                <a:latin typeface="SFMono-Regular"/>
-              </a:rPr>
-              <a:t>* circuits* </a:t>
-            </a:r>
-            <a:r>
-              <a:rPr lang="en-US" dirty="0" err="1">
-                <a:effectLst/>
-                <a:latin typeface="SFMono-Regular"/>
-              </a:rPr>
-              <a:t>constructor_results</a:t>
-            </a:r>
-            <a:r>
-              <a:rPr lang="en-US" dirty="0">
-                <a:effectLst/>
-                <a:latin typeface="SFMono-Regular"/>
-              </a:rPr>
-              <a:t>* </a:t>
-            </a:r>
-            <a:r>
-              <a:rPr lang="en-US" dirty="0" err="1">
-                <a:effectLst/>
-                <a:latin typeface="SFMono-Regular"/>
-              </a:rPr>
-              <a:t>constructor_standings</a:t>
-            </a:r>
-            <a:r>
-              <a:rPr lang="en-US" dirty="0">
-                <a:effectLst/>
-                <a:latin typeface="SFMono-Regular"/>
-              </a:rPr>
-              <a:t>* constructors* </a:t>
-            </a:r>
-            <a:r>
-              <a:rPr lang="en-US" dirty="0" err="1">
-                <a:effectLst/>
-                <a:latin typeface="SFMono-Regular"/>
-              </a:rPr>
-              <a:t>driver_standings</a:t>
-            </a:r>
-            <a:r>
-              <a:rPr lang="en-US" dirty="0">
-                <a:effectLst/>
-                <a:latin typeface="SFMono-Regular"/>
-              </a:rPr>
-              <a:t>* drivers* </a:t>
-            </a:r>
-            <a:r>
-              <a:rPr lang="en-US" dirty="0" err="1">
-                <a:effectLst/>
-                <a:latin typeface="SFMono-Regular"/>
-              </a:rPr>
-              <a:t>lap_times</a:t>
-            </a:r>
-            <a:r>
-              <a:rPr lang="en-US" dirty="0">
-                <a:effectLst/>
-                <a:latin typeface="SFMono-Regular"/>
-              </a:rPr>
-              <a:t>* </a:t>
-            </a:r>
-            <a:r>
-              <a:rPr lang="en-US" dirty="0" err="1">
-                <a:effectLst/>
-                <a:latin typeface="SFMono-Regular"/>
-              </a:rPr>
-              <a:t>pit_stops</a:t>
-            </a:r>
-            <a:r>
-              <a:rPr lang="en-US" dirty="0">
-                <a:effectLst/>
-                <a:latin typeface="SFMono-Regular"/>
-              </a:rPr>
-              <a:t>* qualifying* races* results* seasons* status</a:t>
-            </a:r>
-          </a:p>
-          <a:p>
-            <a:endParaRPr lang="en-US" dirty="0">
-              <a:effectLst/>
-              <a:latin typeface="SFMono-Regular"/>
-            </a:endParaRPr>
-          </a:p>
-          <a:p>
-            <a:r>
-              <a:rPr lang="en-US" dirty="0">
-                <a:effectLst/>
-                <a:latin typeface="SFMono-Regular"/>
-              </a:rPr>
-              <a:t>It is a real challenge to compare drivers, cars and teams, considering very complex structure of the cars and the numerous changing factors on the track.</a:t>
-            </a:r>
-          </a:p>
-          <a:p>
-            <a:endParaRPr lang="en-US" dirty="0">
-              <a:effectLst/>
-              <a:latin typeface="SFMono-Regular"/>
-            </a:endParaRPr>
-          </a:p>
-          <a:p>
-            <a:r>
-              <a:rPr lang="en-US" dirty="0">
-                <a:effectLst/>
-                <a:latin typeface="SFMono-Regular"/>
-              </a:rPr>
-              <a:t>In this project we wish to answer a few interesting questions using some R visualization techniques </a:t>
-            </a:r>
-            <a:br>
-              <a:rPr lang="en-US" dirty="0"/>
-            </a:br>
-            <a:endParaRPr lang="en-US" dirty="0"/>
-          </a:p>
-          <a:p>
-            <a:endParaRPr lang="en-US" dirty="0"/>
-          </a:p>
-        </p:txBody>
-      </p:sp>
-      <p:sp>
-        <p:nvSpPr>
-          <p:cNvPr id="4" name="Slide Number Placeholder 3"/>
+            <a:endParaRPr lang="pl-PL" dirty="0"/>
+          </a:p>
+        </p:txBody>
+      </p:sp>
+      <p:sp>
+        <p:nvSpPr>
+          <p:cNvPr id="4" name="Symbol zastępczy numeru slajdu 3"/>
           <p:cNvSpPr>
             <a:spLocks noGrp="1"/>
           </p:cNvSpPr>
@@ -690,7 +539,7 @@
           <a:p>
             <a:fld id="{8B16C77F-3968-400F-9FFF-E15A5979D213}" type="slidenum">
               <a:rPr lang="en-US" smtClean="0"/>
-              <a:t>2</a:t>
+              <a:t>1</a:t>
             </a:fld>
             <a:endParaRPr lang="en-US"/>
           </a:p>
@@ -699,7 +548,240 @@
     </p:spTree>
     <p:extLst>
       <p:ext uri="{BB962C8B-B14F-4D97-AF65-F5344CB8AC3E}">
-        <p14:creationId xmlns:p14="http://schemas.microsoft.com/office/powerpoint/2010/main" val="3824148919"/>
+        <p14:creationId xmlns:p14="http://schemas.microsoft.com/office/powerpoint/2010/main" val="2478189160"/>
+      </p:ext>
+    </p:extLst>
+  </p:cSld>
+  <p:clrMapOvr>
+    <a:masterClrMapping/>
+  </p:clrMapOvr>
+</p:notes>
+</file>
+
+<file path=ppt/notesSlides/notesSlide10.xml><?xml version="1.0" encoding="utf-8"?>
+<p:notes xmlns:a="http://schemas.openxmlformats.org/drawingml/2006/main" xmlns:r="http://schemas.openxmlformats.org/officeDocument/2006/relationships" xmlns:p="http://schemas.openxmlformats.org/presentationml/2006/main">
+  <p:cSld>
+    <p:spTree>
+      <p:nvGrpSpPr>
+        <p:cNvPr id="1" name=""/>
+        <p:cNvGrpSpPr/>
+        <p:nvPr/>
+      </p:nvGrpSpPr>
+      <p:grpSpPr>
+        <a:xfrm>
+          <a:off x="0" y="0"/>
+          <a:ext cx="0" cy="0"/>
+          <a:chOff x="0" y="0"/>
+          <a:chExt cx="0" cy="0"/>
+        </a:xfrm>
+      </p:grpSpPr>
+      <p:sp>
+        <p:nvSpPr>
+          <p:cNvPr id="2" name="Slide Image Placeholder 1"/>
+          <p:cNvSpPr>
+            <a:spLocks noGrp="1" noRot="1" noChangeAspect="1"/>
+          </p:cNvSpPr>
+          <p:nvPr>
+            <p:ph type="sldImg"/>
+          </p:nvPr>
+        </p:nvSpPr>
+        <p:spPr/>
+      </p:sp>
+      <p:sp>
+        <p:nvSpPr>
+          <p:cNvPr id="3" name="Notes Placeholder 2"/>
+          <p:cNvSpPr>
+            <a:spLocks noGrp="1"/>
+          </p:cNvSpPr>
+          <p:nvPr>
+            <p:ph type="body" idx="1"/>
+          </p:nvPr>
+        </p:nvSpPr>
+        <p:spPr/>
+        <p:txBody>
+          <a:bodyPr/>
+          <a:lstStyle/>
+          <a:p>
+            <a:r>
+              <a:rPr lang="en-ZW" dirty="0"/>
+              <a:t>This plot shows a percent of points gained during the race (in comparison to qualify) as number of gained points divided by number of total possible points to gain from 1st to 10</a:t>
+            </a:r>
+            <a:r>
+              <a:rPr lang="en-ZW" baseline="30000" dirty="0"/>
+              <a:t>th</a:t>
+            </a:r>
+            <a:r>
+              <a:rPr lang="en-ZW" dirty="0"/>
+              <a:t> position, which is 101 points. In fact, the point system has been changed over years, but we use the current system to be able to compare every single year from the history.</a:t>
+            </a:r>
+          </a:p>
+          <a:p>
+            <a:endParaRPr lang="en-ZW" dirty="0"/>
+          </a:p>
+          <a:p>
+            <a:r>
+              <a:rPr lang="en-ZW" dirty="0"/>
+              <a:t>We can see the decrease of newly gained points after qualifying, so it means that today a lot of race results are dependent on qualifying results.</a:t>
+            </a:r>
+          </a:p>
+          <a:p>
+            <a:endParaRPr lang="en-ZW" dirty="0"/>
+          </a:p>
+          <a:p>
+            <a:endParaRPr lang="en-US" dirty="0"/>
+          </a:p>
+        </p:txBody>
+      </p:sp>
+      <p:sp>
+        <p:nvSpPr>
+          <p:cNvPr id="4" name="Slide Number Placeholder 3"/>
+          <p:cNvSpPr>
+            <a:spLocks noGrp="1"/>
+          </p:cNvSpPr>
+          <p:nvPr>
+            <p:ph type="sldNum" sz="quarter" idx="5"/>
+          </p:nvPr>
+        </p:nvSpPr>
+        <p:spPr/>
+        <p:txBody>
+          <a:bodyPr/>
+          <a:lstStyle/>
+          <a:p>
+            <a:fld id="{8B16C77F-3968-400F-9FFF-E15A5979D213}" type="slidenum">
+              <a:rPr lang="en-US" smtClean="0"/>
+              <a:t>10</a:t>
+            </a:fld>
+            <a:endParaRPr lang="en-US"/>
+          </a:p>
+        </p:txBody>
+      </p:sp>
+    </p:spTree>
+    <p:extLst>
+      <p:ext uri="{BB962C8B-B14F-4D97-AF65-F5344CB8AC3E}">
+        <p14:creationId xmlns:p14="http://schemas.microsoft.com/office/powerpoint/2010/main" val="1733821744"/>
+      </p:ext>
+    </p:extLst>
+  </p:cSld>
+  <p:clrMapOvr>
+    <a:masterClrMapping/>
+  </p:clrMapOvr>
+</p:notes>
+</file>
+
+<file path=ppt/notesSlides/notesSlide11.xml><?xml version="1.0" encoding="utf-8"?>
+<p:notes xmlns:a="http://schemas.openxmlformats.org/drawingml/2006/main" xmlns:r="http://schemas.openxmlformats.org/officeDocument/2006/relationships" xmlns:p="http://schemas.openxmlformats.org/presentationml/2006/main">
+  <p:cSld>
+    <p:spTree>
+      <p:nvGrpSpPr>
+        <p:cNvPr id="1" name=""/>
+        <p:cNvGrpSpPr/>
+        <p:nvPr/>
+      </p:nvGrpSpPr>
+      <p:grpSpPr>
+        <a:xfrm>
+          <a:off x="0" y="0"/>
+          <a:ext cx="0" cy="0"/>
+          <a:chOff x="0" y="0"/>
+          <a:chExt cx="0" cy="0"/>
+        </a:xfrm>
+      </p:grpSpPr>
+      <p:sp>
+        <p:nvSpPr>
+          <p:cNvPr id="2" name="Symbol zastępczy obrazu slajdu 1"/>
+          <p:cNvSpPr>
+            <a:spLocks noGrp="1" noRot="1" noChangeAspect="1"/>
+          </p:cNvSpPr>
+          <p:nvPr>
+            <p:ph type="sldImg"/>
+          </p:nvPr>
+        </p:nvSpPr>
+        <p:spPr/>
+      </p:sp>
+      <p:sp>
+        <p:nvSpPr>
+          <p:cNvPr id="3" name="Symbol zastępczy notatek 2"/>
+          <p:cNvSpPr>
+            <a:spLocks noGrp="1"/>
+          </p:cNvSpPr>
+          <p:nvPr>
+            <p:ph type="body" idx="1"/>
+          </p:nvPr>
+        </p:nvSpPr>
+        <p:spPr/>
+        <p:txBody>
+          <a:bodyPr/>
+          <a:lstStyle/>
+          <a:p>
+            <a:r>
+              <a:rPr lang="pl-PL" dirty="0" err="1"/>
+              <a:t>That</a:t>
+            </a:r>
+            <a:r>
+              <a:rPr lang="pl-PL" dirty="0"/>
+              <a:t> was the small </a:t>
+            </a:r>
+            <a:r>
+              <a:rPr lang="pl-PL" dirty="0" err="1"/>
+              <a:t>impressions</a:t>
+            </a:r>
+            <a:r>
+              <a:rPr lang="pl-PL" dirty="0"/>
+              <a:t> of </a:t>
+            </a:r>
+            <a:r>
+              <a:rPr lang="pl-PL" dirty="0" err="1"/>
+              <a:t>journey</a:t>
+            </a:r>
+            <a:r>
+              <a:rPr lang="pl-PL" dirty="0"/>
+              <a:t> we want to </a:t>
+            </a:r>
+            <a:r>
+              <a:rPr lang="pl-PL" dirty="0" err="1"/>
+              <a:t>provide</a:t>
+            </a:r>
+            <a:r>
+              <a:rPr lang="pl-PL" dirty="0"/>
+              <a:t> for the </a:t>
+            </a:r>
+            <a:r>
+              <a:rPr lang="pl-PL" dirty="0" err="1"/>
+              <a:t>user</a:t>
+            </a:r>
+            <a:r>
+              <a:rPr lang="pl-PL" dirty="0"/>
+              <a:t> of the report</a:t>
+            </a:r>
+          </a:p>
+        </p:txBody>
+      </p:sp>
+      <p:sp>
+        <p:nvSpPr>
+          <p:cNvPr id="4" name="Symbol zastępczy numeru slajdu 3"/>
+          <p:cNvSpPr>
+            <a:spLocks noGrp="1"/>
+          </p:cNvSpPr>
+          <p:nvPr>
+            <p:ph type="sldNum" sz="quarter" idx="5"/>
+          </p:nvPr>
+        </p:nvSpPr>
+        <p:spPr/>
+        <p:txBody>
+          <a:bodyPr/>
+          <a:lstStyle/>
+          <a:p>
+            <a:fld id="{8B16C77F-3968-400F-9FFF-E15A5979D213}" type="slidenum">
+              <a:rPr lang="en-US" smtClean="0"/>
+              <a:t>11</a:t>
+            </a:fld>
+            <a:endParaRPr lang="en-US"/>
+          </a:p>
+        </p:txBody>
+      </p:sp>
+    </p:spTree>
+    <p:extLst>
+      <p:ext uri="{BB962C8B-B14F-4D97-AF65-F5344CB8AC3E}">
+        <p14:creationId xmlns:p14="http://schemas.microsoft.com/office/powerpoint/2010/main" val="2691423597"/>
       </p:ext>
     </p:extLst>
   </p:cSld>
@@ -869,43 +951,6 @@
               <a:t>* qualifying* races* results* seasons* status</a:t>
             </a:r>
           </a:p>
-          <a:p>
-            <a:endParaRPr lang="en-US" dirty="0">
-              <a:effectLst/>
-              <a:latin typeface="SFMono-Regular"/>
-            </a:endParaRPr>
-          </a:p>
-          <a:p>
-            <a:r>
-              <a:rPr lang="en-US" dirty="0">
-                <a:effectLst/>
-                <a:latin typeface="SFMono-Regular"/>
-              </a:rPr>
-              <a:t>It is a real challenge to compare drivers, cars and teams, considering very complex structure of the cars and the numerous changing factors on the track.</a:t>
-            </a:r>
-          </a:p>
-          <a:p>
-            <a:endParaRPr lang="en-US" dirty="0">
-              <a:effectLst/>
-              <a:latin typeface="SFMono-Regular"/>
-            </a:endParaRPr>
-          </a:p>
-          <a:p>
-            <a:r>
-              <a:rPr lang="en-US" dirty="0">
-                <a:effectLst/>
-                <a:latin typeface="SFMono-Regular"/>
-              </a:rPr>
-              <a:t>In this project we wish to answer a few interesting questions using some R visualization techniques </a:t>
-            </a:r>
-            <a:br>
-              <a:rPr lang="en-US" dirty="0"/>
-            </a:br>
-            <a:endParaRPr lang="en-US" dirty="0"/>
-          </a:p>
-          <a:p>
-            <a:endParaRPr lang="en-US" dirty="0"/>
-          </a:p>
         </p:txBody>
       </p:sp>
       <p:sp>
@@ -925,7 +970,7 @@
           <a:p>
             <a:fld id="{8B16C77F-3968-400F-9FFF-E15A5979D213}" type="slidenum">
               <a:rPr lang="en-US" smtClean="0"/>
-              <a:t>3</a:t>
+              <a:t>2</a:t>
             </a:fld>
             <a:endParaRPr lang="en-US"/>
           </a:p>
@@ -934,7 +979,7 @@
     </p:spTree>
     <p:extLst>
       <p:ext uri="{BB962C8B-B14F-4D97-AF65-F5344CB8AC3E}">
-        <p14:creationId xmlns:p14="http://schemas.microsoft.com/office/powerpoint/2010/main" val="1963957949"/>
+        <p14:creationId xmlns:p14="http://schemas.microsoft.com/office/powerpoint/2010/main" val="3824148919"/>
       </p:ext>
     </p:extLst>
   </p:cSld>
@@ -988,121 +1033,127 @@
           <a:bodyPr/>
           <a:lstStyle/>
           <a:p>
-            <a:pPr marL="0" marR="0" lvl="0" indent="0" algn="l" defTabSz="914400" rtl="0" eaLnBrk="1" fontAlgn="auto" latinLnBrk="0" hangingPunct="1">
-              <a:lnSpc>
-                <a:spcPct val="100000"/>
-              </a:lnSpc>
-              <a:spcBef>
-                <a:spcPts val="0"/>
-              </a:spcBef>
-              <a:spcAft>
-                <a:spcPts val="0"/>
-              </a:spcAft>
-              <a:buClrTx/>
-              <a:buSzTx/>
-              <a:buFontTx/>
-              <a:buNone/>
-              <a:tabLst/>
-              <a:defRPr/>
-            </a:pPr>
-            <a:r>
-              <a:rPr lang="en-US" b="1" i="0" dirty="0">
-                <a:solidFill>
-                  <a:srgbClr val="202124"/>
-                </a:solidFill>
+            <a:r>
+              <a:rPr lang="en-US" dirty="0">
                 <a:effectLst/>
-                <a:latin typeface="arial" panose="020B0604020202020204" pitchFamily="34" charset="0"/>
+                <a:latin typeface="SFMono-Regular"/>
               </a:rPr>
-              <a:t>Formula 1 is known world over and is not only popular for motorsport lovers but all other people too. It</a:t>
-            </a:r>
-            <a:r>
-              <a:rPr lang="en-US" b="0" i="0" dirty="0">
-                <a:solidFill>
-                  <a:srgbClr val="202124"/>
-                </a:solidFill>
+              <a:t>The dataset used in this project consists of information about F1 races statistics from 1950 until the latest 2020 season. </a:t>
+            </a:r>
+          </a:p>
+          <a:p>
+            <a:r>
+              <a:rPr lang="en-US" dirty="0">
                 <a:effectLst/>
-                <a:latin typeface="arial" panose="020B0604020202020204" pitchFamily="34" charset="0"/>
+                <a:latin typeface="SFMono-Regular"/>
               </a:rPr>
-              <a:t> is a massive research and development powerhouse. Some research has shown that technologies developed within F1 team factories find their way into other industries, making human lives simpler, safer and more efficient.</a:t>
-            </a:r>
-          </a:p>
-          <a:p>
-            <a:pPr marL="0" marR="0" lvl="0" indent="0" algn="l" defTabSz="914400" rtl="0" eaLnBrk="1" fontAlgn="auto" latinLnBrk="0" hangingPunct="1">
-              <a:lnSpc>
-                <a:spcPct val="100000"/>
-              </a:lnSpc>
-              <a:spcBef>
-                <a:spcPts val="0"/>
-              </a:spcBef>
-              <a:spcAft>
-                <a:spcPts val="0"/>
-              </a:spcAft>
-              <a:buClrTx/>
-              <a:buSzTx/>
-              <a:buFontTx/>
-              <a:buNone/>
-              <a:tabLst/>
-              <a:defRPr/>
-            </a:pPr>
-            <a:endParaRPr lang="en-US" b="0" i="0" dirty="0">
-              <a:solidFill>
-                <a:srgbClr val="202124"/>
-              </a:solidFill>
+              <a:t>It was shared by </a:t>
+            </a:r>
+            <a:r>
+              <a:rPr lang="en-US" dirty="0" err="1">
+                <a:effectLst/>
+                <a:latin typeface="SFMono-Regular"/>
+              </a:rPr>
+              <a:t>Vopani</a:t>
+            </a:r>
+            <a:r>
+              <a:rPr lang="en-US" dirty="0">
+                <a:effectLst/>
+                <a:latin typeface="SFMono-Regular"/>
+              </a:rPr>
+              <a:t> on the Kaggle platform and consists of 13 csv files: </a:t>
+            </a:r>
+          </a:p>
+          <a:p>
+            <a:endParaRPr lang="en-US" dirty="0">
               <a:effectLst/>
-              <a:latin typeface="arial" panose="020B0604020202020204" pitchFamily="34" charset="0"/>
+              <a:latin typeface="SFMono-Regular"/>
             </a:endParaRPr>
           </a:p>
           <a:p>
-            <a:pPr marL="0" marR="0" lvl="0" indent="0" algn="l" defTabSz="914400" rtl="0" eaLnBrk="1" fontAlgn="auto" latinLnBrk="0" hangingPunct="1">
-              <a:lnSpc>
-                <a:spcPct val="100000"/>
-              </a:lnSpc>
-              <a:spcBef>
-                <a:spcPts val="0"/>
-              </a:spcBef>
-              <a:spcAft>
-                <a:spcPts val="0"/>
-              </a:spcAft>
-              <a:buClrTx/>
-              <a:buSzTx/>
-              <a:buFontTx/>
-              <a:buNone/>
-              <a:tabLst/>
-              <a:defRPr/>
-            </a:pPr>
-            <a:r>
-              <a:rPr lang="en-US" b="0" i="0" dirty="0">
-                <a:solidFill>
-                  <a:srgbClr val="202124"/>
-                </a:solidFill>
+            <a:r>
+              <a:rPr lang="en-US" dirty="0">
                 <a:effectLst/>
-                <a:latin typeface="arial" panose="020B0604020202020204" pitchFamily="34" charset="0"/>
+                <a:latin typeface="SFMono-Regular"/>
               </a:rPr>
-              <a:t>Over the past 70 years F1 has been done in 6 continents and this map of circuits shows a densely populated number of races being in Europe</a:t>
-            </a:r>
-          </a:p>
-          <a:p>
-            <a:pPr marL="0" marR="0" lvl="0" indent="0" algn="l" defTabSz="914400" rtl="0" eaLnBrk="1" fontAlgn="auto" latinLnBrk="0" hangingPunct="1">
-              <a:lnSpc>
-                <a:spcPct val="100000"/>
-              </a:lnSpc>
-              <a:spcBef>
-                <a:spcPts val="0"/>
-              </a:spcBef>
-              <a:spcAft>
-                <a:spcPts val="0"/>
-              </a:spcAft>
-              <a:buClrTx/>
-              <a:buSzTx/>
-              <a:buFontTx/>
-              <a:buNone/>
-              <a:tabLst/>
-              <a:defRPr/>
-            </a:pPr>
-            <a:endParaRPr lang="en-US" dirty="0"/>
-          </a:p>
-          <a:p>
-            <a:endParaRPr lang="en-US" dirty="0"/>
+              <a:t>* circuits* </a:t>
+            </a:r>
+            <a:r>
+              <a:rPr lang="en-US" dirty="0" err="1">
+                <a:effectLst/>
+                <a:latin typeface="SFMono-Regular"/>
+              </a:rPr>
+              <a:t>constructor_results</a:t>
+            </a:r>
+            <a:r>
+              <a:rPr lang="en-US" dirty="0">
+                <a:effectLst/>
+                <a:latin typeface="SFMono-Regular"/>
+              </a:rPr>
+              <a:t>* </a:t>
+            </a:r>
+            <a:r>
+              <a:rPr lang="en-US" dirty="0" err="1">
+                <a:effectLst/>
+                <a:latin typeface="SFMono-Regular"/>
+              </a:rPr>
+              <a:t>constructor_standings</a:t>
+            </a:r>
+            <a:r>
+              <a:rPr lang="en-US" dirty="0">
+                <a:effectLst/>
+                <a:latin typeface="SFMono-Regular"/>
+              </a:rPr>
+              <a:t>* constructors* </a:t>
+            </a:r>
+            <a:r>
+              <a:rPr lang="en-US" dirty="0" err="1">
+                <a:effectLst/>
+                <a:latin typeface="SFMono-Regular"/>
+              </a:rPr>
+              <a:t>driver_standings</a:t>
+            </a:r>
+            <a:r>
+              <a:rPr lang="en-US" dirty="0">
+                <a:effectLst/>
+                <a:latin typeface="SFMono-Regular"/>
+              </a:rPr>
+              <a:t>* drivers* </a:t>
+            </a:r>
+            <a:r>
+              <a:rPr lang="en-US" dirty="0" err="1">
+                <a:effectLst/>
+                <a:latin typeface="SFMono-Regular"/>
+              </a:rPr>
+              <a:t>lap_times</a:t>
+            </a:r>
+            <a:r>
+              <a:rPr lang="en-US" dirty="0">
+                <a:effectLst/>
+                <a:latin typeface="SFMono-Regular"/>
+              </a:rPr>
+              <a:t>* </a:t>
+            </a:r>
+            <a:r>
+              <a:rPr lang="en-US" dirty="0" err="1">
+                <a:effectLst/>
+                <a:latin typeface="SFMono-Regular"/>
+              </a:rPr>
+              <a:t>pit_stops</a:t>
+            </a:r>
+            <a:r>
+              <a:rPr lang="en-US" dirty="0">
+                <a:effectLst/>
+                <a:latin typeface="SFMono-Regular"/>
+              </a:rPr>
+              <a:t>* qualifying* races* results* seasons* status</a:t>
+            </a:r>
+          </a:p>
+          <a:p>
+            <a:endParaRPr lang="en-US" dirty="0">
+              <a:effectLst/>
+              <a:latin typeface="SFMono-Regular"/>
+            </a:endParaRPr>
           </a:p>
         </p:txBody>
       </p:sp>
@@ -1123,7 +1174,7 @@
           <a:p>
             <a:fld id="{8B16C77F-3968-400F-9FFF-E15A5979D213}" type="slidenum">
               <a:rPr lang="en-US" smtClean="0"/>
-              <a:t>4</a:t>
+              <a:t>3</a:t>
             </a:fld>
             <a:endParaRPr lang="en-US"/>
           </a:p>
@@ -1132,7 +1183,7 @@
     </p:spTree>
     <p:extLst>
       <p:ext uri="{BB962C8B-B14F-4D97-AF65-F5344CB8AC3E}">
-        <p14:creationId xmlns:p14="http://schemas.microsoft.com/office/powerpoint/2010/main" val="2558565497"/>
+        <p14:creationId xmlns:p14="http://schemas.microsoft.com/office/powerpoint/2010/main" val="1963957949"/>
       </p:ext>
     </p:extLst>
   </p:cSld>
@@ -1186,10 +1237,6 @@
           <a:bodyPr/>
           <a:lstStyle/>
           <a:p>
-            <a:r>
-              <a:rPr lang="en-ZW" dirty="0"/>
-              <a:t>This question will be evaluated using the following two slides </a:t>
-            </a:r>
             <a:endParaRPr lang="en-US" dirty="0"/>
           </a:p>
         </p:txBody>
@@ -1211,7 +1258,7 @@
           <a:p>
             <a:fld id="{8B16C77F-3968-400F-9FFF-E15A5979D213}" type="slidenum">
               <a:rPr lang="en-US" smtClean="0"/>
-              <a:t>5</a:t>
+              <a:t>4</a:t>
             </a:fld>
             <a:endParaRPr lang="en-US"/>
           </a:p>
@@ -1220,7 +1267,7 @@
     </p:spTree>
     <p:extLst>
       <p:ext uri="{BB962C8B-B14F-4D97-AF65-F5344CB8AC3E}">
-        <p14:creationId xmlns:p14="http://schemas.microsoft.com/office/powerpoint/2010/main" val="952584712"/>
+        <p14:creationId xmlns:p14="http://schemas.microsoft.com/office/powerpoint/2010/main" val="2558565497"/>
       </p:ext>
     </p:extLst>
   </p:cSld>
@@ -1274,75 +1321,6 @@
           <a:bodyPr/>
           <a:lstStyle/>
           <a:p>
-            <a:r>
-              <a:rPr lang="en-ZW" dirty="0"/>
-              <a:t>In each decade there are variations.</a:t>
-            </a:r>
-          </a:p>
-          <a:p>
-            <a:endParaRPr lang="en-ZW" dirty="0"/>
-          </a:p>
-          <a:p>
-            <a:r>
-              <a:rPr lang="en-ZW" dirty="0"/>
-              <a:t>This plot shows the </a:t>
-            </a:r>
-            <a:r>
-              <a:rPr lang="en-US" b="0" i="0" dirty="0">
-                <a:solidFill>
-                  <a:srgbClr val="050505"/>
-                </a:solidFill>
-                <a:effectLst/>
-                <a:latin typeface="Segoe UI Historic" panose="020B0502040204020203" pitchFamily="34" charset="0"/>
-              </a:rPr>
-              <a:t>accumulated sum of points for top 10 </a:t>
-            </a:r>
-            <a:r>
-              <a:rPr lang="en-US" b="0" i="0" dirty="0" err="1">
-                <a:solidFill>
-                  <a:srgbClr val="050505"/>
-                </a:solidFill>
-                <a:effectLst/>
-                <a:latin typeface="Segoe UI Historic" panose="020B0502040204020203" pitchFamily="34" charset="0"/>
-              </a:rPr>
-              <a:t>constractors</a:t>
-            </a:r>
-            <a:r>
-              <a:rPr lang="en-US" b="0" i="0" dirty="0">
-                <a:solidFill>
-                  <a:srgbClr val="050505"/>
-                </a:solidFill>
-                <a:effectLst/>
-                <a:latin typeface="Segoe UI Historic" panose="020B0502040204020203" pitchFamily="34" charset="0"/>
-              </a:rPr>
-              <a:t> over the years</a:t>
-            </a:r>
-          </a:p>
-          <a:p>
-            <a:r>
-              <a:rPr lang="en-US" b="0" i="0" dirty="0">
-                <a:solidFill>
-                  <a:srgbClr val="050505"/>
-                </a:solidFill>
-                <a:effectLst/>
-                <a:latin typeface="Segoe UI Historic" panose="020B0502040204020203" pitchFamily="34" charset="0"/>
-              </a:rPr>
-              <a:t>The accumulated number  for the Mercedes increased the fastest regardless of the Mercedes being introduced in later years.</a:t>
-            </a:r>
-          </a:p>
-          <a:p>
-            <a:r>
-              <a:rPr lang="en-US" b="0" i="0" dirty="0">
-                <a:solidFill>
-                  <a:srgbClr val="050505"/>
-                </a:solidFill>
-                <a:effectLst/>
-                <a:latin typeface="Segoe UI Historic" panose="020B0502040204020203" pitchFamily="34" charset="0"/>
-              </a:rPr>
-              <a:t>The Ferrari has the  highest number of accumulated points</a:t>
-            </a:r>
-          </a:p>
-          <a:p>
             <a:endParaRPr lang="en-US" dirty="0"/>
           </a:p>
         </p:txBody>
@@ -1364,7 +1342,7 @@
           <a:p>
             <a:fld id="{8B16C77F-3968-400F-9FFF-E15A5979D213}" type="slidenum">
               <a:rPr lang="en-US" smtClean="0"/>
-              <a:t>6</a:t>
+              <a:t>5</a:t>
             </a:fld>
             <a:endParaRPr lang="en-US"/>
           </a:p>
@@ -1373,7 +1351,7 @@
     </p:spTree>
     <p:extLst>
       <p:ext uri="{BB962C8B-B14F-4D97-AF65-F5344CB8AC3E}">
-        <p14:creationId xmlns:p14="http://schemas.microsoft.com/office/powerpoint/2010/main" val="331220547"/>
+        <p14:creationId xmlns:p14="http://schemas.microsoft.com/office/powerpoint/2010/main" val="952584712"/>
       </p:ext>
     </p:extLst>
   </p:cSld>
@@ -1429,7 +1407,58 @@
           <a:p>
             <a:r>
               <a:rPr lang="en-ZW" dirty="0"/>
-              <a:t>This question will be evaluated using the following two slides </a:t>
+              <a:t>Here we can see how close were the top 10 teams to each other from the beginning of the formula 1 history</a:t>
+            </a:r>
+          </a:p>
+          <a:p>
+            <a:endParaRPr lang="en-ZW" dirty="0"/>
+          </a:p>
+          <a:p>
+            <a:r>
+              <a:rPr lang="en-ZW" dirty="0"/>
+              <a:t>This plot shows the </a:t>
+            </a:r>
+            <a:r>
+              <a:rPr lang="en-US" b="0" i="0" dirty="0">
+                <a:solidFill>
+                  <a:srgbClr val="050505"/>
+                </a:solidFill>
+                <a:effectLst/>
+                <a:latin typeface="Segoe UI Historic" panose="020B0502040204020203" pitchFamily="34" charset="0"/>
+              </a:rPr>
+              <a:t>accumulated sum of points for top 10 </a:t>
+            </a:r>
+            <a:r>
+              <a:rPr lang="en-US" b="0" i="0" dirty="0" err="1">
+                <a:solidFill>
+                  <a:srgbClr val="050505"/>
+                </a:solidFill>
+                <a:effectLst/>
+                <a:latin typeface="Segoe UI Historic" panose="020B0502040204020203" pitchFamily="34" charset="0"/>
+              </a:rPr>
+              <a:t>constractors</a:t>
+            </a:r>
+            <a:r>
+              <a:rPr lang="en-US" b="0" i="0" dirty="0">
+                <a:solidFill>
+                  <a:srgbClr val="050505"/>
+                </a:solidFill>
+                <a:effectLst/>
+                <a:latin typeface="Segoe UI Historic" panose="020B0502040204020203" pitchFamily="34" charset="0"/>
+              </a:rPr>
+              <a:t> over the years</a:t>
+            </a:r>
+          </a:p>
+          <a:p>
+            <a:r>
+              <a:rPr lang="en-US" b="0" i="0" dirty="0">
+                <a:solidFill>
+                  <a:srgbClr val="050505"/>
+                </a:solidFill>
+                <a:effectLst/>
+                <a:latin typeface="Segoe UI Historic" panose="020B0502040204020203" pitchFamily="34" charset="0"/>
+              </a:rPr>
+              <a:t>4 from the top 10 teams were born after 2000, so it looks quite impressive they could reach this level so quickly and maybe shows the new quality of team management</a:t>
             </a:r>
             <a:endParaRPr lang="en-US" dirty="0"/>
           </a:p>
@@ -1452,7 +1481,7 @@
           <a:p>
             <a:fld id="{8B16C77F-3968-400F-9FFF-E15A5979D213}" type="slidenum">
               <a:rPr lang="en-US" smtClean="0"/>
-              <a:t>7</a:t>
+              <a:t>6</a:t>
             </a:fld>
             <a:endParaRPr lang="en-US"/>
           </a:p>
@@ -1461,7 +1490,7 @@
     </p:spTree>
     <p:extLst>
       <p:ext uri="{BB962C8B-B14F-4D97-AF65-F5344CB8AC3E}">
-        <p14:creationId xmlns:p14="http://schemas.microsoft.com/office/powerpoint/2010/main" val="1120479891"/>
+        <p14:creationId xmlns:p14="http://schemas.microsoft.com/office/powerpoint/2010/main" val="331220547"/>
       </p:ext>
     </p:extLst>
   </p:cSld>
@@ -1490,7 +1519,7 @@
       </p:grpSpPr>
       <p:sp>
         <p:nvSpPr>
-          <p:cNvPr id="2" name="Symbol zastępczy obrazu slajdu 1"/>
+          <p:cNvPr id="2" name="Slide Image Placeholder 1"/>
           <p:cNvSpPr>
             <a:spLocks noGrp="1" noRot="1" noChangeAspect="1"/>
           </p:cNvSpPr>
@@ -1502,7 +1531,7 @@
       </p:sp>
       <p:sp>
         <p:nvSpPr>
-          <p:cNvPr id="3" name="Symbol zastępczy notatek 2"/>
+          <p:cNvPr id="3" name="Notes Placeholder 2"/>
           <p:cNvSpPr>
             <a:spLocks noGrp="1"/>
           </p:cNvSpPr>
@@ -1515,13 +1544,13 @@
           <a:bodyPr/>
           <a:lstStyle/>
           <a:p>
-            <a:endParaRPr lang="pl-PL" dirty="0"/>
-          </a:p>
-        </p:txBody>
-      </p:sp>
-      <p:sp>
-        <p:nvSpPr>
-          <p:cNvPr id="4" name="Symbol zastępczy numeru slajdu 3"/>
+            <a:endParaRPr lang="en-US" dirty="0"/>
+          </a:p>
+        </p:txBody>
+      </p:sp>
+      <p:sp>
+        <p:nvSpPr>
+          <p:cNvPr id="4" name="Slide Number Placeholder 3"/>
           <p:cNvSpPr>
             <a:spLocks noGrp="1"/>
           </p:cNvSpPr>
@@ -1536,7 +1565,7 @@
           <a:p>
             <a:fld id="{8B16C77F-3968-400F-9FFF-E15A5979D213}" type="slidenum">
               <a:rPr lang="en-US" smtClean="0"/>
-              <a:t>8</a:t>
+              <a:t>7</a:t>
             </a:fld>
             <a:endParaRPr lang="en-US"/>
           </a:p>
@@ -1545,7 +1574,7 @@
     </p:spTree>
     <p:extLst>
       <p:ext uri="{BB962C8B-B14F-4D97-AF65-F5344CB8AC3E}">
-        <p14:creationId xmlns:p14="http://schemas.microsoft.com/office/powerpoint/2010/main" val="4221663633"/>
+        <p14:creationId xmlns:p14="http://schemas.microsoft.com/office/powerpoint/2010/main" val="1120479891"/>
       </p:ext>
     </p:extLst>
   </p:cSld>
@@ -1574,7 +1603,7 @@
       </p:grpSpPr>
       <p:sp>
         <p:nvSpPr>
-          <p:cNvPr id="2" name="Slide Image Placeholder 1"/>
+          <p:cNvPr id="2" name="Symbol zastępczy obrazu slajdu 1"/>
           <p:cNvSpPr>
             <a:spLocks noGrp="1" noRot="1" noChangeAspect="1"/>
           </p:cNvSpPr>
@@ -1586,7 +1615,7 @@
       </p:sp>
       <p:sp>
         <p:nvSpPr>
-          <p:cNvPr id="3" name="Notes Placeholder 2"/>
+          <p:cNvPr id="3" name="Symbol zastępczy notatek 2"/>
           <p:cNvSpPr>
             <a:spLocks noGrp="1"/>
           </p:cNvSpPr>
@@ -1600,40 +1629,119 @@
           <a:lstStyle/>
           <a:p>
             <a:r>
-              <a:rPr lang="en-US" b="0" i="0" dirty="0">
-                <a:solidFill>
-                  <a:srgbClr val="222222"/>
-                </a:solidFill>
-                <a:effectLst/>
-                <a:latin typeface="Arial" panose="020B0604020202020204" pitchFamily="34" charset="0"/>
-              </a:rPr>
-              <a:t>Is F1 currently being won in qualifying?</a:t>
-            </a:r>
-          </a:p>
-          <a:p>
-            <a:r>
-              <a:rPr lang="en-ZW" dirty="0"/>
-              <a:t>This plot shows a percent of points gained during the race (in comparison to qualify) as number of gained points divided by number of total possible points to gain from 1st to 10</a:t>
-            </a:r>
-            <a:r>
-              <a:rPr lang="en-ZW" baseline="30000" dirty="0"/>
-              <a:t>th</a:t>
-            </a:r>
-            <a:r>
-              <a:rPr lang="en-ZW" dirty="0"/>
-              <a:t> position, which is 101 points. In fact, the point system has been changed over years, but we use the current system to be able to compare every single year from </a:t>
-            </a:r>
-            <a:r>
-              <a:rPr lang="en-ZW"/>
-              <a:t>the history.</a:t>
-            </a:r>
-            <a:endParaRPr lang="en-US" dirty="0"/>
-          </a:p>
-        </p:txBody>
-      </p:sp>
-      <p:sp>
-        <p:nvSpPr>
-          <p:cNvPr id="4" name="Slide Number Placeholder 3"/>
+              <a:rPr lang="pl-PL" dirty="0"/>
+              <a:t>Here we </a:t>
+            </a:r>
+            <a:r>
+              <a:rPr lang="pl-PL" dirty="0" err="1"/>
+              <a:t>can</a:t>
+            </a:r>
+            <a:r>
+              <a:rPr lang="pl-PL" dirty="0"/>
+              <a:t> </a:t>
+            </a:r>
+            <a:r>
+              <a:rPr lang="pl-PL" dirty="0" err="1"/>
+              <a:t>see</a:t>
+            </a:r>
+            <a:r>
+              <a:rPr lang="pl-PL" dirty="0"/>
+              <a:t> the top 25 </a:t>
+            </a:r>
+            <a:r>
+              <a:rPr lang="pl-PL" dirty="0" err="1"/>
+              <a:t>drivers</a:t>
+            </a:r>
+            <a:r>
+              <a:rPr lang="pl-PL" dirty="0"/>
+              <a:t> in the F1 </a:t>
+            </a:r>
+            <a:r>
+              <a:rPr lang="pl-PL" dirty="0" err="1"/>
+              <a:t>history</a:t>
+            </a:r>
+            <a:r>
+              <a:rPr lang="pl-PL" dirty="0"/>
+              <a:t> </a:t>
+            </a:r>
+            <a:r>
+              <a:rPr lang="pl-PL" dirty="0" err="1"/>
+              <a:t>based</a:t>
+            </a:r>
+            <a:r>
+              <a:rPr lang="pl-PL" dirty="0"/>
+              <a:t> of </a:t>
+            </a:r>
+            <a:r>
+              <a:rPr lang="pl-PL" dirty="0" err="1"/>
+              <a:t>number</a:t>
+            </a:r>
+            <a:r>
+              <a:rPr lang="pl-PL" dirty="0"/>
+              <a:t> of </a:t>
+            </a:r>
+            <a:r>
+              <a:rPr lang="pl-PL" dirty="0" err="1"/>
+              <a:t>points</a:t>
+            </a:r>
+            <a:r>
+              <a:rPr lang="pl-PL" dirty="0"/>
+              <a:t> and the </a:t>
+            </a:r>
+            <a:r>
+              <a:rPr lang="pl-PL" dirty="0" err="1"/>
+              <a:t>dominance</a:t>
+            </a:r>
+            <a:r>
+              <a:rPr lang="pl-PL" dirty="0"/>
+              <a:t> of the </a:t>
+            </a:r>
+            <a:r>
+              <a:rPr lang="pl-PL" dirty="0" err="1"/>
+              <a:t>last</a:t>
+            </a:r>
+            <a:r>
+              <a:rPr lang="pl-PL" dirty="0"/>
+              <a:t> 2 </a:t>
+            </a:r>
+            <a:r>
+              <a:rPr lang="pl-PL" dirty="0" err="1"/>
+              <a:t>decades</a:t>
+            </a:r>
+            <a:r>
+              <a:rPr lang="pl-PL" dirty="0"/>
+              <a:t> </a:t>
+            </a:r>
+            <a:r>
+              <a:rPr lang="pl-PL" dirty="0" err="1"/>
+              <a:t>champions</a:t>
+            </a:r>
+            <a:r>
+              <a:rPr lang="pl-PL" dirty="0"/>
+              <a:t> – </a:t>
+            </a:r>
+            <a:r>
+              <a:rPr lang="pl-PL" dirty="0" err="1"/>
+              <a:t>Seb</a:t>
+            </a:r>
+            <a:r>
+              <a:rPr lang="pl-PL" dirty="0"/>
+              <a:t> </a:t>
+            </a:r>
+            <a:r>
+              <a:rPr lang="pl-PL" dirty="0" err="1"/>
+              <a:t>Vettel</a:t>
+            </a:r>
+            <a:r>
+              <a:rPr lang="pl-PL" dirty="0"/>
+              <a:t> and Lewis Hamilton</a:t>
+            </a:r>
+          </a:p>
+        </p:txBody>
+      </p:sp>
+      <p:sp>
+        <p:nvSpPr>
+          <p:cNvPr id="4" name="Symbol zastępczy numeru slajdu 3"/>
           <p:cNvSpPr>
             <a:spLocks noGrp="1"/>
           </p:cNvSpPr>
@@ -1648,7 +1756,7 @@
           <a:p>
             <a:fld id="{8B16C77F-3968-400F-9FFF-E15A5979D213}" type="slidenum">
               <a:rPr lang="en-US" smtClean="0"/>
-              <a:t>10</a:t>
+              <a:t>8</a:t>
             </a:fld>
             <a:endParaRPr lang="en-US"/>
           </a:p>
@@ -1657,7 +1765,91 @@
     </p:spTree>
     <p:extLst>
       <p:ext uri="{BB962C8B-B14F-4D97-AF65-F5344CB8AC3E}">
-        <p14:creationId xmlns:p14="http://schemas.microsoft.com/office/powerpoint/2010/main" val="1733821744"/>
+        <p14:creationId xmlns:p14="http://schemas.microsoft.com/office/powerpoint/2010/main" val="4221663633"/>
+      </p:ext>
+    </p:extLst>
+  </p:cSld>
+  <p:clrMapOvr>
+    <a:masterClrMapping/>
+  </p:clrMapOvr>
+</p:notes>
+</file>
+
+<file path=ppt/notesSlides/notesSlide9.xml><?xml version="1.0" encoding="utf-8"?>
+<p:notes xmlns:a="http://schemas.openxmlformats.org/drawingml/2006/main" xmlns:r="http://schemas.openxmlformats.org/officeDocument/2006/relationships" xmlns:p="http://schemas.openxmlformats.org/presentationml/2006/main">
+  <p:cSld>
+    <p:spTree>
+      <p:nvGrpSpPr>
+        <p:cNvPr id="1" name=""/>
+        <p:cNvGrpSpPr/>
+        <p:nvPr/>
+      </p:nvGrpSpPr>
+      <p:grpSpPr>
+        <a:xfrm>
+          <a:off x="0" y="0"/>
+          <a:ext cx="0" cy="0"/>
+          <a:chOff x="0" y="0"/>
+          <a:chExt cx="0" cy="0"/>
+        </a:xfrm>
+      </p:grpSpPr>
+      <p:sp>
+        <p:nvSpPr>
+          <p:cNvPr id="2" name="Symbol zastępczy obrazu slajdu 1"/>
+          <p:cNvSpPr>
+            <a:spLocks noGrp="1" noRot="1" noChangeAspect="1"/>
+          </p:cNvSpPr>
+          <p:nvPr>
+            <p:ph type="sldImg"/>
+          </p:nvPr>
+        </p:nvSpPr>
+        <p:spPr/>
+      </p:sp>
+      <p:sp>
+        <p:nvSpPr>
+          <p:cNvPr id="3" name="Symbol zastępczy notatek 2"/>
+          <p:cNvSpPr>
+            <a:spLocks noGrp="1"/>
+          </p:cNvSpPr>
+          <p:nvPr>
+            <p:ph type="body" idx="1"/>
+          </p:nvPr>
+        </p:nvSpPr>
+        <p:spPr/>
+        <p:txBody>
+          <a:bodyPr/>
+          <a:lstStyle/>
+          <a:p>
+            <a:endParaRPr lang="pl-PL" dirty="0"/>
+          </a:p>
+        </p:txBody>
+      </p:sp>
+      <p:sp>
+        <p:nvSpPr>
+          <p:cNvPr id="4" name="Symbol zastępczy numeru slajdu 3"/>
+          <p:cNvSpPr>
+            <a:spLocks noGrp="1"/>
+          </p:cNvSpPr>
+          <p:nvPr>
+            <p:ph type="sldNum" sz="quarter" idx="5"/>
+          </p:nvPr>
+        </p:nvSpPr>
+        <p:spPr/>
+        <p:txBody>
+          <a:bodyPr/>
+          <a:lstStyle/>
+          <a:p>
+            <a:fld id="{8B16C77F-3968-400F-9FFF-E15A5979D213}" type="slidenum">
+              <a:rPr lang="en-US" smtClean="0"/>
+              <a:t>9</a:t>
+            </a:fld>
+            <a:endParaRPr lang="en-US"/>
+          </a:p>
+        </p:txBody>
+      </p:sp>
+    </p:spTree>
+    <p:extLst>
+      <p:ext uri="{BB962C8B-B14F-4D97-AF65-F5344CB8AC3E}">
+        <p14:creationId xmlns:p14="http://schemas.microsoft.com/office/powerpoint/2010/main" val="2232030048"/>
       </p:ext>
     </p:extLst>
   </p:cSld>
@@ -1822,7 +2014,7 @@
           <a:p>
             <a:fld id="{276D79ED-3FA7-4EF8-964B-EB8BCFAB02F8}" type="datetimeFigureOut">
               <a:rPr lang="en-US" smtClean="0"/>
-              <a:t>1/22/21</a:t>
+              <a:t>2/1/21</a:t>
             </a:fld>
             <a:endParaRPr lang="en-US"/>
           </a:p>
@@ -1992,7 +2184,7 @@
           <a:p>
             <a:fld id="{276D79ED-3FA7-4EF8-964B-EB8BCFAB02F8}" type="datetimeFigureOut">
               <a:rPr lang="en-US" smtClean="0"/>
-              <a:t>1/22/21</a:t>
+              <a:t>2/1/21</a:t>
             </a:fld>
             <a:endParaRPr lang="en-US"/>
           </a:p>
@@ -2238,7 +2430,7 @@
           <a:p>
             <a:fld id="{276D79ED-3FA7-4EF8-964B-EB8BCFAB02F8}" type="datetimeFigureOut">
               <a:rPr lang="en-US" smtClean="0"/>
-              <a:t>1/22/21</a:t>
+              <a:t>2/1/21</a:t>
             </a:fld>
             <a:endParaRPr lang="en-US"/>
           </a:p>
@@ -2470,7 +2662,7 @@
           <a:p>
             <a:fld id="{276D79ED-3FA7-4EF8-964B-EB8BCFAB02F8}" type="datetimeFigureOut">
               <a:rPr lang="en-US" smtClean="0"/>
-              <a:t>1/22/21</a:t>
+              <a:t>2/1/21</a:t>
             </a:fld>
             <a:endParaRPr lang="en-US"/>
           </a:p>
@@ -2837,7 +3029,7 @@
           <a:p>
             <a:fld id="{276D79ED-3FA7-4EF8-964B-EB8BCFAB02F8}" type="datetimeFigureOut">
               <a:rPr lang="en-US" smtClean="0"/>
-              <a:t>1/22/21</a:t>
+              <a:t>2/1/21</a:t>
             </a:fld>
             <a:endParaRPr lang="en-US"/>
           </a:p>
@@ -2955,7 +3147,7 @@
           <a:p>
             <a:fld id="{276D79ED-3FA7-4EF8-964B-EB8BCFAB02F8}" type="datetimeFigureOut">
               <a:rPr lang="en-US" smtClean="0"/>
-              <a:t>1/22/21</a:t>
+              <a:t>2/1/21</a:t>
             </a:fld>
             <a:endParaRPr lang="en-US"/>
           </a:p>
@@ -3050,7 +3242,7 @@
           <a:p>
             <a:fld id="{276D79ED-3FA7-4EF8-964B-EB8BCFAB02F8}" type="datetimeFigureOut">
               <a:rPr lang="en-US" smtClean="0"/>
-              <a:t>1/22/21</a:t>
+              <a:t>2/1/21</a:t>
             </a:fld>
             <a:endParaRPr lang="en-US"/>
           </a:p>
@@ -3327,7 +3519,7 @@
           <a:p>
             <a:fld id="{276D79ED-3FA7-4EF8-964B-EB8BCFAB02F8}" type="datetimeFigureOut">
               <a:rPr lang="en-US" smtClean="0"/>
-              <a:t>1/22/21</a:t>
+              <a:t>2/1/21</a:t>
             </a:fld>
             <a:endParaRPr lang="en-US"/>
           </a:p>
@@ -3584,7 +3776,7 @@
           <a:p>
             <a:fld id="{276D79ED-3FA7-4EF8-964B-EB8BCFAB02F8}" type="datetimeFigureOut">
               <a:rPr lang="en-US" smtClean="0"/>
-              <a:t>1/22/21</a:t>
+              <a:t>2/1/21</a:t>
             </a:fld>
             <a:endParaRPr lang="en-US"/>
           </a:p>
@@ -3805,7 +3997,7 @@
             <a:fld id="{276D79ED-3FA7-4EF8-964B-EB8BCFAB02F8}" type="datetimeFigureOut">
               <a:rPr lang="en-US" smtClean="0"/>
               <a:pPr/>
-              <a:t>1/22/21</a:t>
+              <a:t>2/1/21</a:t>
             </a:fld>
             <a:endParaRPr lang="en-US"/>
           </a:p>
